--- a/Capstone2/Capstone2_FinalPres.pptx
+++ b/Capstone2/Capstone2_FinalPres.pptx
@@ -9,25 +9,20 @@
     <p:sldId id="257" r:id="rId3"/>
     <p:sldId id="258" r:id="rId4"/>
     <p:sldId id="259" r:id="rId5"/>
-    <p:sldId id="260" r:id="rId6"/>
-    <p:sldId id="261" r:id="rId7"/>
-    <p:sldId id="262" r:id="rId8"/>
-    <p:sldId id="263" r:id="rId9"/>
-    <p:sldId id="264" r:id="rId10"/>
-    <p:sldId id="265" r:id="rId11"/>
-    <p:sldId id="266" r:id="rId12"/>
-    <p:sldId id="267" r:id="rId13"/>
-    <p:sldId id="268" r:id="rId14"/>
-    <p:sldId id="269" r:id="rId15"/>
-    <p:sldId id="270" r:id="rId16"/>
-    <p:sldId id="272" r:id="rId17"/>
-    <p:sldId id="273" r:id="rId18"/>
-    <p:sldId id="271" r:id="rId19"/>
-    <p:sldId id="274" r:id="rId20"/>
-    <p:sldId id="275" r:id="rId21"/>
-    <p:sldId id="276" r:id="rId22"/>
-    <p:sldId id="277" r:id="rId23"/>
-    <p:sldId id="278" r:id="rId24"/>
+    <p:sldId id="261" r:id="rId6"/>
+    <p:sldId id="263" r:id="rId7"/>
+    <p:sldId id="270" r:id="rId8"/>
+    <p:sldId id="272" r:id="rId9"/>
+    <p:sldId id="273" r:id="rId10"/>
+    <p:sldId id="282" r:id="rId11"/>
+    <p:sldId id="283" r:id="rId12"/>
+    <p:sldId id="275" r:id="rId13"/>
+    <p:sldId id="279" r:id="rId14"/>
+    <p:sldId id="280" r:id="rId15"/>
+    <p:sldId id="276" r:id="rId16"/>
+    <p:sldId id="277" r:id="rId17"/>
+    <p:sldId id="278" r:id="rId18"/>
+    <p:sldId id="281" r:id="rId19"/>
   </p:sldIdLst>
   <p:sldSz cx="9144000" cy="6858000" type="screen4x3"/>
   <p:notesSz cx="6858000" cy="9144000"/>
@@ -310,7 +305,7 @@
           <a:p>
             <a:fld id="{669F01BA-4BA4-43F7-831F-548FDB01749C}" type="datetimeFigureOut">
               <a:rPr lang="en-US" smtClean="0"/>
-              <a:t>2/3/2021</a:t>
+              <a:t>3/1/2021</a:t>
             </a:fld>
             <a:endParaRPr lang="en-US"/>
           </a:p>
@@ -480,7 +475,7 @@
           <a:p>
             <a:fld id="{669F01BA-4BA4-43F7-831F-548FDB01749C}" type="datetimeFigureOut">
               <a:rPr lang="en-US" smtClean="0"/>
-              <a:t>2/3/2021</a:t>
+              <a:t>3/1/2021</a:t>
             </a:fld>
             <a:endParaRPr lang="en-US"/>
           </a:p>
@@ -660,7 +655,7 @@
           <a:p>
             <a:fld id="{669F01BA-4BA4-43F7-831F-548FDB01749C}" type="datetimeFigureOut">
               <a:rPr lang="en-US" smtClean="0"/>
-              <a:t>2/3/2021</a:t>
+              <a:t>3/1/2021</a:t>
             </a:fld>
             <a:endParaRPr lang="en-US"/>
           </a:p>
@@ -830,7 +825,7 @@
           <a:p>
             <a:fld id="{669F01BA-4BA4-43F7-831F-548FDB01749C}" type="datetimeFigureOut">
               <a:rPr lang="en-US" smtClean="0"/>
-              <a:t>2/3/2021</a:t>
+              <a:t>3/1/2021</a:t>
             </a:fld>
             <a:endParaRPr lang="en-US"/>
           </a:p>
@@ -1076,7 +1071,7 @@
           <a:p>
             <a:fld id="{669F01BA-4BA4-43F7-831F-548FDB01749C}" type="datetimeFigureOut">
               <a:rPr lang="en-US" smtClean="0"/>
-              <a:t>2/3/2021</a:t>
+              <a:t>3/1/2021</a:t>
             </a:fld>
             <a:endParaRPr lang="en-US"/>
           </a:p>
@@ -1364,7 +1359,7 @@
           <a:p>
             <a:fld id="{669F01BA-4BA4-43F7-831F-548FDB01749C}" type="datetimeFigureOut">
               <a:rPr lang="en-US" smtClean="0"/>
-              <a:t>2/3/2021</a:t>
+              <a:t>3/1/2021</a:t>
             </a:fld>
             <a:endParaRPr lang="en-US"/>
           </a:p>
@@ -1786,7 +1781,7 @@
           <a:p>
             <a:fld id="{669F01BA-4BA4-43F7-831F-548FDB01749C}" type="datetimeFigureOut">
               <a:rPr lang="en-US" smtClean="0"/>
-              <a:t>2/3/2021</a:t>
+              <a:t>3/1/2021</a:t>
             </a:fld>
             <a:endParaRPr lang="en-US"/>
           </a:p>
@@ -1904,7 +1899,7 @@
           <a:p>
             <a:fld id="{669F01BA-4BA4-43F7-831F-548FDB01749C}" type="datetimeFigureOut">
               <a:rPr lang="en-US" smtClean="0"/>
-              <a:t>2/3/2021</a:t>
+              <a:t>3/1/2021</a:t>
             </a:fld>
             <a:endParaRPr lang="en-US"/>
           </a:p>
@@ -1999,7 +1994,7 @@
           <a:p>
             <a:fld id="{669F01BA-4BA4-43F7-831F-548FDB01749C}" type="datetimeFigureOut">
               <a:rPr lang="en-US" smtClean="0"/>
-              <a:t>2/3/2021</a:t>
+              <a:t>3/1/2021</a:t>
             </a:fld>
             <a:endParaRPr lang="en-US"/>
           </a:p>
@@ -2276,7 +2271,7 @@
           <a:p>
             <a:fld id="{669F01BA-4BA4-43F7-831F-548FDB01749C}" type="datetimeFigureOut">
               <a:rPr lang="en-US" smtClean="0"/>
-              <a:t>2/3/2021</a:t>
+              <a:t>3/1/2021</a:t>
             </a:fld>
             <a:endParaRPr lang="en-US"/>
           </a:p>
@@ -2529,7 +2524,7 @@
           <a:p>
             <a:fld id="{669F01BA-4BA4-43F7-831F-548FDB01749C}" type="datetimeFigureOut">
               <a:rPr lang="en-US" smtClean="0"/>
-              <a:t>2/3/2021</a:t>
+              <a:t>3/1/2021</a:t>
             </a:fld>
             <a:endParaRPr lang="en-US"/>
           </a:p>
@@ -2742,7 +2737,7 @@
           <a:p>
             <a:fld id="{669F01BA-4BA4-43F7-831F-548FDB01749C}" type="datetimeFigureOut">
               <a:rPr lang="en-US" smtClean="0"/>
-              <a:t>2/3/2021</a:t>
+              <a:t>3/1/2021</a:t>
             </a:fld>
             <a:endParaRPr lang="en-US"/>
           </a:p>
@@ -3134,11 +3129,7 @@
           <a:p>
             <a:r>
               <a:rPr lang="en-US" dirty="0" smtClean="0"/>
-              <a:t>Capstone 2: </a:t>
-            </a:r>
-            <a:r>
-              <a:rPr lang="en-US" dirty="0" smtClean="0"/>
-              <a:t>Wine Quality</a:t>
+              <a:t>Capstone 2: Wine Quality</a:t>
             </a:r>
             <a:endParaRPr lang="en-US" dirty="0"/>
           </a:p>
@@ -3203,11 +3194,181 @@
           <a:chExt cx="0" cy="0"/>
         </a:xfrm>
       </p:grpSpPr>
+      <p:sp>
+        <p:nvSpPr>
+          <p:cNvPr id="2" name="Title 1"/>
+          <p:cNvSpPr>
+            <a:spLocks noGrp="1"/>
+          </p:cNvSpPr>
+          <p:nvPr>
+            <p:ph type="title"/>
+          </p:nvPr>
+        </p:nvSpPr>
+        <p:spPr/>
+        <p:txBody>
+          <a:bodyPr/>
+          <a:lstStyle/>
+          <a:p>
+            <a:r>
+              <a:rPr lang="en-US" dirty="0" smtClean="0"/>
+              <a:t>Quality Count – Red Wine</a:t>
+            </a:r>
+            <a:endParaRPr lang="en-US" dirty="0"/>
+          </a:p>
+        </p:txBody>
+      </p:sp>
+      <p:sp>
+        <p:nvSpPr>
+          <p:cNvPr id="3" name="Content Placeholder 2"/>
+          <p:cNvSpPr>
+            <a:spLocks noGrp="1"/>
+          </p:cNvSpPr>
+          <p:nvPr>
+            <p:ph idx="1"/>
+          </p:nvPr>
+        </p:nvSpPr>
+        <p:spPr>
+          <a:xfrm>
+            <a:off x="469058" y="1295400"/>
+            <a:ext cx="8229600" cy="609600"/>
+          </a:xfrm>
+        </p:spPr>
+        <p:txBody>
+          <a:bodyPr>
+            <a:normAutofit/>
+          </a:bodyPr>
+          <a:lstStyle/>
+          <a:p>
+            <a:r>
+              <a:rPr lang="en-US" sz="2800" dirty="0" smtClean="0"/>
+              <a:t>Approximately 15% of Red wines are high quality</a:t>
+            </a:r>
+            <a:endParaRPr lang="en-US" sz="2800" dirty="0"/>
+          </a:p>
+        </p:txBody>
+      </p:sp>
+      <p:sp>
+        <p:nvSpPr>
+          <p:cNvPr id="4" name="AutoShape 4" descr="data:image/png;base64,iVBORw0KGgoAAAANSUhEUgAAAYsAAAEXCAYAAABcRGizAAAAOXRFWHRTb2Z0d2FyZQBNYXRwbG90bGliIHZlcnNpb24zLjMuMiwgaHR0cHM6Ly9tYXRwbG90bGliLm9yZy8vihELAAAACXBIWXMAAAsTAAALEwEAmpwYAAAXBElEQVR4nO3df/BddX3n8efLBPFXEWi+QEyiiTbrNlCty3dYVtsOs9QldpWgU2jcRWJlJ7sOrWutdaF2xLpmx1rq+qPiTKpIUArGn6TtoGI6ltKi9Ati+SU1CpKvieSL1MqPFZr43j/uyXj5cvM9NzH33m+4z8fMne85n/M557zvd5L7+n7OOfecVBWSJM3lSaMuQJI0/xkWkqRWhoUkqZVhIUlqZVhIkloZFpKkVoaFxlqS1ya5rmv+wSTPHWVNo5bklCTTo65D84thoXmv+UC/JcnDSb6X5OIkzxzEvqrqGVX17Wa/lyZ550+zvST/JclUE0I7k1yd5JcOTrVz7reS/Nwcy1+bZE9T1w+T3Jzk5Qewn5/6d6RDg2GheS3J7wJ/BPwe8EzgZGA58MUkh42wtFZJ3gS8F/g/wLHAs4GLgTUjLKvb9VX1DOBI4CPA5iRHj7YkzVtV5cvXvHwBRwAPAmfNan8GsAtY18xfCryza/kpwHTX/PnAt4AHgNuBV3Ytey1wXdd8AT8HrAf+FXi0qeEv6ATWp2fV8gHgvT1qf2az3plzvL/D6YTJjub1XuDwXnV119b1nj8I/FXzvr4KPK9Zdm3T96Gmht/ose/Z7/vpzTqTPX5/Pw98GfgBcBtwetP+uN/RqP/N+Brcy5GF5rMXA08BPtPdWFUPAlcD/6nP7XwL+GU6H+B/CHw8yeK5VqiqjcDlwLurc2jqFcDHgdVJjgRIshD4DeBjPTbxH5raPzvHbt5KZ6T0i8ALgZOAP+jzPQG8unk/RwHbgA1N7b/SLH9hU/sn5tpI8z7+G50P/G/OWnYYnaD8InAM8NvA5Umev4/fkZ6gDAvNZ4uA+6pqd49lO4GJfjZSVZ+sqh1V9ePmg/ObdD6Y90tV7aTzV/uZTdPqpr4be3T/2Tlq3+u/Au+oql1VNUPng/81+1HSZ6rqhmYfl9MJnf1xcpIfAN+jEzyvrKp/md2HzkjuXVX1aFX9NfCXTX+NEcNC89l9wKLmL9/ZFgMz/WwkyTnNCdwfNB+OJ9AJogOxCTi7mT6b3qMKgO+z79r3ehbwna757zRt/fpe1/TDdD7U98dXqurIqlpUVSdX1Zf2UeP2qvrxrDqX7Oe+dIgzLDSfXQ88AryquzHJ04GXAX/TND0EPK2ry3FdfZ8D/BnwW8DPVtWRwK1A+th/r1syfw54QZITgJfT+Yt+X7X/CDhjju3vAJ7TNf/spg1mvackxzEaO4BlSbo/K54NfLeZ9rbVY8Kw0LzVHBL5Q+ADSVYnOSzJcuCTdEYdez+obwZ+LcnRzYfqG7s2s/fE7QxAkt+kM7Lox73AY75zUVU/Aj4F/DlwQ1XdM0ftbwM+mOSMJE9r6n9Zknc33a4A/iDJRJJFTf+PN8u+Dhyf5BeTPAV4e58177P2A/RVOsH1lqb+U4BXAFce5P1onjMsNK9V1buB3wcuonPVz110/uL+1ap6qOn2MTofrnfTORH7ia71bwf+hM5f+vcCvwD8XZ+7/wiwqjl89bmu9k3NdvZ1CGrvvt8DvInOSesZYDudEc7ebb0TmAL+EbgFuKlpo6r+CXgH8CU651iuY/+8HdjU1H7Wfq7b/R4eBU6nM5K7j86lv+dU1TeaLvv6HekJJlWOInXoSPI6OqONl+zrr/oh1PBs4BvAcVX1w1HUIA3bXCffpHmnqi5J8q90Lqsdelg0x+7fBFxpUGicOLKQ+tScWL+XztVAq6tq+4hLkobGsJAktfIEtySp1RP2nMWiRYtq+fLloy5Dkg4pN954431V9bi7Izxhw2L58uVMTU2NugxJOqQk+U6vdg9DSZJaGRaSpFaGhSSp1cDCIsklSXYlubXHsjc3j31c1NV2QZJtSe5MclpX+4nNIzW3JXl/kn5uACdJOogGObK4lM79/h8jyTLgpXR9+zbJKmAtcHyzzsVJFjSLP0TniVwrm9fjtilJGqyBhUVVXQvc32PR/wXewmNvbbyGzu0THqmqu+g89euk5mlmR1TV9dX59uBlzH3LZ0nSAAz1nEWS04HvVtXXZy1aQueOnHtNN21LmunZ7fva/vokU0mmZmb6ei6OJKkPQwuLJE+j88zht/Va3KOt5mjvqao2VtVkVU1OTPT1xE1JUh+G+aW85wErgK8356iXAjclOYnOiGFZV9+ldJ7QNd1Mz26XJA3R0MKiqm4Bjtk7n+RuYLKq7kuyBfjzJO+h88zflXSeQrYnyQNJTqbzxK5zgA8Mo94Tf++yYexGh5gb//icUZcgjcQgL529gs7TyZ6fZDrJufvqW1W3AZuB24HPA+dV1Z5m8euBD9M56f0t4OpB1SxJ6m1gI4uqenXL8uWz5jcAG3r0m6L/ZyZLkgbAb3BLkloZFpKkVoaFJKmVYSFJamVYSJJaGRaSpFaGhSSplWEhSWplWEiSWhkWkqRWhoUkqZVhIUlqZVhIkloZFpKkVoaFJKmVYSFJamVYSJJaGRaSpFaGhSSplWEhSWplWEiSWg0sLJJckmRXklu72v44yTeS/GOSzyY5smvZBUm2JbkzyWld7ScmuaVZ9v4kGVTNkqTeBjmyuBRYPavtGuCEqnoB8E/ABQBJVgFrgeObdS5OsqBZ50PAemBl85q9TUnSgA0sLKrqWuD+WW1frKrdzexXgKXN9Brgyqp6pKruArYBJyVZDBxRVddXVQGXAWcMqmZJUm+jPGfxOuDqZnoJsL1r2XTTtqSZnt3eU5L1SaaSTM3MzBzkciVpfI0kLJK8FdgNXL63qUe3mqO9p6raWFWTVTU5MTHx0xcqSQJg4bB3mGQd8HLg1ObQEnRGDMu6ui0FdjTtS3u0S5KGaKgjiySrgf8FnF5VD3ct2gKsTXJ4khV0TmTfUFU7gQeSnNxcBXUOcNUwa5YkDXBkkeQK4BRgUZJp4EI6Vz8dDlzTXAH7lar6H1V1W5LNwO10Dk+dV1V7mk29ns6VVU+lc47jaiRJQzWwsKiqV/do/sgc/TcAG3q0TwEnHMTSJEn7yW9wS5JaGRaSpFaGhSSplWEhSWplWEiSWhkWkqRWhoUkqZVhIUlqZVhIkloZFpKkVoaFJKmVYSFJamVYSJJaGRaSpFaGhSSplWEhSWplWEiSWhkWkqRWhoUkqZVhIUlqZVhIkloNLCySXJJkV5Jbu9qOTnJNkm82P4/qWnZBkm1J7kxyWlf7iUluaZa9P0kGVbMkqbdBjiwuBVbPajsf2FpVK4GtzTxJVgFrgeObdS5OsqBZ50PAemBl85q9TUnSgA0sLKrqWuD+Wc1rgE3N9CbgjK72K6vqkaq6C9gGnJRkMXBEVV1fVQVc1rWOJGlIhn3O4tiq2gnQ/DymaV8CbO/qN920LWmmZ7f3lGR9kqkkUzMzMwe1cEkaZ/PlBHev8xA1R3tPVbWxqiaranJiYuKgFSdJ427YYXFvc2iJ5ueupn0aWNbVbymwo2lf2qNdkjREww6LLcC6ZnodcFVX+9okhydZQedE9g3NoaoHkpzcXAV1Ttc6kqQhWTioDSe5AjgFWJRkGrgQeBewOcm5wD3AmQBVdVuSzcDtwG7gvKra02zq9XSurHoqcHXzkiQN0cDCoqpevY9Fp+6j/wZgQ4/2KeCEg1iaJGk/zZcT3JKkecywkCS1MiwkSa0MC0lSK8NCktTKsJAktTIsJEmtDAtJUivDQpLUyrCQJLUyLCRJrQwLSVIrw0KS1MqwkCS1MiwkSa0MC0lSK8NCktTKsJAktTIsJEmtDAtJUivDQpLUaiRhkeR3ktyW5NYkVyR5SpKjk1yT5JvNz6O6+l+QZFuSO5OcNoqaJWmcDT0skiwB3gBMVtUJwAJgLXA+sLWqVgJbm3mSrGqWHw+sBi5OsmDYdUvSOBvVYaiFwFOTLASeBuwA1gCbmuWbgDOa6TXAlVX1SFXdBWwDThpuuZI03voKiyRb+2nrR1V9F7gIuAfYCfxLVX0ROLaqdjZ9dgLHNKssAbZ3bWK6aetV5/okU0mmZmZmDqQ8SVIPc4bF3nMJwKIkRzXnFY5Oshx41oHssDkXsQZY0Wzj6UnOnmuVHm3Vq2NVbayqyaqanJiYOJDyJEk9LGxZ/t+BN9L5UL+Rn3xw/xD44AHu81eBu6pqBiDJZ4AXA/cmWVxVO5MsBnY1/aeBZV3rL6Vz2EqSNCRzjiyq6n1VtQJ4c1U9t6pWNK8XVtWfHuA+7wFOTvK0JAFOBe4AtgDrmj7rgKua6S3A2iSHJ1kBrARuOMB9S5IOQNvIAoCq+kCSFwPLu9epqsv2d4dV9dUknwJuAnYDXwM2As8ANic5l06gnNn0vy3JZuD2pv95VbVnf/crSTpwfYVFko8BzwNuBvZ+UBew32EBUFUXAhfOan6EziijV/8NwIYD2Zck6afXV1gAk8Cqqup5YlmS9MTW7/csbgWOG2QhkqT5q9+RxSLg9iQ30DlcBEBVnT6QqiRJ80q/YfH2QRYhSZrf+r0a6m8GXYgkaf7q92qoB/jJt6afDBwGPFRVRwyqMEnS/NHvyOJnuueTnIE385OksXFAd52tqs8B//HgliJJmq/6PQz1qq7ZJ9H53oXfuZCkMdHv1VCv6JreDdxN586xkqQx0O85i98cdCGSpPmr34cfLU3y2SS7ktyb5NNJlg66OEnS/NDvCe6P0rlV+LPoPKXuL5o2SdIY6DcsJqrqo1W1u3ldCvgoOkkaE/2GxX1Jzk6yoHmdDXx/kIVJkuaPfsPidcBZwPeAncCvA570lqQx0e+ls/8bWFdV/wyQ5GjgIjohIkl6gut3ZPGCvUEBUFX3Ay8aTEmSpPmm37B4UpKj9s40I4t+RyWSpENcvx/4fwL8fZJP0bnNx1n4TGxJGhv9foP7siRTdG4eGOBVVXX7QCuTJM0bfR9KasLhoAREkiOBDwMn0BmpvA64E/gEsJzOvafO6jqhfgFwLrAHeENVfeFg1CFJ6s8B3aL8IHgf8Pmq+rfAC4E7gPOBrVW1EtjazJNkFbAWOB5YDVycZMFIqpakMTX0sEhyBPArwEcAqurRqvoBnbvYbmq6bQLOaKbXAFdW1SNVdRewDR+8JElDNYqRxXOBGeCjSb6W5MNJng4cW1U7AZqfxzT9lwDbu9afbtoeJ8n6JFNJpmZmZgb3DiRpzIwiLBYC/w74UFW9CHiI5pDTPqRHW88HL1XVxqqarKrJiQlvXSVJB8sowmIamK6qrzbzn6ITHvcmWQzQ/NzV1X9Z1/pLgR1DqlWSxAjCoqq+B2xP8vym6VQ6V1ltAdY1beuAq5rpLcDaJIcnWQGsBG4YYsmSNPZG9S3s3wYuT/Jk4Nt0bkr4JGBzknOBe4AzAarqtiSb6QTKbuC8qtozmrIlaTyNJCyq6mZgsseiU/fRfwN+Y1ySRmZU37OQJB1CDAtJUivDQpLUyrCQJLUyLCRJrQwLSVIrw0KS1MqwkCS1MiwkSa0MC0lSK8NCktTKsJAktTIsJEmtDAtJUivDQpLUyrCQJLUyLCRJrQwLSVIrw0KS1MqwkCS1MiwkSa1GFhZJFiT5WpK/bOaPTnJNkm82P4/q6ntBkm1J7kxy2qhqlqRxNcqRxf8E7uiaPx/YWlUrga3NPElWAWuB44HVwMVJFgy5VkkaayMJiyRLgf8MfLireQ2wqZneBJzR1X5lVT1SVXcB24CThlSqJInRjSzeC7wF+HFX27FVtROg+XlM074E2N7Vb7ppe5wk65NMJZmamZk56EVL0rgaelgkeTmwq6pu7HeVHm3Vq2NVbayqyaqanJiYOOAaJUmPtXAE+3wJcHqSXwOeAhyR5OPAvUkWV9XOJIuBXU3/aWBZ1/pLgR1DrViSxtzQRxZVdUFVLa2q5XROXP91VZ0NbAHWNd3WAVc101uAtUkOT7ICWAncMOSyJWmsjWJksS/vAjYnORe4BzgToKpuS7IZuB3YDZxXVXtGV6YkjZ+RhkVVfRn4cjP9feDUffTbAGwYWmGSpMfwG9ySpFaGhSSplWEhSWplWEiSWhkWkqRWhoUkqZVhIUlqZVhIkloZFpKkVoaFJKmVYSFJamVYSJJaGRaSpFaGhSSplWEhSWplWEiSWhkWkqRWhoUkqZVhIUlqZVhIkloZFpKkVguHvcMky4DLgOOAHwMbq+p9SY4GPgEsB+4Gzqqqf27WuQA4F9gDvKGqvjDsuqX55J53/MKoS9A89Oy33TKwbY9iZLEb+N2q+nngZOC8JKuA84GtVbUS2NrM0yxbCxwPrAYuTrJgBHVL0tgaelhU1c6quqmZfgC4A1gCrAE2Nd02AWc002uAK6vqkaq6C9gGnDTUoiVpzI30nEWS5cCLgK8Cx1bVTugECnBM020JsL1rtemmrdf21ieZSjI1MzMzsLoladyMLCySPAP4NPDGqvrhXF17tFWvjlW1saomq2pyYmLiYJQpSWJEYZHkMDpBcXlVfaZpvjfJ4mb5YmBX0z4NLOtafSmwY1i1SpJGEBZJAnwEuKOq3tO1aAuwrpleB1zV1b42yeFJVgArgRuGVa8kaQSXzgIvAV4D3JLk5qbt94F3AZuTnAvcA5wJUFW3JdkM3E7nSqrzqmrP0KuWpDE29LCoquvofR4C4NR9rLMB2DCwoiRJc/Ib3JKkVoaFJKmVYSFJamVYSJJaGRaSpFaGhSSplWEhSWplWEiSWhkWkqRWhoUkqZVhIUlqZVhIkloZFpKkVoaFJKmVYSFJamVYSJJaGRaSpFaGhSSplWEhSWplWEiSWhkWkqRWh0xYJFmd5M4k25KcP+p6JGmcHBJhkWQB8EHgZcAq4NVJVo22KkkaH4dEWAAnAduq6ttV9ShwJbBmxDVJ0thYOOoC+rQE2N41Pw38+9mdkqwH1jezDya5cwi1jYNFwH2jLmI+yEXrRl2CHs9/n3tdmIOxlef0ajxUwqLXb6Ae11C1Edg4+HLGS5KpqpocdR1SL/77HI5D5TDUNLCsa34psGNEtUjS2DlUwuIfgJVJViR5MrAW2DLimiRpbBwSh6GqaneS3wK+ACwALqmq20Zc1jjx0J7mM/99DkGqHnfoX5KkxzhUDkNJkkbIsJAktTIsNCdvs6L5KsklSXYluXXUtYwDw0L75G1WNM9dCqwedRHjwrDQXLzNiuatqroWuH/UdYwLw0Jz6XWblSUjqkXSCBkWmktft1mR9MRnWGgu3mZFEmBYaG7eZkUSYFhoDlW1G9h7m5U7gM3eZkXzRZIrgOuB5yeZTnLuqGt6IvN2H5KkVo4sJEmtDAtJUivDQpLUyrCQJLUyLCRJrQwLSVIrw0IagiTL57qVdpLXJvnTfSz7+8FVJvXHsJDmuap68ahrkAwLqUWStzYPgPpSkiuSvDnJl5NMNssXJbm7mV6e5G+T3NS89ueDflmSzzf7urBr/w82P09p9vupJN9IcnmSXjd7lA66haMuQJrPkpxI555YL6Lz/+Um4MY5VtkFvLSqfpRkJXAFMNnn7k4CTgAeBv4hyV9V1dSsPi8CjqdzQ8e/A14CXNfn9qUD5shCmtsvA5+tqoer6oe030jxMODPktwCfJLOEwb7dU1Vfb+q/h/wGeCXevS5oaqmq+rHwM3A8v3YvnTAHFlI7XrdQG03P/lj6yld7b8D3Au8sFn+o59iP732+0jX9B78P6whcWQhze1a4JVJnprkZ4BXNO13Ayc207/e1f+ZwM7mL//XAAv2Y18vTXJ0kqcCZ9A5zCTNC4aFNIequgn4BJ1DPp8G/rZZdBHw+uay1kVdq1wMrEvyFeDfAA/tx+6uAz62d189zldII+MtyqX9kOTtwINVddGoa5GGyZGFJKmVIwtpiJKcBvzRrOa7quqVo6hH6pdhIUlq5WEoSVIrw0KS1MqwkCS1MiwkSa3+P4jMNGDh5ZaUAAAAAElFTkSuQmCC"/>
+          <p:cNvSpPr>
+            <a:spLocks noChangeAspect="1" noChangeArrowheads="1"/>
+          </p:cNvSpPr>
+          <p:nvPr/>
+        </p:nvSpPr>
+        <p:spPr bwMode="auto">
+          <a:xfrm>
+            <a:off x="155575" y="-144463"/>
+            <a:ext cx="304800" cy="304801"/>
+          </a:xfrm>
+          <a:prstGeom prst="rect">
+            <a:avLst/>
+          </a:prstGeom>
+          <a:noFill/>
+          <a:extLst>
+            <a:ext uri="{909E8E84-426E-40DD-AFC4-6F175D3DCCD1}">
+              <a14:hiddenFill xmlns:a14="http://schemas.microsoft.com/office/drawing/2010/main">
+                <a:solidFill>
+                  <a:srgbClr val="FFFFFF"/>
+                </a:solidFill>
+              </a14:hiddenFill>
+            </a:ext>
+          </a:extLst>
+        </p:spPr>
+        <p:txBody>
+          <a:bodyPr vert="horz" wrap="square" lIns="91440" tIns="45720" rIns="91440" bIns="45720" numCol="1" anchor="t" anchorCtr="0" compatLnSpc="1">
+            <a:prstTxWarp prst="textNoShape">
+              <a:avLst/>
+            </a:prstTxWarp>
+          </a:bodyPr>
+          <a:lstStyle/>
+          <a:p>
+            <a:endParaRPr lang="en-US"/>
+          </a:p>
+        </p:txBody>
+      </p:sp>
+      <p:sp>
+        <p:nvSpPr>
+          <p:cNvPr id="5" name="AutoShape 6" descr="data:image/png;base64,iVBORw0KGgoAAAANSUhEUgAAAYsAAAEXCAYAAABcRGizAAAAOXRFWHRTb2Z0d2FyZQBNYXRwbG90bGliIHZlcnNpb24zLjMuMiwgaHR0cHM6Ly9tYXRwbG90bGliLm9yZy8vihELAAAACXBIWXMAAAsTAAALEwEAmpwYAAAXBElEQVR4nO3df/BddX3n8efLBPFXEWi+QEyiiTbrNlCty3dYVtsOs9QldpWgU2jcRWJlJ7sOrWutdaF2xLpmx1rq+qPiTKpIUArGn6TtoGI6ltKi9Ati+SU1CpKvieSL1MqPFZr43j/uyXj5cvM9NzH33m+4z8fMne85n/M557zvd5L7+n7OOfecVBWSJM3lSaMuQJI0/xkWkqRWhoUkqZVhIUlqZVhIkloZFpKkVoaFxlqS1ya5rmv+wSTPHWVNo5bklCTTo65D84thoXmv+UC/JcnDSb6X5OIkzxzEvqrqGVX17Wa/lyZ550+zvST/JclUE0I7k1yd5JcOTrVz7reS/Nwcy1+bZE9T1w+T3Jzk5Qewn5/6d6RDg2GheS3J7wJ/BPwe8EzgZGA58MUkh42wtFZJ3gS8F/g/wLHAs4GLgTUjLKvb9VX1DOBI4CPA5iRHj7YkzVtV5cvXvHwBRwAPAmfNan8GsAtY18xfCryza/kpwHTX/PnAt4AHgNuBV3Ytey1wXdd8AT8HrAf+FXi0qeEv6ATWp2fV8gHgvT1qf2az3plzvL/D6YTJjub1XuDwXnV119b1nj8I/FXzvr4KPK9Zdm3T96Gmht/ose/Z7/vpzTqTPX5/Pw98GfgBcBtwetP+uN/RqP/N+Brcy5GF5rMXA08BPtPdWFUPAlcD/6nP7XwL+GU6H+B/CHw8yeK5VqiqjcDlwLurc2jqFcDHgdVJjgRIshD4DeBjPTbxH5raPzvHbt5KZ6T0i8ALgZOAP+jzPQG8unk/RwHbgA1N7b/SLH9hU/sn5tpI8z7+G50P/G/OWnYYnaD8InAM8NvA5Umev4/fkZ6gDAvNZ4uA+6pqd49lO4GJfjZSVZ+sqh1V9ePmg/ObdD6Y90tV7aTzV/uZTdPqpr4be3T/2Tlq3+u/Au+oql1VNUPng/81+1HSZ6rqhmYfl9MJnf1xcpIfAN+jEzyvrKp/md2HzkjuXVX1aFX9NfCXTX+NEcNC89l9wKLmL9/ZFgMz/WwkyTnNCdwfNB+OJ9AJogOxCTi7mT6b3qMKgO+z79r3ehbwna757zRt/fpe1/TDdD7U98dXqurIqlpUVSdX1Zf2UeP2qvrxrDqX7Oe+dIgzLDSfXQ88AryquzHJ04GXAX/TND0EPK2ry3FdfZ8D/BnwW8DPVtWRwK1A+th/r1syfw54QZITgJfT+Yt+X7X/CDhjju3vAJ7TNf/spg1mvackxzEaO4BlSbo/K54NfLeZ9rbVY8Kw0LzVHBL5Q+ADSVYnOSzJcuCTdEYdez+obwZ+LcnRzYfqG7s2s/fE7QxAkt+kM7Lox73AY75zUVU/Aj4F/DlwQ1XdM0ftbwM+mOSMJE9r6n9Zknc33a4A/iDJRJJFTf+PN8u+Dhyf5BeTPAV4e58177P2A/RVOsH1lqb+U4BXAFce5P1onjMsNK9V1buB3wcuonPVz110/uL+1ap6qOn2MTofrnfTORH7ia71bwf+hM5f+vcCvwD8XZ+7/wiwqjl89bmu9k3NdvZ1CGrvvt8DvInOSesZYDudEc7ebb0TmAL+EbgFuKlpo6r+CXgH8CU651iuY/+8HdjU1H7Wfq7b/R4eBU6nM5K7j86lv+dU1TeaLvv6HekJJlWOInXoSPI6OqONl+zrr/oh1PBs4BvAcVX1w1HUIA3bXCffpHmnqi5J8q90Lqsdelg0x+7fBFxpUGicOLKQ+tScWL+XztVAq6tq+4hLkobGsJAktfIEtySp1RP2nMWiRYtq+fLloy5Dkg4pN954431V9bi7Izxhw2L58uVMTU2NugxJOqQk+U6vdg9DSZJaGRaSpFaGhSSp1cDCIsklSXYlubXHsjc3j31c1NV2QZJtSe5MclpX+4nNIzW3JXl/kn5uACdJOogGObK4lM79/h8jyTLgpXR9+zbJKmAtcHyzzsVJFjSLP0TniVwrm9fjtilJGqyBhUVVXQvc32PR/wXewmNvbbyGzu0THqmqu+g89euk5mlmR1TV9dX59uBlzH3LZ0nSAAz1nEWS04HvVtXXZy1aQueOnHtNN21LmunZ7fva/vokU0mmZmb6ei6OJKkPQwuLJE+j88zht/Va3KOt5mjvqao2VtVkVU1OTPT1xE1JUh+G+aW85wErgK8356iXAjclOYnOiGFZV9+ldJ7QNd1Mz26XJA3R0MKiqm4Bjtk7n+RuYLKq7kuyBfjzJO+h88zflXSeQrYnyQNJTqbzxK5zgA8Mo94Tf++yYexGh5gb//icUZcgjcQgL529gs7TyZ6fZDrJufvqW1W3AZuB24HPA+dV1Z5m8euBD9M56f0t4OpB1SxJ6m1gI4uqenXL8uWz5jcAG3r0m6L/ZyZLkgbAb3BLkloZFpKkVoaFJKmVYSFJamVYSJJaGRaSpFaGhSSplWEhSWplWEiSWhkWkqRWhoUkqZVhIUlqZVhIkloZFpKkVoaFJKmVYSFJamVYSJJaGRaSpFaGhSSplWEhSWplWEiSWg0sLJJckmRXklu72v44yTeS/GOSzyY5smvZBUm2JbkzyWld7ScmuaVZ9v4kGVTNkqTeBjmyuBRYPavtGuCEqnoB8E/ABQBJVgFrgeObdS5OsqBZ50PAemBl85q9TUnSgA0sLKrqWuD+WW1frKrdzexXgKXN9Brgyqp6pKruArYBJyVZDBxRVddXVQGXAWcMqmZJUm+jPGfxOuDqZnoJsL1r2XTTtqSZnt3eU5L1SaaSTM3MzBzkciVpfI0kLJK8FdgNXL63qUe3mqO9p6raWFWTVTU5MTHx0xcqSQJg4bB3mGQd8HLg1ObQEnRGDMu6ui0FdjTtS3u0S5KGaKgjiySrgf8FnF5VD3ct2gKsTXJ4khV0TmTfUFU7gQeSnNxcBXUOcNUwa5YkDXBkkeQK4BRgUZJp4EI6Vz8dDlzTXAH7lar6H1V1W5LNwO10Dk+dV1V7mk29ns6VVU+lc47jaiRJQzWwsKiqV/do/sgc/TcAG3q0TwEnHMTSJEn7yW9wS5JaGRaSpFaGhSSplWEhSWplWEiSWhkWkqRWhoUkqZVhIUlqZVhIkloZFpKkVoaFJKmVYSFJamVYSJJaGRaSpFaGhSSplWEhSWplWEiSWhkWkqRWhoUkqZVhIUlqZVhIkloNLCySXJJkV5Jbu9qOTnJNkm82P4/qWnZBkm1J7kxyWlf7iUluaZa9P0kGVbMkqbdBjiwuBVbPajsf2FpVK4GtzTxJVgFrgeObdS5OsqBZ50PAemBl85q9TUnSgA0sLKrqWuD+Wc1rgE3N9CbgjK72K6vqkaq6C9gGnJRkMXBEVV1fVQVc1rWOJGlIhn3O4tiq2gnQ/DymaV8CbO/qN920LWmmZ7f3lGR9kqkkUzMzMwe1cEkaZ/PlBHev8xA1R3tPVbWxqiaranJiYuKgFSdJ427YYXFvc2iJ5ueupn0aWNbVbymwo2lf2qNdkjREww6LLcC6ZnodcFVX+9okhydZQedE9g3NoaoHkpzcXAV1Ttc6kqQhWTioDSe5AjgFWJRkGrgQeBewOcm5wD3AmQBVdVuSzcDtwG7gvKra02zq9XSurHoqcHXzkiQN0cDCoqpevY9Fp+6j/wZgQ4/2KeCEg1iaJGk/zZcT3JKkecywkCS1MiwkSa0MC0lSK8NCktTKsJAktTIsJEmtDAtJUivDQpLUyrCQJLUyLCRJrQwLSVIrw0KS1MqwkCS1MiwkSa0MC0lSK8NCktTKsJAktTIsJEmtDAtJUivDQpLUaiRhkeR3ktyW5NYkVyR5SpKjk1yT5JvNz6O6+l+QZFuSO5OcNoqaJWmcDT0skiwB3gBMVtUJwAJgLXA+sLWqVgJbm3mSrGqWHw+sBi5OsmDYdUvSOBvVYaiFwFOTLASeBuwA1gCbmuWbgDOa6TXAlVX1SFXdBWwDThpuuZI03voKiyRb+2nrR1V9F7gIuAfYCfxLVX0ROLaqdjZ9dgLHNKssAbZ3bWK6aetV5/okU0mmZmZmDqQ8SVIPc4bF3nMJwKIkRzXnFY5Oshx41oHssDkXsQZY0Wzj6UnOnmuVHm3Vq2NVbayqyaqanJiYOJDyJEk9LGxZ/t+BN9L5UL+Rn3xw/xD44AHu81eBu6pqBiDJZ4AXA/cmWVxVO5MsBnY1/aeBZV3rL6Vz2EqSNCRzjiyq6n1VtQJ4c1U9t6pWNK8XVtWfHuA+7wFOTvK0JAFOBe4AtgDrmj7rgKua6S3A2iSHJ1kBrARuOMB9S5IOQNvIAoCq+kCSFwPLu9epqsv2d4dV9dUknwJuAnYDXwM2As8ANic5l06gnNn0vy3JZuD2pv95VbVnf/crSTpwfYVFko8BzwNuBvZ+UBew32EBUFUXAhfOan6EziijV/8NwIYD2Zck6afXV1gAk8Cqqup5YlmS9MTW7/csbgWOG2QhkqT5q9+RxSLg9iQ30DlcBEBVnT6QqiRJ80q/YfH2QRYhSZrf+r0a6m8GXYgkaf7q92qoB/jJt6afDBwGPFRVRwyqMEnS/NHvyOJnuueTnIE385OksXFAd52tqs8B//HgliJJmq/6PQz1qq7ZJ9H53oXfuZCkMdHv1VCv6JreDdxN586xkqQx0O85i98cdCGSpPmr34cfLU3y2SS7ktyb5NNJlg66OEnS/NDvCe6P0rlV+LPoPKXuL5o2SdIY6DcsJqrqo1W1u3ldCvgoOkkaE/2GxX1Jzk6yoHmdDXx/kIVJkuaPfsPidcBZwPeAncCvA570lqQx0e+ls/8bWFdV/wyQ5GjgIjohIkl6gut3ZPGCvUEBUFX3Ay8aTEmSpPmm37B4UpKj9s40I4t+RyWSpENcvx/4fwL8fZJP0bnNx1n4TGxJGhv9foP7siRTdG4eGOBVVXX7QCuTJM0bfR9KasLhoAREkiOBDwMn0BmpvA64E/gEsJzOvafO6jqhfgFwLrAHeENVfeFg1CFJ6s8B3aL8IHgf8Pmq+rfAC4E7gPOBrVW1EtjazJNkFbAWOB5YDVycZMFIqpakMTX0sEhyBPArwEcAqurRqvoBnbvYbmq6bQLOaKbXAFdW1SNVdRewDR+8JElDNYqRxXOBGeCjSb6W5MNJng4cW1U7AZqfxzT9lwDbu9afbtoeJ8n6JFNJpmZmZgb3DiRpzIwiLBYC/w74UFW9CHiI5pDTPqRHW88HL1XVxqqarKrJiQlvXSVJB8sowmIamK6qrzbzn6ITHvcmWQzQ/NzV1X9Z1/pLgR1DqlWSxAjCoqq+B2xP8vym6VQ6V1ltAdY1beuAq5rpLcDaJIcnWQGsBG4YYsmSNPZG9S3s3wYuT/Jk4Nt0bkr4JGBzknOBe4AzAarqtiSb6QTKbuC8qtozmrIlaTyNJCyq6mZgsseiU/fRfwN+Y1ySRmZU37OQJB1CDAtJUivDQpLUyrCQJLUyLCRJrQwLSVIrw0KS1MqwkCS1MiwkSa0MC0lSK8NCktTKsJAktTIsJEmtDAtJUivDQpLUyrCQJLUyLCRJrQwLSVIrw0KS1MqwkCS1MiwkSa1GFhZJFiT5WpK/bOaPTnJNkm82P4/q6ntBkm1J7kxy2qhqlqRxNcqRxf8E7uiaPx/YWlUrga3NPElWAWuB44HVwMVJFgy5VkkaayMJiyRLgf8MfLireQ2wqZneBJzR1X5lVT1SVXcB24CThlSqJInRjSzeC7wF+HFX27FVtROg+XlM074E2N7Vb7ppe5wk65NMJZmamZk56EVL0rgaelgkeTmwq6pu7HeVHm3Vq2NVbayqyaqanJiYOOAaJUmPtXAE+3wJcHqSXwOeAhyR5OPAvUkWV9XOJIuBXU3/aWBZ1/pLgR1DrViSxtzQRxZVdUFVLa2q5XROXP91VZ0NbAHWNd3WAVc101uAtUkOT7ICWAncMOSyJWmsjWJksS/vAjYnORe4BzgToKpuS7IZuB3YDZxXVXtGV6YkjZ+RhkVVfRn4cjP9feDUffTbAGwYWmGSpMfwG9ySpFaGhSSplWEhSWplWEiSWhkWkqRWhoUkqZVhIUlqZVhIkloZFpKkVoaFJKmVYSFJamVYSJJaGRaSpFaGhSSplWEhSWplWEiSWhkWkqRWhoUkqZVhIUlqZVhIkloZFpKkVguHvcMky4DLgOOAHwMbq+p9SY4GPgEsB+4Gzqqqf27WuQA4F9gDvKGqvjDsuqX55J53/MKoS9A89Oy33TKwbY9iZLEb+N2q+nngZOC8JKuA84GtVbUS2NrM0yxbCxwPrAYuTrJgBHVL0tgaelhU1c6quqmZfgC4A1gCrAE2Nd02AWc002uAK6vqkaq6C9gGnDTUoiVpzI30nEWS5cCLgK8Cx1bVTugECnBM020JsL1rtemmrdf21ieZSjI1MzMzsLoladyMLCySPAP4NPDGqvrhXF17tFWvjlW1saomq2pyYmLiYJQpSWJEYZHkMDpBcXlVfaZpvjfJ4mb5YmBX0z4NLOtafSmwY1i1SpJGEBZJAnwEuKOq3tO1aAuwrpleB1zV1b42yeFJVgArgRuGVa8kaQSXzgIvAV4D3JLk5qbt94F3AZuTnAvcA5wJUFW3JdkM3E7nSqrzqmrP0KuWpDE29LCoquvofR4C4NR9rLMB2DCwoiRJc/Ib3JKkVoaFJKmVYSFJamVYSJJaGRaSpFaGhSSplWEhSWplWEiSWhkWkqRWhoUkqZVhIUlqZVhIkloZFpKkVoaFJKmVYSFJamVYSJJaGRaSpFaGhSSplWEhSWplWEiSWhkWkqRWh0xYJFmd5M4k25KcP+p6JGmcHBJhkWQB8EHgZcAq4NVJVo22KkkaH4dEWAAnAduq6ttV9ShwJbBmxDVJ0thYOOoC+rQE2N41Pw38+9mdkqwH1jezDya5cwi1jYNFwH2jLmI+yEXrRl2CHs9/n3tdmIOxlef0ajxUwqLXb6Ae11C1Edg4+HLGS5KpqpocdR1SL/77HI5D5TDUNLCsa34psGNEtUjS2DlUwuIfgJVJViR5MrAW2DLimiRpbBwSh6GqaneS3wK+ACwALqmq20Zc1jjx0J7mM/99DkGqHnfoX5KkxzhUDkNJkkbIsJAktTIsNCdvs6L5KsklSXYluXXUtYwDw0L75G1WNM9dCqwedRHjwrDQXLzNiuatqroWuH/UdYwLw0Jz6XWblSUjqkXSCBkWmktft1mR9MRnWGgu3mZFEmBYaG7eZkUSYFhoDlW1G9h7m5U7gM3eZkXzRZIrgOuB5yeZTnLuqGt6IvN2H5KkVo4sJEmtDAtJUivDQpLUyrCQJLUyLCRJrQwLSVIrw0IagiTL57qVdpLXJvnTfSz7+8FVJvXHsJDmuap68ahrkAwLqUWStzYPgPpSkiuSvDnJl5NMNssXJbm7mV6e5G+T3NS89ueDflmSzzf7urBr/w82P09p9vupJN9IcnmSXjd7lA66haMuQJrPkpxI555YL6Lz/+Um4MY5VtkFvLSqfpRkJXAFMNnn7k4CTgAeBv4hyV9V1dSsPi8CjqdzQ8e/A14CXNfn9qUD5shCmtsvA5+tqoer6oe030jxMODPktwCfJLOEwb7dU1Vfb+q/h/wGeCXevS5oaqmq+rHwM3A8v3YvnTAHFlI7XrdQG03P/lj6yld7b8D3Au8sFn+o59iP732+0jX9B78P6whcWQhze1a4JVJnprkZ4BXNO13Ayc207/e1f+ZwM7mL//XAAv2Y18vTXJ0kqcCZ9A5zCTNC4aFNIequgn4BJ1DPp8G/rZZdBHw+uay1kVdq1wMrEvyFeDfAA/tx+6uAz62d189zldII+MtyqX9kOTtwINVddGoa5GGyZGFJKmVIwtpiJKcBvzRrOa7quqVo6hH6pdhIUlq5WEoSVIrw0KS1MqwkCS1MiwkSa3+P4jMNGDh5ZaUAAAAAElFTkSuQmCC"/>
+          <p:cNvSpPr>
+            <a:spLocks noChangeAspect="1" noChangeArrowheads="1"/>
+          </p:cNvSpPr>
+          <p:nvPr/>
+        </p:nvSpPr>
+        <p:spPr bwMode="auto">
+          <a:xfrm>
+            <a:off x="307975" y="7937"/>
+            <a:ext cx="304800" cy="304801"/>
+          </a:xfrm>
+          <a:prstGeom prst="rect">
+            <a:avLst/>
+          </a:prstGeom>
+          <a:noFill/>
+          <a:extLst>
+            <a:ext uri="{909E8E84-426E-40DD-AFC4-6F175D3DCCD1}">
+              <a14:hiddenFill xmlns:a14="http://schemas.microsoft.com/office/drawing/2010/main">
+                <a:solidFill>
+                  <a:srgbClr val="FFFFFF"/>
+                </a:solidFill>
+              </a14:hiddenFill>
+            </a:ext>
+          </a:extLst>
+        </p:spPr>
+        <p:txBody>
+          <a:bodyPr vert="horz" wrap="square" lIns="91440" tIns="45720" rIns="91440" bIns="45720" numCol="1" anchor="t" anchorCtr="0" compatLnSpc="1">
+            <a:prstTxWarp prst="textNoShape">
+              <a:avLst/>
+            </a:prstTxWarp>
+          </a:bodyPr>
+          <a:lstStyle/>
+          <a:p>
+            <a:endParaRPr lang="en-US"/>
+          </a:p>
+        </p:txBody>
+      </p:sp>
+      <p:sp>
+        <p:nvSpPr>
+          <p:cNvPr id="6" name="AutoShape 8" descr="data:image/png;base64,iVBORw0KGgoAAAANSUhEUgAAAYsAAAEXCAYAAABcRGizAAAAOXRFWHRTb2Z0d2FyZQBNYXRwbG90bGliIHZlcnNpb24zLjMuMiwgaHR0cHM6Ly9tYXRwbG90bGliLm9yZy8vihELAAAACXBIWXMAAAsTAAALEwEAmpwYAAAXBElEQVR4nO3df/BddX3n8efLBPFXEWi+QEyiiTbrNlCty3dYVtsOs9QldpWgU2jcRWJlJ7sOrWutdaF2xLpmx1rq+qPiTKpIUArGn6TtoGI6ltKi9Ati+SU1CpKvieSL1MqPFZr43j/uyXj5cvM9NzH33m+4z8fMne85n/M557zvd5L7+n7OOfecVBWSJM3lSaMuQJI0/xkWkqRWhoUkqZVhIUlqZVhIkloZFpKkVoaFxlqS1ya5rmv+wSTPHWVNo5bklCTTo65D84thoXmv+UC/JcnDSb6X5OIkzxzEvqrqGVX17Wa/lyZ550+zvST/JclUE0I7k1yd5JcOTrVz7reS/Nwcy1+bZE9T1w+T3Jzk5Qewn5/6d6RDg2GheS3J7wJ/BPwe8EzgZGA58MUkh42wtFZJ3gS8F/g/wLHAs4GLgTUjLKvb9VX1DOBI4CPA5iRHj7YkzVtV5cvXvHwBRwAPAmfNan8GsAtY18xfCryza/kpwHTX/PnAt4AHgNuBV3Ytey1wXdd8AT8HrAf+FXi0qeEv6ATWp2fV8gHgvT1qf2az3plzvL/D6YTJjub1XuDwXnV119b1nj8I/FXzvr4KPK9Zdm3T96Gmht/ose/Z7/vpzTqTPX5/Pw98GfgBcBtwetP+uN/RqP/N+Brcy5GF5rMXA08BPtPdWFUPAlcD/6nP7XwL+GU6H+B/CHw8yeK5VqiqjcDlwLurc2jqFcDHgdVJjgRIshD4DeBjPTbxH5raPzvHbt5KZ6T0i8ALgZOAP+jzPQG8unk/RwHbgA1N7b/SLH9hU/sn5tpI8z7+G50P/G/OWnYYnaD8InAM8NvA5Umev4/fkZ6gDAvNZ4uA+6pqd49lO4GJfjZSVZ+sqh1V9ePmg/ObdD6Y90tV7aTzV/uZTdPqpr4be3T/2Tlq3+u/Au+oql1VNUPng/81+1HSZ6rqhmYfl9MJnf1xcpIfAN+jEzyvrKp/md2HzkjuXVX1aFX9NfCXTX+NEcNC89l9wKLmL9/ZFgMz/WwkyTnNCdwfNB+OJ9AJogOxCTi7mT6b3qMKgO+z79r3ehbwna757zRt/fpe1/TDdD7U98dXqurIqlpUVSdX1Zf2UeP2qvrxrDqX7Oe+dIgzLDSfXQ88AryquzHJ04GXAX/TND0EPK2ry3FdfZ8D/BnwW8DPVtWRwK1A+th/r1syfw54QZITgJfT+Yt+X7X/CDhjju3vAJ7TNf/spg1mvackxzEaO4BlSbo/K54NfLeZ9rbVY8Kw0LzVHBL5Q+ADSVYnOSzJcuCTdEYdez+obwZ+LcnRzYfqG7s2s/fE7QxAkt+kM7Lox73AY75zUVU/Aj4F/DlwQ1XdM0ftbwM+mOSMJE9r6n9Zknc33a4A/iDJRJJFTf+PN8u+Dhyf5BeTPAV4e58177P2A/RVOsH1lqb+U4BXAFce5P1onjMsNK9V1buB3wcuonPVz110/uL+1ap6qOn2MTofrnfTORH7ia71bwf+hM5f+vcCvwD8XZ+7/wiwqjl89bmu9k3NdvZ1CGrvvt8DvInOSesZYDudEc7ebb0TmAL+EbgFuKlpo6r+CXgH8CU651iuY/+8HdjU1H7Wfq7b/R4eBU6nM5K7j86lv+dU1TeaLvv6HekJJlWOInXoSPI6OqONl+zrr/oh1PBs4BvAcVX1w1HUIA3bXCffpHmnqi5J8q90Lqsdelg0x+7fBFxpUGicOLKQ+tScWL+XztVAq6tq+4hLkobGsJAktfIEtySp1RP2nMWiRYtq+fLloy5Dkg4pN954431V9bi7Izxhw2L58uVMTU2NugxJOqQk+U6vdg9DSZJaGRaSpFaGhSSp1cDCIsklSXYlubXHsjc3j31c1NV2QZJtSe5MclpX+4nNIzW3JXl/kn5uACdJOogGObK4lM79/h8jyTLgpXR9+zbJKmAtcHyzzsVJFjSLP0TniVwrm9fjtilJGqyBhUVVXQvc32PR/wXewmNvbbyGzu0THqmqu+g89euk5mlmR1TV9dX59uBlzH3LZ0nSAAz1nEWS04HvVtXXZy1aQueOnHtNN21LmunZ7fva/vokU0mmZmb6ei6OJKkPQwuLJE+j88zht/Va3KOt5mjvqao2VtVkVU1OTPT1xE1JUh+G+aW85wErgK8356iXAjclOYnOiGFZV9+ldJ7QNd1Mz26XJA3R0MKiqm4Bjtk7n+RuYLKq7kuyBfjzJO+h88zflXSeQrYnyQNJTqbzxK5zgA8Mo94Tf++yYexGh5gb//icUZcgjcQgL529gs7TyZ6fZDrJufvqW1W3AZuB24HPA+dV1Z5m8euBD9M56f0t4OpB1SxJ6m1gI4uqenXL8uWz5jcAG3r0m6L/ZyZLkgbAb3BLkloZFpKkVoaFJKmVYSFJamVYSJJaGRaSpFaGhSSplWEhSWplWEiSWhkWkqRWhoUkqZVhIUlqZVhIkloZFpKkVoaFJKmVYSFJamVYSJJaGRaSpFaGhSSplWEhSWplWEiSWg0sLJJckmRXklu72v44yTeS/GOSzyY5smvZBUm2JbkzyWld7ScmuaVZ9v4kGVTNkqTeBjmyuBRYPavtGuCEqnoB8E/ABQBJVgFrgeObdS5OsqBZ50PAemBl85q9TUnSgA0sLKrqWuD+WW1frKrdzexXgKXN9Brgyqp6pKruArYBJyVZDBxRVddXVQGXAWcMqmZJUm+jPGfxOuDqZnoJsL1r2XTTtqSZnt3eU5L1SaaSTM3MzBzkciVpfI0kLJK8FdgNXL63qUe3mqO9p6raWFWTVTU5MTHx0xcqSQJg4bB3mGQd8HLg1ObQEnRGDMu6ui0FdjTtS3u0S5KGaKgjiySrgf8FnF5VD3ct2gKsTXJ4khV0TmTfUFU7gQeSnNxcBXUOcNUwa5YkDXBkkeQK4BRgUZJp4EI6Vz8dDlzTXAH7lar6H1V1W5LNwO10Dk+dV1V7mk29ns6VVU+lc47jaiRJQzWwsKiqV/do/sgc/TcAG3q0TwEnHMTSJEn7yW9wS5JaGRaSpFaGhSSplWEhSWplWEiSWhkWkqRWhoUkqZVhIUlqZVhIkloZFpKkVoaFJKmVYSFJamVYSJJaGRaSpFaGhSSplWEhSWplWEiSWhkWkqRWhoUkqZVhIUlqZVhIkloNLCySXJJkV5Jbu9qOTnJNkm82P4/qWnZBkm1J7kxyWlf7iUluaZa9P0kGVbMkqbdBjiwuBVbPajsf2FpVK4GtzTxJVgFrgeObdS5OsqBZ50PAemBl85q9TUnSgA0sLKrqWuD+Wc1rgE3N9CbgjK72K6vqkaq6C9gGnJRkMXBEVV1fVQVc1rWOJGlIhn3O4tiq2gnQ/DymaV8CbO/qN920LWmmZ7f3lGR9kqkkUzMzMwe1cEkaZ/PlBHev8xA1R3tPVbWxqiaranJiYuKgFSdJ427YYXFvc2iJ5ueupn0aWNbVbymwo2lf2qNdkjREww6LLcC6ZnodcFVX+9okhydZQedE9g3NoaoHkpzcXAV1Ttc6kqQhWTioDSe5AjgFWJRkGrgQeBewOcm5wD3AmQBVdVuSzcDtwG7gvKra02zq9XSurHoqcHXzkiQN0cDCoqpevY9Fp+6j/wZgQ4/2KeCEg1iaJGk/zZcT3JKkecywkCS1MiwkSa0MC0lSK8NCktTKsJAktTIsJEmtDAtJUivDQpLUyrCQJLUyLCRJrQwLSVIrw0KS1MqwkCS1MiwkSa0MC0lSK8NCktTKsJAktTIsJEmtDAtJUivDQpLUaiRhkeR3ktyW5NYkVyR5SpKjk1yT5JvNz6O6+l+QZFuSO5OcNoqaJWmcDT0skiwB3gBMVtUJwAJgLXA+sLWqVgJbm3mSrGqWHw+sBi5OsmDYdUvSOBvVYaiFwFOTLASeBuwA1gCbmuWbgDOa6TXAlVX1SFXdBWwDThpuuZI03voKiyRb+2nrR1V9F7gIuAfYCfxLVX0ROLaqdjZ9dgLHNKssAbZ3bWK6aetV5/okU0mmZmZmDqQ8SVIPc4bF3nMJwKIkRzXnFY5Oshx41oHssDkXsQZY0Wzj6UnOnmuVHm3Vq2NVbayqyaqanJiYOJDyJEk9LGxZ/t+BN9L5UL+Rn3xw/xD44AHu81eBu6pqBiDJZ4AXA/cmWVxVO5MsBnY1/aeBZV3rL6Vz2EqSNCRzjiyq6n1VtQJ4c1U9t6pWNK8XVtWfHuA+7wFOTvK0JAFOBe4AtgDrmj7rgKua6S3A2iSHJ1kBrARuOMB9S5IOQNvIAoCq+kCSFwPLu9epqsv2d4dV9dUknwJuAnYDXwM2As8ANic5l06gnNn0vy3JZuD2pv95VbVnf/crSTpwfYVFko8BzwNuBvZ+UBew32EBUFUXAhfOan6EziijV/8NwIYD2Zck6afXV1gAk8Cqqup5YlmS9MTW7/csbgWOG2QhkqT5q9+RxSLg9iQ30DlcBEBVnT6QqiRJ80q/YfH2QRYhSZrf+r0a6m8GXYgkaf7q92qoB/jJt6afDBwGPFRVRwyqMEnS/NHvyOJnuueTnIE385OksXFAd52tqs8B//HgliJJmq/6PQz1qq7ZJ9H53oXfuZCkMdHv1VCv6JreDdxN586xkqQx0O85i98cdCGSpPmr34cfLU3y2SS7ktyb5NNJlg66OEnS/NDvCe6P0rlV+LPoPKXuL5o2SdIY6DcsJqrqo1W1u3ldCvgoOkkaE/2GxX1Jzk6yoHmdDXx/kIVJkuaPfsPidcBZwPeAncCvA570lqQx0e+ls/8bWFdV/wyQ5GjgIjohIkl6gut3ZPGCvUEBUFX3Ay8aTEmSpPmm37B4UpKj9s40I4t+RyWSpENcvx/4fwL8fZJP0bnNx1n4TGxJGhv9foP7siRTdG4eGOBVVXX7QCuTJM0bfR9KasLhoAREkiOBDwMn0BmpvA64E/gEsJzOvafO6jqhfgFwLrAHeENVfeFg1CFJ6s8B3aL8IHgf8Pmq+rfAC4E7gPOBrVW1EtjazJNkFbAWOB5YDVycZMFIqpakMTX0sEhyBPArwEcAqurRqvoBnbvYbmq6bQLOaKbXAFdW1SNVdRewDR+8JElDNYqRxXOBGeCjSb6W5MNJng4cW1U7AZqfxzT9lwDbu9afbtoeJ8n6JFNJpmZmZgb3DiRpzIwiLBYC/w74UFW9CHiI5pDTPqRHW88HL1XVxqqarKrJiQlvXSVJB8sowmIamK6qrzbzn6ITHvcmWQzQ/NzV1X9Z1/pLgR1DqlWSxAjCoqq+B2xP8vym6VQ6V1ltAdY1beuAq5rpLcDaJIcnWQGsBG4YYsmSNPZG9S3s3wYuT/Jk4Nt0bkr4JGBzknOBe4AzAarqtiSb6QTKbuC8qtozmrIlaTyNJCyq6mZgsseiU/fRfwN+Y1ySRmZU37OQJB1CDAtJUivDQpLUyrCQJLUyLCRJrQwLSVIrw0KS1MqwkCS1MiwkSa0MC0lSK8NCktTKsJAktTIsJEmtDAtJUivDQpLUyrCQJLUyLCRJrQwLSVIrw0KS1MqwkCS1MiwkSa1GFhZJFiT5WpK/bOaPTnJNkm82P4/q6ntBkm1J7kxy2qhqlqRxNcqRxf8E7uiaPx/YWlUrga3NPElWAWuB44HVwMVJFgy5VkkaayMJiyRLgf8MfLireQ2wqZneBJzR1X5lVT1SVXcB24CThlSqJInRjSzeC7wF+HFX27FVtROg+XlM074E2N7Vb7ppe5wk65NMJZmamZk56EVL0rgaelgkeTmwq6pu7HeVHm3Vq2NVbayqyaqanJiYOOAaJUmPtXAE+3wJcHqSXwOeAhyR5OPAvUkWV9XOJIuBXU3/aWBZ1/pLgR1DrViSxtzQRxZVdUFVLa2q5XROXP91VZ0NbAHWNd3WAVc101uAtUkOT7ICWAncMOSyJWmsjWJksS/vAjYnORe4BzgToKpuS7IZuB3YDZxXVXtGV6YkjZ+RhkVVfRn4cjP9feDUffTbAGwYWmGSpMfwG9ySpFaGhSSplWEhSWplWEiSWhkWkqRWhoUkqZVhIUlqZVhIkloZFpKkVoaFJKmVYSFJamVYSJJaGRaSpFaGhSSplWEhSWplWEiSWhkWkqRWhoUkqZVhIUlqZVhIkloZFpKkVguHvcMky4DLgOOAHwMbq+p9SY4GPgEsB+4Gzqqqf27WuQA4F9gDvKGqvjDsuqX55J53/MKoS9A89Oy33TKwbY9iZLEb+N2q+nngZOC8JKuA84GtVbUS2NrM0yxbCxwPrAYuTrJgBHVL0tgaelhU1c6quqmZfgC4A1gCrAE2Nd02AWc002uAK6vqkaq6C9gGnDTUoiVpzI30nEWS5cCLgK8Cx1bVTugECnBM020JsL1rtemmrdf21ieZSjI1MzMzsLoladyMLCySPAP4NPDGqvrhXF17tFWvjlW1saomq2pyYmLiYJQpSWJEYZHkMDpBcXlVfaZpvjfJ4mb5YmBX0z4NLOtafSmwY1i1SpJGEBZJAnwEuKOq3tO1aAuwrpleB1zV1b42yeFJVgArgRuGVa8kaQSXzgIvAV4D3JLk5qbt94F3AZuTnAvcA5wJUFW3JdkM3E7nSqrzqmrP0KuWpDE29LCoquvofR4C4NR9rLMB2DCwoiRJc/Ib3JKkVoaFJKmVYSFJamVYSJJaGRaSpFaGhSSplWEhSWplWEiSWhkWkqRWhoUkqZVhIUlqZVhIkloZFpKkVoaFJKmVYSFJamVYSJJaGRaSpFaGhSSplWEhSWplWEiSWhkWkqRWh0xYJFmd5M4k25KcP+p6JGmcHBJhkWQB8EHgZcAq4NVJVo22KkkaH4dEWAAnAduq6ttV9ShwJbBmxDVJ0thYOOoC+rQE2N41Pw38+9mdkqwH1jezDya5cwi1jYNFwH2jLmI+yEXrRl2CHs9/n3tdmIOxlef0ajxUwqLXb6Ae11C1Edg4+HLGS5KpqpocdR1SL/77HI5D5TDUNLCsa34psGNEtUjS2DlUwuIfgJVJViR5MrAW2DLimiRpbBwSh6GqaneS3wK+ACwALqmq20Zc1jjx0J7mM/99DkGqHnfoX5KkxzhUDkNJkkbIsJAktTIsNCdvs6L5KsklSXYluXXUtYwDw0L75G1WNM9dCqwedRHjwrDQXLzNiuatqroWuH/UdYwLw0Jz6XWblSUjqkXSCBkWmktft1mR9MRnWGgu3mZFEmBYaG7eZkUSYFhoDlW1G9h7m5U7gM3eZkXzRZIrgOuB5yeZTnLuqGt6IvN2H5KkVo4sJEmtDAtJUivDQpLUyrCQJLUyLCRJrQwLSVIrw0IagiTL57qVdpLXJvnTfSz7+8FVJvXHsJDmuap68ahrkAwLqUWStzYPgPpSkiuSvDnJl5NMNssXJbm7mV6e5G+T3NS89ueDflmSzzf7urBr/w82P09p9vupJN9IcnmSXjd7lA66haMuQJrPkpxI555YL6Lz/+Um4MY5VtkFvLSqfpRkJXAFMNnn7k4CTgAeBv4hyV9V1dSsPi8CjqdzQ8e/A14CXNfn9qUD5shCmtsvA5+tqoer6oe030jxMODPktwCfJLOEwb7dU1Vfb+q/h/wGeCXevS5oaqmq+rHwM3A8v3YvnTAHFlI7XrdQG03P/lj6yld7b8D3Au8sFn+o59iP732+0jX9B78P6whcWQhze1a4JVJnprkZ4BXNO13Ayc207/e1f+ZwM7mL//XAAv2Y18vTXJ0kqcCZ9A5zCTNC4aFNIequgn4BJ1DPp8G/rZZdBHw+uay1kVdq1wMrEvyFeDfAA/tx+6uAz62d189zldII+MtyqX9kOTtwINVddGoa5GGyZGFJKmVIwtpiJKcBvzRrOa7quqVo6hH6pdhIUlq5WEoSVIrw0KS1MqwkCS1MiwkSa3+P4jMNGDh5ZaUAAAAAElFTkSuQmCC"/>
+          <p:cNvSpPr>
+            <a:spLocks noChangeAspect="1" noChangeArrowheads="1"/>
+          </p:cNvSpPr>
+          <p:nvPr/>
+        </p:nvSpPr>
+        <p:spPr bwMode="auto">
+          <a:xfrm>
+            <a:off x="460375" y="160337"/>
+            <a:ext cx="304800" cy="304801"/>
+          </a:xfrm>
+          <a:prstGeom prst="rect">
+            <a:avLst/>
+          </a:prstGeom>
+          <a:noFill/>
+          <a:extLst>
+            <a:ext uri="{909E8E84-426E-40DD-AFC4-6F175D3DCCD1}">
+              <a14:hiddenFill xmlns:a14="http://schemas.microsoft.com/office/drawing/2010/main">
+                <a:solidFill>
+                  <a:srgbClr val="FFFFFF"/>
+                </a:solidFill>
+              </a14:hiddenFill>
+            </a:ext>
+          </a:extLst>
+        </p:spPr>
+        <p:txBody>
+          <a:bodyPr vert="horz" wrap="square" lIns="91440" tIns="45720" rIns="91440" bIns="45720" numCol="1" anchor="t" anchorCtr="0" compatLnSpc="1">
+            <a:prstTxWarp prst="textNoShape">
+              <a:avLst/>
+            </a:prstTxWarp>
+          </a:bodyPr>
+          <a:lstStyle/>
+          <a:p>
+            <a:endParaRPr lang="en-US"/>
+          </a:p>
+        </p:txBody>
+      </p:sp>
       <p:pic>
         <p:nvPicPr>
-          <p:cNvPr id="2" name="Picture 1"/>
+          <p:cNvPr id="2057" name="Picture 9"/>
           <p:cNvPicPr>
-            <a:picLocks noChangeAspect="1"/>
+            <a:picLocks noChangeAspect="1" noChangeArrowheads="1"/>
           </p:cNvPicPr>
           <p:nvPr/>
         </p:nvPicPr>
@@ -3219,24 +3380,48 @@
               </a:ext>
             </a:extLst>
           </a:blip>
+          <a:srcRect/>
           <a:stretch>
             <a:fillRect/>
           </a:stretch>
         </p:blipFill>
-        <p:spPr>
+        <p:spPr bwMode="auto">
           <a:xfrm>
-            <a:off x="193098" y="381000"/>
-            <a:ext cx="8870084" cy="6019800"/>
+            <a:off x="612775" y="1981200"/>
+            <a:ext cx="7845425" cy="4572000"/>
           </a:xfrm>
           <a:prstGeom prst="rect">
             <a:avLst/>
           </a:prstGeom>
+          <a:noFill/>
+          <a:ln>
+            <a:noFill/>
+          </a:ln>
+          <a:extLst>
+            <a:ext uri="{909E8E84-426E-40DD-AFC4-6F175D3DCCD1}">
+              <a14:hiddenFill xmlns:a14="http://schemas.microsoft.com/office/drawing/2010/main">
+                <a:solidFill>
+                  <a:schemeClr val="accent1"/>
+                </a:solidFill>
+              </a14:hiddenFill>
+            </a:ext>
+            <a:ext uri="{91240B29-F687-4F45-9708-019B960494DF}">
+              <a14:hiddenLine xmlns:a14="http://schemas.microsoft.com/office/drawing/2010/main" w="9525">
+                <a:solidFill>
+                  <a:schemeClr val="tx1"/>
+                </a:solidFill>
+                <a:miter lim="800000"/>
+                <a:headEnd/>
+                <a:tailEnd/>
+              </a14:hiddenLine>
+            </a:ext>
+          </a:extLst>
         </p:spPr>
       </p:pic>
     </p:spTree>
     <p:extLst>
       <p:ext uri="{BB962C8B-B14F-4D97-AF65-F5344CB8AC3E}">
-        <p14:creationId xmlns:p14="http://schemas.microsoft.com/office/powerpoint/2010/main" val="1836303643"/>
+        <p14:creationId xmlns:p14="http://schemas.microsoft.com/office/powerpoint/2010/main" val="2591799034"/>
       </p:ext>
     </p:extLst>
   </p:cSld>
@@ -3263,11 +3448,64 @@
           <a:chExt cx="0" cy="0"/>
         </a:xfrm>
       </p:grpSpPr>
+      <p:sp>
+        <p:nvSpPr>
+          <p:cNvPr id="2" name="Title 1"/>
+          <p:cNvSpPr>
+            <a:spLocks noGrp="1"/>
+          </p:cNvSpPr>
+          <p:nvPr>
+            <p:ph type="title"/>
+          </p:nvPr>
+        </p:nvSpPr>
+        <p:spPr/>
+        <p:txBody>
+          <a:bodyPr/>
+          <a:lstStyle/>
+          <a:p>
+            <a:r>
+              <a:rPr lang="en-US" dirty="0" smtClean="0"/>
+              <a:t>Quality Count – White Wine</a:t>
+            </a:r>
+            <a:endParaRPr lang="en-US" dirty="0"/>
+          </a:p>
+        </p:txBody>
+      </p:sp>
+      <p:sp>
+        <p:nvSpPr>
+          <p:cNvPr id="3" name="Content Placeholder 2"/>
+          <p:cNvSpPr>
+            <a:spLocks noGrp="1"/>
+          </p:cNvSpPr>
+          <p:nvPr>
+            <p:ph idx="1"/>
+          </p:nvPr>
+        </p:nvSpPr>
+        <p:spPr>
+          <a:xfrm>
+            <a:off x="457200" y="1371600"/>
+            <a:ext cx="8229600" cy="609600"/>
+          </a:xfrm>
+        </p:spPr>
+        <p:txBody>
+          <a:bodyPr>
+            <a:normAutofit/>
+          </a:bodyPr>
+          <a:lstStyle/>
+          <a:p>
+            <a:r>
+              <a:rPr lang="en-US" sz="2800" dirty="0" smtClean="0"/>
+              <a:t>Approximately 25% of white wines are high quality</a:t>
+            </a:r>
+            <a:endParaRPr lang="en-US" sz="2800" dirty="0"/>
+          </a:p>
+        </p:txBody>
+      </p:sp>
       <p:pic>
         <p:nvPicPr>
-          <p:cNvPr id="2" name="Picture 1"/>
+          <p:cNvPr id="2050" name="Picture 2"/>
           <p:cNvPicPr>
-            <a:picLocks noChangeAspect="1"/>
+            <a:picLocks noChangeAspect="1" noChangeArrowheads="1"/>
           </p:cNvPicPr>
           <p:nvPr/>
         </p:nvPicPr>
@@ -3279,24 +3517,48 @@
               </a:ext>
             </a:extLst>
           </a:blip>
+          <a:srcRect/>
           <a:stretch>
             <a:fillRect/>
           </a:stretch>
         </p:blipFill>
-        <p:spPr>
+        <p:spPr bwMode="auto">
           <a:xfrm>
-            <a:off x="272806" y="381000"/>
-            <a:ext cx="8824659" cy="5943600"/>
+            <a:off x="533399" y="2286000"/>
+            <a:ext cx="8000999" cy="4267200"/>
           </a:xfrm>
           <a:prstGeom prst="rect">
             <a:avLst/>
           </a:prstGeom>
+          <a:noFill/>
+          <a:ln>
+            <a:noFill/>
+          </a:ln>
+          <a:extLst>
+            <a:ext uri="{909E8E84-426E-40DD-AFC4-6F175D3DCCD1}">
+              <a14:hiddenFill xmlns:a14="http://schemas.microsoft.com/office/drawing/2010/main">
+                <a:solidFill>
+                  <a:schemeClr val="accent1"/>
+                </a:solidFill>
+              </a14:hiddenFill>
+            </a:ext>
+            <a:ext uri="{91240B29-F687-4F45-9708-019B960494DF}">
+              <a14:hiddenLine xmlns:a14="http://schemas.microsoft.com/office/drawing/2010/main" w="9525">
+                <a:solidFill>
+                  <a:schemeClr val="tx1"/>
+                </a:solidFill>
+                <a:miter lim="800000"/>
+                <a:headEnd/>
+                <a:tailEnd/>
+              </a14:hiddenLine>
+            </a:ext>
+          </a:extLst>
         </p:spPr>
       </p:pic>
     </p:spTree>
     <p:extLst>
       <p:ext uri="{BB962C8B-B14F-4D97-AF65-F5344CB8AC3E}">
-        <p14:creationId xmlns:p14="http://schemas.microsoft.com/office/powerpoint/2010/main" val="91401481"/>
+        <p14:creationId xmlns:p14="http://schemas.microsoft.com/office/powerpoint/2010/main" val="4269790739"/>
       </p:ext>
     </p:extLst>
   </p:cSld>
@@ -3307,860 +3569,6 @@
 </file>
 
 <file path=ppt/slides/slide12.xml><?xml version="1.0" encoding="utf-8"?>
-<p:sld xmlns:a="http://schemas.openxmlformats.org/drawingml/2006/main" xmlns:r="http://schemas.openxmlformats.org/officeDocument/2006/relationships" xmlns:p="http://schemas.openxmlformats.org/presentationml/2006/main">
-  <p:cSld>
-    <p:spTree>
-      <p:nvGrpSpPr>
-        <p:cNvPr id="1" name=""/>
-        <p:cNvGrpSpPr/>
-        <p:nvPr/>
-      </p:nvGrpSpPr>
-      <p:grpSpPr>
-        <a:xfrm>
-          <a:off x="0" y="0"/>
-          <a:ext cx="0" cy="0"/>
-          <a:chOff x="0" y="0"/>
-          <a:chExt cx="0" cy="0"/>
-        </a:xfrm>
-      </p:grpSpPr>
-      <p:pic>
-        <p:nvPicPr>
-          <p:cNvPr id="2" name="Picture 1"/>
-          <p:cNvPicPr>
-            <a:picLocks noChangeAspect="1"/>
-          </p:cNvPicPr>
-          <p:nvPr/>
-        </p:nvPicPr>
-        <p:blipFill>
-          <a:blip r:embed="rId2">
-            <a:extLst>
-              <a:ext uri="{28A0092B-C50C-407E-A947-70E740481C1C}">
-                <a14:useLocalDpi xmlns:a14="http://schemas.microsoft.com/office/drawing/2010/main" val="0"/>
-              </a:ext>
-            </a:extLst>
-          </a:blip>
-          <a:stretch>
-            <a:fillRect/>
-          </a:stretch>
-        </p:blipFill>
-        <p:spPr>
-          <a:xfrm>
-            <a:off x="228600" y="533400"/>
-            <a:ext cx="8675747" cy="5798587"/>
-          </a:xfrm>
-          <a:prstGeom prst="rect">
-            <a:avLst/>
-          </a:prstGeom>
-        </p:spPr>
-      </p:pic>
-    </p:spTree>
-    <p:extLst>
-      <p:ext uri="{BB962C8B-B14F-4D97-AF65-F5344CB8AC3E}">
-        <p14:creationId xmlns:p14="http://schemas.microsoft.com/office/powerpoint/2010/main" val="1719639017"/>
-      </p:ext>
-    </p:extLst>
-  </p:cSld>
-  <p:clrMapOvr>
-    <a:masterClrMapping/>
-  </p:clrMapOvr>
-</p:sld>
-</file>
-
-<file path=ppt/slides/slide13.xml><?xml version="1.0" encoding="utf-8"?>
-<p:sld xmlns:a="http://schemas.openxmlformats.org/drawingml/2006/main" xmlns:r="http://schemas.openxmlformats.org/officeDocument/2006/relationships" xmlns:p="http://schemas.openxmlformats.org/presentationml/2006/main">
-  <p:cSld>
-    <p:spTree>
-      <p:nvGrpSpPr>
-        <p:cNvPr id="1" name=""/>
-        <p:cNvGrpSpPr/>
-        <p:nvPr/>
-      </p:nvGrpSpPr>
-      <p:grpSpPr>
-        <a:xfrm>
-          <a:off x="0" y="0"/>
-          <a:ext cx="0" cy="0"/>
-          <a:chOff x="0" y="0"/>
-          <a:chExt cx="0" cy="0"/>
-        </a:xfrm>
-      </p:grpSpPr>
-      <p:pic>
-        <p:nvPicPr>
-          <p:cNvPr id="2" name="Picture 1"/>
-          <p:cNvPicPr>
-            <a:picLocks noChangeAspect="1"/>
-          </p:cNvPicPr>
-          <p:nvPr/>
-        </p:nvPicPr>
-        <p:blipFill>
-          <a:blip r:embed="rId2">
-            <a:extLst>
-              <a:ext uri="{28A0092B-C50C-407E-A947-70E740481C1C}">
-                <a14:useLocalDpi xmlns:a14="http://schemas.microsoft.com/office/drawing/2010/main" val="0"/>
-              </a:ext>
-            </a:extLst>
-          </a:blip>
-          <a:stretch>
-            <a:fillRect/>
-          </a:stretch>
-        </p:blipFill>
-        <p:spPr>
-          <a:xfrm>
-            <a:off x="193698" y="381000"/>
-            <a:ext cx="8868867" cy="6019800"/>
-          </a:xfrm>
-          <a:prstGeom prst="rect">
-            <a:avLst/>
-          </a:prstGeom>
-        </p:spPr>
-      </p:pic>
-    </p:spTree>
-    <p:extLst>
-      <p:ext uri="{BB962C8B-B14F-4D97-AF65-F5344CB8AC3E}">
-        <p14:creationId xmlns:p14="http://schemas.microsoft.com/office/powerpoint/2010/main" val="183571475"/>
-      </p:ext>
-    </p:extLst>
-  </p:cSld>
-  <p:clrMapOvr>
-    <a:masterClrMapping/>
-  </p:clrMapOvr>
-</p:sld>
-</file>
-
-<file path=ppt/slides/slide14.xml><?xml version="1.0" encoding="utf-8"?>
-<p:sld xmlns:a="http://schemas.openxmlformats.org/drawingml/2006/main" xmlns:r="http://schemas.openxmlformats.org/officeDocument/2006/relationships" xmlns:p="http://schemas.openxmlformats.org/presentationml/2006/main">
-  <p:cSld>
-    <p:spTree>
-      <p:nvGrpSpPr>
-        <p:cNvPr id="1" name=""/>
-        <p:cNvGrpSpPr/>
-        <p:nvPr/>
-      </p:nvGrpSpPr>
-      <p:grpSpPr>
-        <a:xfrm>
-          <a:off x="0" y="0"/>
-          <a:ext cx="0" cy="0"/>
-          <a:chOff x="0" y="0"/>
-          <a:chExt cx="0" cy="0"/>
-        </a:xfrm>
-      </p:grpSpPr>
-      <p:pic>
-        <p:nvPicPr>
-          <p:cNvPr id="2" name="Picture 1"/>
-          <p:cNvPicPr>
-            <a:picLocks noChangeAspect="1"/>
-          </p:cNvPicPr>
-          <p:nvPr/>
-        </p:nvPicPr>
-        <p:blipFill>
-          <a:blip r:embed="rId2">
-            <a:extLst>
-              <a:ext uri="{28A0092B-C50C-407E-A947-70E740481C1C}">
-                <a14:useLocalDpi xmlns:a14="http://schemas.microsoft.com/office/drawing/2010/main" val="0"/>
-              </a:ext>
-            </a:extLst>
-          </a:blip>
-          <a:stretch>
-            <a:fillRect/>
-          </a:stretch>
-        </p:blipFill>
-        <p:spPr>
-          <a:xfrm>
-            <a:off x="11634" y="457200"/>
-            <a:ext cx="9006723" cy="6019800"/>
-          </a:xfrm>
-          <a:prstGeom prst="rect">
-            <a:avLst/>
-          </a:prstGeom>
-        </p:spPr>
-      </p:pic>
-    </p:spTree>
-    <p:extLst>
-      <p:ext uri="{BB962C8B-B14F-4D97-AF65-F5344CB8AC3E}">
-        <p14:creationId xmlns:p14="http://schemas.microsoft.com/office/powerpoint/2010/main" val="2512878579"/>
-      </p:ext>
-    </p:extLst>
-  </p:cSld>
-  <p:clrMapOvr>
-    <a:masterClrMapping/>
-  </p:clrMapOvr>
-</p:sld>
-</file>
-
-<file path=ppt/slides/slide15.xml><?xml version="1.0" encoding="utf-8"?>
-<p:sld xmlns:a="http://schemas.openxmlformats.org/drawingml/2006/main" xmlns:r="http://schemas.openxmlformats.org/officeDocument/2006/relationships" xmlns:p="http://schemas.openxmlformats.org/presentationml/2006/main">
-  <p:cSld>
-    <p:spTree>
-      <p:nvGrpSpPr>
-        <p:cNvPr id="1" name=""/>
-        <p:cNvGrpSpPr/>
-        <p:nvPr/>
-      </p:nvGrpSpPr>
-      <p:grpSpPr>
-        <a:xfrm>
-          <a:off x="0" y="0"/>
-          <a:ext cx="0" cy="0"/>
-          <a:chOff x="0" y="0"/>
-          <a:chExt cx="0" cy="0"/>
-        </a:xfrm>
-      </p:grpSpPr>
-      <p:pic>
-        <p:nvPicPr>
-          <p:cNvPr id="2" name="Picture 1"/>
-          <p:cNvPicPr>
-            <a:picLocks noChangeAspect="1"/>
-          </p:cNvPicPr>
-          <p:nvPr/>
-        </p:nvPicPr>
-        <p:blipFill>
-          <a:blip r:embed="rId2">
-            <a:extLst>
-              <a:ext uri="{28A0092B-C50C-407E-A947-70E740481C1C}">
-                <a14:useLocalDpi xmlns:a14="http://schemas.microsoft.com/office/drawing/2010/main" val="0"/>
-              </a:ext>
-            </a:extLst>
-          </a:blip>
-          <a:stretch>
-            <a:fillRect/>
-          </a:stretch>
-        </p:blipFill>
-        <p:spPr>
-          <a:xfrm>
-            <a:off x="127969" y="457200"/>
-            <a:ext cx="8776962" cy="6019800"/>
-          </a:xfrm>
-          <a:prstGeom prst="rect">
-            <a:avLst/>
-          </a:prstGeom>
-        </p:spPr>
-      </p:pic>
-    </p:spTree>
-    <p:extLst>
-      <p:ext uri="{BB962C8B-B14F-4D97-AF65-F5344CB8AC3E}">
-        <p14:creationId xmlns:p14="http://schemas.microsoft.com/office/powerpoint/2010/main" val="2745622519"/>
-      </p:ext>
-    </p:extLst>
-  </p:cSld>
-  <p:clrMapOvr>
-    <a:masterClrMapping/>
-  </p:clrMapOvr>
-</p:sld>
-</file>
-
-<file path=ppt/slides/slide16.xml><?xml version="1.0" encoding="utf-8"?>
-<p:sld xmlns:a="http://schemas.openxmlformats.org/drawingml/2006/main" xmlns:r="http://schemas.openxmlformats.org/officeDocument/2006/relationships" xmlns:p="http://schemas.openxmlformats.org/presentationml/2006/main">
-  <p:cSld>
-    <p:spTree>
-      <p:nvGrpSpPr>
-        <p:cNvPr id="1" name=""/>
-        <p:cNvGrpSpPr/>
-        <p:nvPr/>
-      </p:nvGrpSpPr>
-      <p:grpSpPr>
-        <a:xfrm>
-          <a:off x="0" y="0"/>
-          <a:ext cx="0" cy="0"/>
-          <a:chOff x="0" y="0"/>
-          <a:chExt cx="0" cy="0"/>
-        </a:xfrm>
-      </p:grpSpPr>
-      <p:sp>
-        <p:nvSpPr>
-          <p:cNvPr id="2" name="Title 1"/>
-          <p:cNvSpPr>
-            <a:spLocks noGrp="1"/>
-          </p:cNvSpPr>
-          <p:nvPr>
-            <p:ph type="title"/>
-          </p:nvPr>
-        </p:nvSpPr>
-        <p:spPr/>
-        <p:txBody>
-          <a:bodyPr>
-            <a:normAutofit fontScale="90000"/>
-          </a:bodyPr>
-          <a:lstStyle/>
-          <a:p>
-            <a:r>
-              <a:rPr lang="en-US" sz="2400" dirty="0" smtClean="0"/>
-              <a:t>The Correlation </a:t>
-            </a:r>
-            <a:r>
-              <a:rPr lang="en-US" sz="2400" dirty="0" err="1" smtClean="0"/>
-              <a:t>Heatmap</a:t>
-            </a:r>
-            <a:r>
-              <a:rPr lang="en-US" sz="2400" dirty="0"/>
-              <a:t/>
-            </a:r>
-            <a:br>
-              <a:rPr lang="en-US" sz="2400" dirty="0"/>
-            </a:br>
-            <a:r>
-              <a:rPr lang="en-US" sz="2400" dirty="0" smtClean="0"/>
-              <a:t>alcohol and density have a fairly high negative correlation </a:t>
-            </a:r>
-            <a:br>
-              <a:rPr lang="en-US" sz="2400" dirty="0" smtClean="0"/>
-            </a:br>
-            <a:r>
-              <a:rPr lang="en-US" sz="2400" dirty="0" smtClean="0"/>
-              <a:t>free &amp; total sulfur dioxide </a:t>
-            </a:r>
-            <a:r>
-              <a:rPr lang="en-US" sz="2400" dirty="0" smtClean="0"/>
-              <a:t>have a fairly high positive correlation</a:t>
-            </a:r>
-            <a:endParaRPr lang="en-US" sz="2400" dirty="0"/>
-          </a:p>
-        </p:txBody>
-      </p:sp>
-      <p:pic>
-        <p:nvPicPr>
-          <p:cNvPr id="4" name="Content Placeholder 3"/>
-          <p:cNvPicPr>
-            <a:picLocks noGrp="1" noChangeAspect="1"/>
-          </p:cNvPicPr>
-          <p:nvPr>
-            <p:ph idx="1"/>
-          </p:nvPr>
-        </p:nvPicPr>
-        <p:blipFill>
-          <a:blip r:embed="rId2">
-            <a:extLst>
-              <a:ext uri="{28A0092B-C50C-407E-A947-70E740481C1C}">
-                <a14:useLocalDpi xmlns:a14="http://schemas.microsoft.com/office/drawing/2010/main" val="0"/>
-              </a:ext>
-            </a:extLst>
-          </a:blip>
-          <a:stretch>
-            <a:fillRect/>
-          </a:stretch>
-        </p:blipFill>
-        <p:spPr>
-          <a:xfrm>
-            <a:off x="1828801" y="1386527"/>
-            <a:ext cx="5722726" cy="5166673"/>
-          </a:xfrm>
-        </p:spPr>
-      </p:pic>
-    </p:spTree>
-    <p:extLst>
-      <p:ext uri="{BB962C8B-B14F-4D97-AF65-F5344CB8AC3E}">
-        <p14:creationId xmlns:p14="http://schemas.microsoft.com/office/powerpoint/2010/main" val="2153618539"/>
-      </p:ext>
-    </p:extLst>
-  </p:cSld>
-  <p:clrMapOvr>
-    <a:masterClrMapping/>
-  </p:clrMapOvr>
-</p:sld>
-</file>
-
-<file path=ppt/slides/slide17.xml><?xml version="1.0" encoding="utf-8"?>
-<p:sld xmlns:a="http://schemas.openxmlformats.org/drawingml/2006/main" xmlns:r="http://schemas.openxmlformats.org/officeDocument/2006/relationships" xmlns:p="http://schemas.openxmlformats.org/presentationml/2006/main">
-  <p:cSld>
-    <p:spTree>
-      <p:nvGrpSpPr>
-        <p:cNvPr id="1" name=""/>
-        <p:cNvGrpSpPr/>
-        <p:nvPr/>
-      </p:nvGrpSpPr>
-      <p:grpSpPr>
-        <a:xfrm>
-          <a:off x="0" y="0"/>
-          <a:ext cx="0" cy="0"/>
-          <a:chOff x="0" y="0"/>
-          <a:chExt cx="0" cy="0"/>
-        </a:xfrm>
-      </p:grpSpPr>
-      <p:sp>
-        <p:nvSpPr>
-          <p:cNvPr id="2" name="Title 1"/>
-          <p:cNvSpPr>
-            <a:spLocks noGrp="1"/>
-          </p:cNvSpPr>
-          <p:nvPr>
-            <p:ph type="title"/>
-          </p:nvPr>
-        </p:nvSpPr>
-        <p:spPr/>
-        <p:txBody>
-          <a:bodyPr/>
-          <a:lstStyle/>
-          <a:p>
-            <a:r>
-              <a:rPr lang="en-US" b="1" dirty="0"/>
-              <a:t>Preprocessing and Modeling</a:t>
-            </a:r>
-            <a:endParaRPr lang="en-US" dirty="0"/>
-          </a:p>
-        </p:txBody>
-      </p:sp>
-      <p:sp>
-        <p:nvSpPr>
-          <p:cNvPr id="3" name="Content Placeholder 2"/>
-          <p:cNvSpPr>
-            <a:spLocks noGrp="1"/>
-          </p:cNvSpPr>
-          <p:nvPr>
-            <p:ph idx="1"/>
-          </p:nvPr>
-        </p:nvSpPr>
-        <p:spPr/>
-        <p:txBody>
-          <a:bodyPr>
-            <a:normAutofit/>
-          </a:bodyPr>
-          <a:lstStyle/>
-          <a:p>
-            <a:r>
-              <a:rPr lang="en-US" dirty="0" smtClean="0"/>
-              <a:t>Split the </a:t>
-            </a:r>
-            <a:r>
-              <a:rPr lang="en-US" dirty="0"/>
-              <a:t>data into high and low quality wines, as well as red and white, for a total of two subsets of data:  Red and White. </a:t>
-            </a:r>
-            <a:endParaRPr lang="en-US" dirty="0" smtClean="0"/>
-          </a:p>
-          <a:p>
-            <a:r>
-              <a:rPr lang="en-US" dirty="0" smtClean="0"/>
-              <a:t>The </a:t>
-            </a:r>
-            <a:r>
-              <a:rPr lang="en-US" dirty="0"/>
-              <a:t>data was then scaled </a:t>
-            </a:r>
-            <a:endParaRPr lang="en-US" dirty="0" smtClean="0"/>
-          </a:p>
-          <a:p>
-            <a:r>
-              <a:rPr lang="en-US" dirty="0" smtClean="0"/>
-              <a:t>I didn’t find </a:t>
-            </a:r>
-            <a:r>
-              <a:rPr lang="en-US" dirty="0"/>
-              <a:t>any features to leave out </a:t>
-            </a:r>
-            <a:r>
-              <a:rPr lang="en-US" dirty="0" smtClean="0"/>
-              <a:t>due </a:t>
-            </a:r>
-            <a:r>
-              <a:rPr lang="en-US" dirty="0"/>
-              <a:t>to high correlation </a:t>
-            </a:r>
-            <a:endParaRPr lang="en-US" dirty="0" smtClean="0"/>
-          </a:p>
-          <a:p>
-            <a:r>
-              <a:rPr lang="en-US" dirty="0" smtClean="0"/>
-              <a:t>Feature Importance</a:t>
-            </a:r>
-            <a:r>
-              <a:rPr lang="en-US" dirty="0"/>
-              <a:t>. </a:t>
-            </a:r>
-            <a:r>
-              <a:rPr lang="en-US" dirty="0" smtClean="0"/>
-              <a:t>alcohol</a:t>
-            </a:r>
-            <a:r>
-              <a:rPr lang="en-US" dirty="0"/>
-              <a:t>, chlorides and density. </a:t>
-            </a:r>
-          </a:p>
-          <a:p>
-            <a:endParaRPr lang="en-US" dirty="0"/>
-          </a:p>
-        </p:txBody>
-      </p:sp>
-    </p:spTree>
-    <p:extLst>
-      <p:ext uri="{BB962C8B-B14F-4D97-AF65-F5344CB8AC3E}">
-        <p14:creationId xmlns:p14="http://schemas.microsoft.com/office/powerpoint/2010/main" val="1439704083"/>
-      </p:ext>
-    </p:extLst>
-  </p:cSld>
-  <p:clrMapOvr>
-    <a:masterClrMapping/>
-  </p:clrMapOvr>
-</p:sld>
-</file>
-
-<file path=ppt/slides/slide18.xml><?xml version="1.0" encoding="utf-8"?>
-<p:sld xmlns:a="http://schemas.openxmlformats.org/drawingml/2006/main" xmlns:r="http://schemas.openxmlformats.org/officeDocument/2006/relationships" xmlns:p="http://schemas.openxmlformats.org/presentationml/2006/main">
-  <p:cSld>
-    <p:spTree>
-      <p:nvGrpSpPr>
-        <p:cNvPr id="1" name=""/>
-        <p:cNvGrpSpPr/>
-        <p:nvPr/>
-      </p:nvGrpSpPr>
-      <p:grpSpPr>
-        <a:xfrm>
-          <a:off x="0" y="0"/>
-          <a:ext cx="0" cy="0"/>
-          <a:chOff x="0" y="0"/>
-          <a:chExt cx="0" cy="0"/>
-        </a:xfrm>
-      </p:grpSpPr>
-      <p:pic>
-        <p:nvPicPr>
-          <p:cNvPr id="2" name="Picture 1"/>
-          <p:cNvPicPr>
-            <a:picLocks noChangeAspect="1"/>
-          </p:cNvPicPr>
-          <p:nvPr/>
-        </p:nvPicPr>
-        <p:blipFill>
-          <a:blip r:embed="rId2">
-            <a:extLst>
-              <a:ext uri="{28A0092B-C50C-407E-A947-70E740481C1C}">
-                <a14:useLocalDpi xmlns:a14="http://schemas.microsoft.com/office/drawing/2010/main" val="0"/>
-              </a:ext>
-            </a:extLst>
-          </a:blip>
-          <a:stretch>
-            <a:fillRect/>
-          </a:stretch>
-        </p:blipFill>
-        <p:spPr>
-          <a:xfrm>
-            <a:off x="407625" y="685801"/>
-            <a:ext cx="8328750" cy="5181600"/>
-          </a:xfrm>
-          <a:prstGeom prst="rect">
-            <a:avLst/>
-          </a:prstGeom>
-        </p:spPr>
-      </p:pic>
-      <p:graphicFrame>
-        <p:nvGraphicFramePr>
-          <p:cNvPr id="3" name="Table 2"/>
-          <p:cNvGraphicFramePr>
-            <a:graphicFrameLocks noGrp="1"/>
-          </p:cNvGraphicFramePr>
-          <p:nvPr>
-            <p:extLst>
-              <p:ext uri="{D42A27DB-BD31-4B8C-83A1-F6EECF244321}">
-                <p14:modId xmlns:p14="http://schemas.microsoft.com/office/powerpoint/2010/main" val="1893701671"/>
-              </p:ext>
-            </p:extLst>
-          </p:nvPr>
-        </p:nvGraphicFramePr>
-        <p:xfrm>
-          <a:off x="3505200" y="5943600"/>
-          <a:ext cx="4953000" cy="370840"/>
-        </p:xfrm>
-        <a:graphic>
-          <a:graphicData uri="http://schemas.openxmlformats.org/drawingml/2006/table">
-            <a:tbl>
-              <a:tblPr firstRow="1" bandRow="1">
-                <a:tableStyleId>{5C22544A-7EE6-4342-B048-85BDC9FD1C3A}</a:tableStyleId>
-              </a:tblPr>
-              <a:tblGrid>
-                <a:gridCol w="2209800"/>
-                <a:gridCol w="1295400"/>
-                <a:gridCol w="1447800"/>
-              </a:tblGrid>
-              <a:tr h="370840">
-                <a:tc>
-                  <a:txBody>
-                    <a:bodyPr/>
-                    <a:lstStyle/>
-                    <a:p>
-                      <a:r>
-                        <a:rPr lang="en-US" dirty="0" smtClean="0"/>
-                        <a:t>   chlorides </a:t>
-                      </a:r>
-                      <a:endParaRPr lang="en-US" dirty="0"/>
-                    </a:p>
-                  </a:txBody>
-                  <a:tcPr>
-                    <a:lnL w="12700" cmpd="sng">
-                      <a:noFill/>
-                    </a:lnL>
-                    <a:lnR w="12700" cmpd="sng">
-                      <a:noFill/>
-                    </a:lnR>
-                    <a:lnT w="12700" cmpd="sng">
-                      <a:noFill/>
-                    </a:lnT>
-                    <a:lnB w="38100" cmpd="sng">
-                      <a:noFill/>
-                    </a:lnB>
-                    <a:lnTlToBr w="12700" cmpd="sng">
-                      <a:noFill/>
-                      <a:prstDash val="solid"/>
-                    </a:lnTlToBr>
-                    <a:lnBlToTr w="12700" cmpd="sng">
-                      <a:noFill/>
-                      <a:prstDash val="solid"/>
-                    </a:lnBlToTr>
-                  </a:tcPr>
-                </a:tc>
-                <a:tc>
-                  <a:txBody>
-                    <a:bodyPr/>
-                    <a:lstStyle/>
-                    <a:p>
-                      <a:r>
-                        <a:rPr lang="en-US" dirty="0" smtClean="0"/>
-                        <a:t>density</a:t>
-                      </a:r>
-                      <a:endParaRPr lang="en-US" dirty="0"/>
-                    </a:p>
-                  </a:txBody>
-                  <a:tcPr>
-                    <a:lnL w="12700" cmpd="sng">
-                      <a:noFill/>
-                    </a:lnL>
-                    <a:lnR w="12700" cmpd="sng">
-                      <a:noFill/>
-                    </a:lnR>
-                    <a:lnT w="12700" cmpd="sng">
-                      <a:noFill/>
-                    </a:lnT>
-                    <a:lnB w="38100" cmpd="sng">
-                      <a:noFill/>
-                    </a:lnB>
-                    <a:lnTlToBr w="12700" cmpd="sng">
-                      <a:noFill/>
-                      <a:prstDash val="solid"/>
-                    </a:lnTlToBr>
-                    <a:lnBlToTr w="12700" cmpd="sng">
-                      <a:noFill/>
-                      <a:prstDash val="solid"/>
-                    </a:lnBlToTr>
-                  </a:tcPr>
-                </a:tc>
-                <a:tc>
-                  <a:txBody>
-                    <a:bodyPr/>
-                    <a:lstStyle/>
-                    <a:p>
-                      <a:r>
-                        <a:rPr lang="en-US" dirty="0" smtClean="0"/>
-                        <a:t>          alcohol</a:t>
-                      </a:r>
-                      <a:endParaRPr lang="en-US" dirty="0"/>
-                    </a:p>
-                  </a:txBody>
-                  <a:tcPr>
-                    <a:lnL w="12700" cmpd="sng">
-                      <a:noFill/>
-                    </a:lnL>
-                    <a:lnR w="12700" cmpd="sng">
-                      <a:noFill/>
-                    </a:lnR>
-                    <a:lnT w="12700" cmpd="sng">
-                      <a:noFill/>
-                    </a:lnT>
-                    <a:lnB w="38100" cmpd="sng">
-                      <a:noFill/>
-                    </a:lnB>
-                    <a:lnTlToBr w="12700" cmpd="sng">
-                      <a:noFill/>
-                      <a:prstDash val="solid"/>
-                    </a:lnTlToBr>
-                    <a:lnBlToTr w="12700" cmpd="sng">
-                      <a:noFill/>
-                      <a:prstDash val="solid"/>
-                    </a:lnBlToTr>
-                  </a:tcPr>
-                </a:tc>
-              </a:tr>
-            </a:tbl>
-          </a:graphicData>
-        </a:graphic>
-      </p:graphicFrame>
-    </p:spTree>
-    <p:extLst>
-      <p:ext uri="{BB962C8B-B14F-4D97-AF65-F5344CB8AC3E}">
-        <p14:creationId xmlns:p14="http://schemas.microsoft.com/office/powerpoint/2010/main" val="1524291195"/>
-      </p:ext>
-    </p:extLst>
-  </p:cSld>
-  <p:clrMapOvr>
-    <a:masterClrMapping/>
-  </p:clrMapOvr>
-</p:sld>
-</file>
-
-<file path=ppt/slides/slide19.xml><?xml version="1.0" encoding="utf-8"?>
-<p:sld xmlns:a="http://schemas.openxmlformats.org/drawingml/2006/main" xmlns:r="http://schemas.openxmlformats.org/officeDocument/2006/relationships" xmlns:p="http://schemas.openxmlformats.org/presentationml/2006/main">
-  <p:cSld>
-    <p:spTree>
-      <p:nvGrpSpPr>
-        <p:cNvPr id="1" name=""/>
-        <p:cNvGrpSpPr/>
-        <p:nvPr/>
-      </p:nvGrpSpPr>
-      <p:grpSpPr>
-        <a:xfrm>
-          <a:off x="0" y="0"/>
-          <a:ext cx="0" cy="0"/>
-          <a:chOff x="0" y="0"/>
-          <a:chExt cx="0" cy="0"/>
-        </a:xfrm>
-      </p:grpSpPr>
-      <p:sp>
-        <p:nvSpPr>
-          <p:cNvPr id="2" name="Title 1"/>
-          <p:cNvSpPr>
-            <a:spLocks noGrp="1"/>
-          </p:cNvSpPr>
-          <p:nvPr>
-            <p:ph type="title"/>
-          </p:nvPr>
-        </p:nvSpPr>
-        <p:spPr>
-          <a:xfrm>
-            <a:off x="457200" y="274638"/>
-            <a:ext cx="8229600" cy="792162"/>
-          </a:xfrm>
-        </p:spPr>
-        <p:txBody>
-          <a:bodyPr/>
-          <a:lstStyle/>
-          <a:p>
-            <a:r>
-              <a:rPr lang="en-US" dirty="0" smtClean="0"/>
-              <a:t>Models</a:t>
-            </a:r>
-            <a:endParaRPr lang="en-US" dirty="0"/>
-          </a:p>
-        </p:txBody>
-      </p:sp>
-      <p:sp>
-        <p:nvSpPr>
-          <p:cNvPr id="3" name="Content Placeholder 2"/>
-          <p:cNvSpPr>
-            <a:spLocks noGrp="1"/>
-          </p:cNvSpPr>
-          <p:nvPr>
-            <p:ph idx="1"/>
-          </p:nvPr>
-        </p:nvSpPr>
-        <p:spPr>
-          <a:xfrm>
-            <a:off x="457200" y="1219200"/>
-            <a:ext cx="8229600" cy="5333999"/>
-          </a:xfrm>
-        </p:spPr>
-        <p:txBody>
-          <a:bodyPr>
-            <a:normAutofit/>
-          </a:bodyPr>
-          <a:lstStyle/>
-          <a:p>
-            <a:endParaRPr lang="en-US" sz="4000" dirty="0"/>
-          </a:p>
-        </p:txBody>
-      </p:sp>
-    </p:spTree>
-    <p:extLst>
-      <p:ext uri="{BB962C8B-B14F-4D97-AF65-F5344CB8AC3E}">
-        <p14:creationId xmlns:p14="http://schemas.microsoft.com/office/powerpoint/2010/main" val="3089473069"/>
-      </p:ext>
-    </p:extLst>
-  </p:cSld>
-  <p:clrMapOvr>
-    <a:masterClrMapping/>
-  </p:clrMapOvr>
-</p:sld>
-</file>
-
-<file path=ppt/slides/slide2.xml><?xml version="1.0" encoding="utf-8"?>
-<p:sld xmlns:a="http://schemas.openxmlformats.org/drawingml/2006/main" xmlns:r="http://schemas.openxmlformats.org/officeDocument/2006/relationships" xmlns:p="http://schemas.openxmlformats.org/presentationml/2006/main">
-  <p:cSld>
-    <p:spTree>
-      <p:nvGrpSpPr>
-        <p:cNvPr id="1" name=""/>
-        <p:cNvGrpSpPr/>
-        <p:nvPr/>
-      </p:nvGrpSpPr>
-      <p:grpSpPr>
-        <a:xfrm>
-          <a:off x="0" y="0"/>
-          <a:ext cx="0" cy="0"/>
-          <a:chOff x="0" y="0"/>
-          <a:chExt cx="0" cy="0"/>
-        </a:xfrm>
-      </p:grpSpPr>
-      <p:sp>
-        <p:nvSpPr>
-          <p:cNvPr id="2" name="Title 1"/>
-          <p:cNvSpPr>
-            <a:spLocks noGrp="1"/>
-          </p:cNvSpPr>
-          <p:nvPr>
-            <p:ph type="title"/>
-          </p:nvPr>
-        </p:nvSpPr>
-        <p:spPr/>
-        <p:txBody>
-          <a:bodyPr/>
-          <a:lstStyle/>
-          <a:p>
-            <a:r>
-              <a:rPr lang="en-US" dirty="0" smtClean="0"/>
-              <a:t>Overview</a:t>
-            </a:r>
-            <a:endParaRPr lang="en-US" dirty="0"/>
-          </a:p>
-        </p:txBody>
-      </p:sp>
-      <p:sp>
-        <p:nvSpPr>
-          <p:cNvPr id="3" name="Content Placeholder 2"/>
-          <p:cNvSpPr>
-            <a:spLocks noGrp="1"/>
-          </p:cNvSpPr>
-          <p:nvPr>
-            <p:ph idx="1"/>
-          </p:nvPr>
-        </p:nvSpPr>
-        <p:spPr>
-          <a:xfrm>
-            <a:off x="457200" y="2133600"/>
-            <a:ext cx="8458200" cy="3992563"/>
-          </a:xfrm>
-        </p:spPr>
-        <p:txBody>
-          <a:bodyPr>
-            <a:normAutofit fontScale="85000" lnSpcReduction="10000"/>
-          </a:bodyPr>
-          <a:lstStyle/>
-          <a:p>
-            <a:r>
-              <a:rPr lang="en-US" dirty="0"/>
-              <a:t>Many wine brands are seeking new ways to maximize the success of their wines. Before making any decisions, it might be helpful to know which features contribute to a wine's quality. Knowing these features can enable a brand to make more intelligent decisions when making it. But what exactly are these features? Using ML techniques with wine data retrieved from the following website, I plan to answer this question. https://</a:t>
-            </a:r>
-            <a:r>
-              <a:rPr lang="en-US" dirty="0" smtClean="0"/>
-              <a:t>archive.ics.uci.edu/ml/datasets/wine+quality</a:t>
-            </a:r>
-            <a:endParaRPr lang="en-US" dirty="0"/>
-          </a:p>
-        </p:txBody>
-      </p:sp>
-    </p:spTree>
-    <p:extLst>
-      <p:ext uri="{BB962C8B-B14F-4D97-AF65-F5344CB8AC3E}">
-        <p14:creationId xmlns:p14="http://schemas.microsoft.com/office/powerpoint/2010/main" val="1262477360"/>
-      </p:ext>
-    </p:extLst>
-  </p:cSld>
-  <p:clrMapOvr>
-    <a:masterClrMapping/>
-  </p:clrMapOvr>
-</p:sld>
-</file>
-
-<file path=ppt/slides/slide20.xml><?xml version="1.0" encoding="utf-8"?>
 <p:sld xmlns:a="http://schemas.openxmlformats.org/drawingml/2006/main" xmlns:r="http://schemas.openxmlformats.org/officeDocument/2006/relationships" xmlns:p="http://schemas.openxmlformats.org/presentationml/2006/main">
   <p:cSld>
     <p:spTree>
@@ -4481,7 +3889,7 @@
 </p:sld>
 </file>
 
-<file path=ppt/slides/slide21.xml><?xml version="1.0" encoding="utf-8"?>
+<file path=ppt/slides/slide13.xml><?xml version="1.0" encoding="utf-8"?>
 <p:sld xmlns:a="http://schemas.openxmlformats.org/drawingml/2006/main" xmlns:r="http://schemas.openxmlformats.org/officeDocument/2006/relationships" xmlns:p="http://schemas.openxmlformats.org/presentationml/2006/main">
   <p:cSld>
     <p:spTree>
@@ -4511,29 +3919,24 @@
         <p:spPr/>
         <p:txBody>
           <a:bodyPr>
-            <a:normAutofit/>
+            <a:normAutofit fontScale="90000"/>
           </a:bodyPr>
           <a:lstStyle/>
           <a:p>
             <a:r>
-              <a:rPr lang="en-US" dirty="0" err="1"/>
-              <a:t>G</a:t>
-            </a:r>
-            <a:r>
-              <a:rPr lang="en-US" dirty="0" err="1" smtClean="0"/>
-              <a:t>ridsearch</a:t>
+              <a:rPr lang="en-US" dirty="0"/>
+              <a:t>Feature </a:t>
             </a:r>
             <a:r>
               <a:rPr lang="en-US" dirty="0" smtClean="0"/>
-              <a:t> </a:t>
-            </a:r>
-            <a:r>
-              <a:rPr lang="en-US" dirty="0" err="1" smtClean="0"/>
-              <a:t>Hyperparameter</a:t>
-            </a:r>
-            <a:r>
+              <a:t>Importance</a:t>
+            </a:r>
+            <a:br>
               <a:rPr lang="en-US" dirty="0" smtClean="0"/>
-              <a:t> Tuning </a:t>
+            </a:br>
+            <a:r>
+              <a:rPr lang="en-US" dirty="0" smtClean="0"/>
+              <a:t>Red Wine</a:t>
             </a:r>
             <a:endParaRPr lang="en-US" dirty="0"/>
           </a:p>
@@ -4551,129 +3954,39 @@
         </p:nvSpPr>
         <p:spPr>
           <a:xfrm>
-            <a:off x="457200" y="1600200"/>
-            <a:ext cx="8305800" cy="1752599"/>
+            <a:off x="457200" y="2514600"/>
+            <a:ext cx="7848600" cy="3611563"/>
           </a:xfrm>
         </p:spPr>
         <p:txBody>
-          <a:bodyPr>
-            <a:normAutofit/>
-          </a:bodyPr>
-          <a:lstStyle/>
+          <a:bodyPr/>
+          <a:lstStyle/>
+          <a:p>
+            <a:endParaRPr lang="en-US" dirty="0" smtClean="0"/>
+          </a:p>
           <a:p>
             <a:r>
               <a:rPr lang="en-US" dirty="0" smtClean="0"/>
-              <a:t>Red:</a:t>
-            </a:r>
-          </a:p>
-          <a:p>
-            <a:r>
-              <a:rPr lang="en-US" sz="1900" dirty="0" err="1" smtClean="0"/>
-              <a:t>RandomForestClassifier</a:t>
-            </a:r>
-            <a:r>
-              <a:rPr lang="en-US" sz="1900" dirty="0" smtClean="0"/>
-              <a:t>(</a:t>
-            </a:r>
-            <a:r>
-              <a:rPr lang="en-US" sz="1900" dirty="0" err="1" smtClean="0"/>
-              <a:t>max_depth</a:t>
-            </a:r>
-            <a:r>
-              <a:rPr lang="en-US" sz="1900" dirty="0" smtClean="0"/>
-              <a:t>=4, </a:t>
-            </a:r>
-            <a:r>
-              <a:rPr lang="en-US" sz="1900" dirty="0" err="1" smtClean="0"/>
-              <a:t>min_samples_leaf</a:t>
-            </a:r>
-            <a:r>
-              <a:rPr lang="en-US" sz="1900" dirty="0" smtClean="0"/>
-              <a:t>=2, </a:t>
-            </a:r>
-            <a:r>
-              <a:rPr lang="en-US" sz="1900" dirty="0" err="1" smtClean="0"/>
-              <a:t>n_estimators</a:t>
-            </a:r>
-            <a:r>
-              <a:rPr lang="en-US" sz="1900" dirty="0" smtClean="0"/>
-              <a:t>=72)</a:t>
-            </a:r>
+              <a:t>Alcohol</a:t>
+            </a:r>
+          </a:p>
+          <a:p>
+            <a:endParaRPr lang="en-US" dirty="0" smtClean="0"/>
+          </a:p>
+          <a:p>
+            <a:r>
+              <a:rPr lang="en-US" dirty="0" err="1" smtClean="0"/>
+              <a:t>Sulphates</a:t>
+            </a:r>
+            <a:endParaRPr lang="en-US" dirty="0" smtClean="0"/>
+          </a:p>
+          <a:p>
+            <a:endParaRPr lang="en-US" dirty="0" smtClean="0"/>
           </a:p>
           <a:p>
             <a:r>
               <a:rPr lang="en-US" dirty="0" smtClean="0"/>
-              <a:t>0.83</a:t>
-            </a:r>
-            <a:endParaRPr lang="en-US" dirty="0"/>
-          </a:p>
-        </p:txBody>
-      </p:sp>
-      <p:sp>
-        <p:nvSpPr>
-          <p:cNvPr id="4" name="Content Placeholder 3"/>
-          <p:cNvSpPr>
-            <a:spLocks noGrp="1"/>
-          </p:cNvSpPr>
-          <p:nvPr>
-            <p:ph sz="half" idx="2"/>
-          </p:nvPr>
-        </p:nvSpPr>
-        <p:spPr>
-          <a:xfrm>
-            <a:off x="457200" y="4114800"/>
-            <a:ext cx="8305800" cy="1782763"/>
-          </a:xfrm>
-        </p:spPr>
-        <p:txBody>
-          <a:bodyPr>
-            <a:normAutofit/>
-          </a:bodyPr>
-          <a:lstStyle/>
-          <a:p>
-            <a:r>
-              <a:rPr lang="en-US" dirty="0" smtClean="0"/>
-              <a:t>White:</a:t>
-            </a:r>
-          </a:p>
-          <a:p>
-            <a:r>
-              <a:rPr lang="en-US" sz="1900" dirty="0" err="1" smtClean="0"/>
-              <a:t>RandomForestClassifier</a:t>
-            </a:r>
-            <a:r>
-              <a:rPr lang="en-US" sz="1900" dirty="0" smtClean="0"/>
-              <a:t>(</a:t>
-            </a:r>
-            <a:r>
-              <a:rPr lang="en-US" sz="1900" dirty="0" err="1" smtClean="0"/>
-              <a:t>max_depth</a:t>
-            </a:r>
-            <a:r>
-              <a:rPr lang="en-US" sz="1900" dirty="0" smtClean="0"/>
-              <a:t>=4, </a:t>
-            </a:r>
-            <a:r>
-              <a:rPr lang="en-US" sz="1900" dirty="0" err="1" smtClean="0"/>
-              <a:t>min_samples_leaf</a:t>
-            </a:r>
-            <a:r>
-              <a:rPr lang="en-US" sz="1900" dirty="0" smtClean="0"/>
-              <a:t>=2, </a:t>
-            </a:r>
-            <a:r>
-              <a:rPr lang="en-US" sz="1900" dirty="0" err="1" smtClean="0"/>
-              <a:t>n_estimators</a:t>
-            </a:r>
-            <a:r>
-              <a:rPr lang="en-US" sz="1900" dirty="0" smtClean="0"/>
-              <a:t>=72)</a:t>
-            </a:r>
-          </a:p>
-          <a:p>
-            <a:r>
-              <a:rPr lang="en-US" dirty="0" smtClean="0"/>
-              <a:t>0.83</a:t>
+              <a:t>Volatile Acidity</a:t>
             </a:r>
             <a:endParaRPr lang="en-US" dirty="0"/>
           </a:p>
@@ -4682,7 +3995,7 @@
     </p:spTree>
     <p:extLst>
       <p:ext uri="{BB962C8B-B14F-4D97-AF65-F5344CB8AC3E}">
-        <p14:creationId xmlns:p14="http://schemas.microsoft.com/office/powerpoint/2010/main" val="3774938781"/>
+        <p14:creationId xmlns:p14="http://schemas.microsoft.com/office/powerpoint/2010/main" val="3112083393"/>
       </p:ext>
     </p:extLst>
   </p:cSld>
@@ -4692,7 +4005,7 @@
 </p:sld>
 </file>
 
-<file path=ppt/slides/slide22.xml><?xml version="1.0" encoding="utf-8"?>
+<file path=ppt/slides/slide14.xml><?xml version="1.0" encoding="utf-8"?>
 <p:sld xmlns:a="http://schemas.openxmlformats.org/drawingml/2006/main" xmlns:r="http://schemas.openxmlformats.org/officeDocument/2006/relationships" xmlns:p="http://schemas.openxmlformats.org/presentationml/2006/main">
   <p:cSld>
     <p:spTree>
@@ -4722,23 +4035,26 @@
         <p:spPr/>
         <p:txBody>
           <a:bodyPr>
-            <a:noAutofit/>
+            <a:normAutofit fontScale="90000"/>
           </a:bodyPr>
           <a:lstStyle/>
           <a:p>
             <a:r>
-              <a:rPr lang="en-US" sz="2800" dirty="0" smtClean="0"/>
-              <a:t>scored the Random Forest model with the new </a:t>
-            </a:r>
-            <a:r>
-              <a:rPr lang="en-US" sz="2800" dirty="0" err="1" smtClean="0"/>
-              <a:t>hyperparameters</a:t>
-            </a:r>
-            <a:r>
-              <a:rPr lang="en-US" sz="2800" dirty="0" smtClean="0"/>
-              <a:t> and ran the ROC AUC scores and curve</a:t>
-            </a:r>
-            <a:endParaRPr lang="en-US" sz="2800" dirty="0"/>
+              <a:rPr lang="en-US" dirty="0"/>
+              <a:t>Feature </a:t>
+            </a:r>
+            <a:r>
+              <a:rPr lang="en-US" dirty="0" smtClean="0"/>
+              <a:t>Importance</a:t>
+            </a:r>
+            <a:br>
+              <a:rPr lang="en-US" dirty="0" smtClean="0"/>
+            </a:br>
+            <a:r>
+              <a:rPr lang="en-US" dirty="0" smtClean="0"/>
+              <a:t>White Wine</a:t>
+            </a:r>
+            <a:endParaRPr lang="en-US" dirty="0"/>
           </a:p>
         </p:txBody>
       </p:sp>
@@ -4749,7 +4065,86 @@
             <a:spLocks noGrp="1"/>
           </p:cNvSpPr>
           <p:nvPr>
-            <p:ph idx="1"/>
+            <p:ph sz="half" idx="1"/>
+          </p:nvPr>
+        </p:nvSpPr>
+        <p:spPr>
+          <a:xfrm>
+            <a:off x="457200" y="2514600"/>
+            <a:ext cx="7848600" cy="3611563"/>
+          </a:xfrm>
+        </p:spPr>
+        <p:txBody>
+          <a:bodyPr/>
+          <a:lstStyle/>
+          <a:p>
+            <a:endParaRPr lang="en-US" dirty="0" smtClean="0"/>
+          </a:p>
+          <a:p>
+            <a:r>
+              <a:rPr lang="en-US" dirty="0" smtClean="0"/>
+              <a:t>Alcohol</a:t>
+            </a:r>
+          </a:p>
+          <a:p>
+            <a:endParaRPr lang="en-US" dirty="0" smtClean="0"/>
+          </a:p>
+          <a:p>
+            <a:r>
+              <a:rPr lang="en-US" dirty="0" smtClean="0"/>
+              <a:t>Volatile Acidity</a:t>
+            </a:r>
+          </a:p>
+          <a:p>
+            <a:endParaRPr lang="en-US" dirty="0"/>
+          </a:p>
+          <a:p>
+            <a:r>
+              <a:rPr lang="en-US" dirty="0" smtClean="0"/>
+              <a:t>Residual Sugar</a:t>
+            </a:r>
+            <a:endParaRPr lang="en-US" dirty="0"/>
+          </a:p>
+        </p:txBody>
+      </p:sp>
+    </p:spTree>
+    <p:extLst>
+      <p:ext uri="{BB962C8B-B14F-4D97-AF65-F5344CB8AC3E}">
+        <p14:creationId xmlns:p14="http://schemas.microsoft.com/office/powerpoint/2010/main" val="3897041146"/>
+      </p:ext>
+    </p:extLst>
+  </p:cSld>
+  <p:clrMapOvr>
+    <a:masterClrMapping/>
+  </p:clrMapOvr>
+</p:sld>
+</file>
+
+<file path=ppt/slides/slide15.xml><?xml version="1.0" encoding="utf-8"?>
+<p:sld xmlns:a="http://schemas.openxmlformats.org/drawingml/2006/main" xmlns:r="http://schemas.openxmlformats.org/officeDocument/2006/relationships" xmlns:p="http://schemas.openxmlformats.org/presentationml/2006/main">
+  <p:cSld>
+    <p:spTree>
+      <p:nvGrpSpPr>
+        <p:cNvPr id="1" name=""/>
+        <p:cNvGrpSpPr/>
+        <p:nvPr/>
+      </p:nvGrpSpPr>
+      <p:grpSpPr>
+        <a:xfrm>
+          <a:off x="0" y="0"/>
+          <a:ext cx="0" cy="0"/>
+          <a:chOff x="0" y="0"/>
+          <a:chExt cx="0" cy="0"/>
+        </a:xfrm>
+      </p:grpSpPr>
+      <p:sp>
+        <p:nvSpPr>
+          <p:cNvPr id="2" name="Title 1"/>
+          <p:cNvSpPr>
+            <a:spLocks noGrp="1"/>
+          </p:cNvSpPr>
+          <p:nvPr>
+            <p:ph type="title"/>
           </p:nvPr>
         </p:nvSpPr>
         <p:spPr/>
@@ -4759,6 +4154,258 @@
           </a:bodyPr>
           <a:lstStyle/>
           <a:p>
+            <a:r>
+              <a:rPr lang="en-US" dirty="0" err="1"/>
+              <a:t>G</a:t>
+            </a:r>
+            <a:r>
+              <a:rPr lang="en-US" dirty="0" err="1" smtClean="0"/>
+              <a:t>ridsearch</a:t>
+            </a:r>
+            <a:r>
+              <a:rPr lang="en-US" dirty="0" smtClean="0"/>
+              <a:t> </a:t>
+            </a:r>
+            <a:r>
+              <a:rPr lang="en-US" dirty="0" err="1" smtClean="0"/>
+              <a:t>Hyperparameter</a:t>
+            </a:r>
+            <a:r>
+              <a:rPr lang="en-US" dirty="0" smtClean="0"/>
+              <a:t> Tuning </a:t>
+            </a:r>
+            <a:endParaRPr lang="en-US" dirty="0"/>
+          </a:p>
+        </p:txBody>
+      </p:sp>
+      <p:sp>
+        <p:nvSpPr>
+          <p:cNvPr id="3" name="Content Placeholder 2"/>
+          <p:cNvSpPr>
+            <a:spLocks noGrp="1"/>
+          </p:cNvSpPr>
+          <p:nvPr>
+            <p:ph sz="half" idx="1"/>
+          </p:nvPr>
+        </p:nvSpPr>
+        <p:spPr>
+          <a:xfrm>
+            <a:off x="457200" y="1600200"/>
+            <a:ext cx="8305800" cy="1752599"/>
+          </a:xfrm>
+        </p:spPr>
+        <p:txBody>
+          <a:bodyPr>
+            <a:normAutofit/>
+          </a:bodyPr>
+          <a:lstStyle/>
+          <a:p>
+            <a:r>
+              <a:rPr lang="en-US" dirty="0" smtClean="0"/>
+              <a:t>Red:</a:t>
+            </a:r>
+          </a:p>
+          <a:p>
+            <a:r>
+              <a:rPr lang="en-US" sz="1900" dirty="0" err="1" smtClean="0"/>
+              <a:t>RandomForestClassifier</a:t>
+            </a:r>
+            <a:r>
+              <a:rPr lang="en-US" sz="1900" dirty="0" smtClean="0"/>
+              <a:t>(</a:t>
+            </a:r>
+            <a:r>
+              <a:rPr lang="en-US" sz="1900" dirty="0" err="1" smtClean="0"/>
+              <a:t>max_depth</a:t>
+            </a:r>
+            <a:r>
+              <a:rPr lang="en-US" sz="1900" dirty="0" smtClean="0"/>
+              <a:t>=4, </a:t>
+            </a:r>
+            <a:r>
+              <a:rPr lang="en-US" sz="1900" dirty="0" err="1" smtClean="0"/>
+              <a:t>min_samples_leaf</a:t>
+            </a:r>
+            <a:r>
+              <a:rPr lang="en-US" sz="1900" dirty="0" smtClean="0"/>
+              <a:t>=2, </a:t>
+            </a:r>
+            <a:r>
+              <a:rPr lang="en-US" sz="1900" dirty="0" err="1" smtClean="0"/>
+              <a:t>n_estimators</a:t>
+            </a:r>
+            <a:r>
+              <a:rPr lang="en-US" sz="1900" dirty="0" smtClean="0"/>
+              <a:t>=72)</a:t>
+            </a:r>
+          </a:p>
+          <a:p>
+            <a:r>
+              <a:rPr lang="en-US" dirty="0" smtClean="0"/>
+              <a:t>0.83</a:t>
+            </a:r>
+            <a:endParaRPr lang="en-US" dirty="0"/>
+          </a:p>
+        </p:txBody>
+      </p:sp>
+      <p:sp>
+        <p:nvSpPr>
+          <p:cNvPr id="4" name="Content Placeholder 3"/>
+          <p:cNvSpPr>
+            <a:spLocks noGrp="1"/>
+          </p:cNvSpPr>
+          <p:nvPr>
+            <p:ph sz="half" idx="2"/>
+          </p:nvPr>
+        </p:nvSpPr>
+        <p:spPr>
+          <a:xfrm>
+            <a:off x="457200" y="4114800"/>
+            <a:ext cx="8305800" cy="1782763"/>
+          </a:xfrm>
+        </p:spPr>
+        <p:txBody>
+          <a:bodyPr>
+            <a:normAutofit/>
+          </a:bodyPr>
+          <a:lstStyle/>
+          <a:p>
+            <a:r>
+              <a:rPr lang="en-US" dirty="0" smtClean="0"/>
+              <a:t>White:</a:t>
+            </a:r>
+          </a:p>
+          <a:p>
+            <a:r>
+              <a:rPr lang="en-US" sz="1900" dirty="0" err="1" smtClean="0"/>
+              <a:t>RandomForestClassifier</a:t>
+            </a:r>
+            <a:r>
+              <a:rPr lang="en-US" sz="1900" dirty="0" smtClean="0"/>
+              <a:t>(</a:t>
+            </a:r>
+            <a:r>
+              <a:rPr lang="en-US" sz="1900" dirty="0" err="1" smtClean="0"/>
+              <a:t>max_depth</a:t>
+            </a:r>
+            <a:r>
+              <a:rPr lang="en-US" sz="1900" dirty="0" smtClean="0"/>
+              <a:t>=4, </a:t>
+            </a:r>
+            <a:r>
+              <a:rPr lang="en-US" sz="1900" dirty="0" err="1" smtClean="0"/>
+              <a:t>min_samples_leaf</a:t>
+            </a:r>
+            <a:r>
+              <a:rPr lang="en-US" sz="1900" dirty="0" smtClean="0"/>
+              <a:t>=2, </a:t>
+            </a:r>
+            <a:r>
+              <a:rPr lang="en-US" sz="1900" dirty="0" err="1" smtClean="0"/>
+              <a:t>n_estimators</a:t>
+            </a:r>
+            <a:r>
+              <a:rPr lang="en-US" sz="1900" dirty="0" smtClean="0"/>
+              <a:t>=72)</a:t>
+            </a:r>
+          </a:p>
+          <a:p>
+            <a:r>
+              <a:rPr lang="en-US" dirty="0" smtClean="0"/>
+              <a:t>0.83</a:t>
+            </a:r>
+            <a:endParaRPr lang="en-US" dirty="0"/>
+          </a:p>
+        </p:txBody>
+      </p:sp>
+    </p:spTree>
+    <p:extLst>
+      <p:ext uri="{BB962C8B-B14F-4D97-AF65-F5344CB8AC3E}">
+        <p14:creationId xmlns:p14="http://schemas.microsoft.com/office/powerpoint/2010/main" val="3774938781"/>
+      </p:ext>
+    </p:extLst>
+  </p:cSld>
+  <p:clrMapOvr>
+    <a:masterClrMapping/>
+  </p:clrMapOvr>
+</p:sld>
+</file>
+
+<file path=ppt/slides/slide16.xml><?xml version="1.0" encoding="utf-8"?>
+<p:sld xmlns:a="http://schemas.openxmlformats.org/drawingml/2006/main" xmlns:r="http://schemas.openxmlformats.org/officeDocument/2006/relationships" xmlns:p="http://schemas.openxmlformats.org/presentationml/2006/main">
+  <p:cSld>
+    <p:spTree>
+      <p:nvGrpSpPr>
+        <p:cNvPr id="1" name=""/>
+        <p:cNvGrpSpPr/>
+        <p:nvPr/>
+      </p:nvGrpSpPr>
+      <p:grpSpPr>
+        <a:xfrm>
+          <a:off x="0" y="0"/>
+          <a:ext cx="0" cy="0"/>
+          <a:chOff x="0" y="0"/>
+          <a:chExt cx="0" cy="0"/>
+        </a:xfrm>
+      </p:grpSpPr>
+      <p:sp>
+        <p:nvSpPr>
+          <p:cNvPr id="2" name="Title 1"/>
+          <p:cNvSpPr>
+            <a:spLocks noGrp="1"/>
+          </p:cNvSpPr>
+          <p:nvPr>
+            <p:ph type="title"/>
+          </p:nvPr>
+        </p:nvSpPr>
+        <p:spPr/>
+        <p:txBody>
+          <a:bodyPr>
+            <a:noAutofit/>
+          </a:bodyPr>
+          <a:lstStyle/>
+          <a:p>
+            <a:r>
+              <a:rPr lang="en-US" sz="2800" dirty="0"/>
+              <a:t>S</a:t>
+            </a:r>
+            <a:r>
+              <a:rPr lang="en-US" sz="2800" dirty="0" smtClean="0"/>
+              <a:t>cored </a:t>
+            </a:r>
+            <a:r>
+              <a:rPr lang="en-US" sz="2800" dirty="0" smtClean="0"/>
+              <a:t>the Random Forest model with the new </a:t>
+            </a:r>
+            <a:r>
+              <a:rPr lang="en-US" sz="2800" dirty="0" err="1" smtClean="0"/>
+              <a:t>hyperparameters</a:t>
+            </a:r>
+            <a:r>
+              <a:rPr lang="en-US" sz="2800" dirty="0" smtClean="0"/>
+              <a:t> and ran the ROC AUC scores and curve</a:t>
+            </a:r>
+            <a:endParaRPr lang="en-US" sz="2800" dirty="0"/>
+          </a:p>
+        </p:txBody>
+      </p:sp>
+      <p:sp>
+        <p:nvSpPr>
+          <p:cNvPr id="3" name="Content Placeholder 2"/>
+          <p:cNvSpPr>
+            <a:spLocks noGrp="1"/>
+          </p:cNvSpPr>
+          <p:nvPr>
+            <p:ph idx="1"/>
+          </p:nvPr>
+        </p:nvSpPr>
+        <p:spPr/>
+        <p:txBody>
+          <a:bodyPr>
+            <a:normAutofit/>
+          </a:bodyPr>
+          <a:lstStyle/>
+          <a:p>
             <a:endParaRPr lang="en-US" dirty="0" smtClean="0"/>
           </a:p>
           <a:p>
@@ -4791,11 +4438,7 @@
           <a:p>
             <a:r>
               <a:rPr lang="en-US" dirty="0" smtClean="0"/>
-              <a:t>Red </a:t>
-            </a:r>
-            <a:r>
-              <a:rPr lang="en-US" dirty="0" smtClean="0"/>
-              <a:t>ROC-AUC </a:t>
+              <a:t>Red ROC-AUC </a:t>
             </a:r>
             <a:r>
               <a:rPr lang="en-US" dirty="0"/>
@@ -4836,7 +4479,7 @@
 </p:sld>
 </file>
 
-<file path=ppt/slides/slide23.xml><?xml version="1.0" encoding="utf-8"?>
+<file path=ppt/slides/slide17.xml><?xml version="1.0" encoding="utf-8"?>
 <p:sld xmlns:a="http://schemas.openxmlformats.org/drawingml/2006/main" xmlns:r="http://schemas.openxmlformats.org/officeDocument/2006/relationships" xmlns:p="http://schemas.openxmlformats.org/presentationml/2006/main">
   <p:cSld>
     <p:spTree>
@@ -5043,6 +4686,183 @@
     <p:extLst>
       <p:ext uri="{BB962C8B-B14F-4D97-AF65-F5344CB8AC3E}">
         <p14:creationId xmlns:p14="http://schemas.microsoft.com/office/powerpoint/2010/main" val="1718119295"/>
+      </p:ext>
+    </p:extLst>
+  </p:cSld>
+  <p:clrMapOvr>
+    <a:masterClrMapping/>
+  </p:clrMapOvr>
+</p:sld>
+</file>
+
+<file path=ppt/slides/slide18.xml><?xml version="1.0" encoding="utf-8"?>
+<p:sld xmlns:a="http://schemas.openxmlformats.org/drawingml/2006/main" xmlns:r="http://schemas.openxmlformats.org/officeDocument/2006/relationships" xmlns:p="http://schemas.openxmlformats.org/presentationml/2006/main">
+  <p:cSld>
+    <p:spTree>
+      <p:nvGrpSpPr>
+        <p:cNvPr id="1" name=""/>
+        <p:cNvGrpSpPr/>
+        <p:nvPr/>
+      </p:nvGrpSpPr>
+      <p:grpSpPr>
+        <a:xfrm>
+          <a:off x="0" y="0"/>
+          <a:ext cx="0" cy="0"/>
+          <a:chOff x="0" y="0"/>
+          <a:chExt cx="0" cy="0"/>
+        </a:xfrm>
+      </p:grpSpPr>
+      <p:pic>
+        <p:nvPicPr>
+          <p:cNvPr id="3" name="Picture 2"/>
+          <p:cNvPicPr>
+            <a:picLocks noChangeAspect="1"/>
+          </p:cNvPicPr>
+          <p:nvPr/>
+        </p:nvPicPr>
+        <p:blipFill>
+          <a:blip r:embed="rId2">
+            <a:extLst>
+              <a:ext uri="{28A0092B-C50C-407E-A947-70E740481C1C}">
+                <a14:useLocalDpi xmlns:a14="http://schemas.microsoft.com/office/drawing/2010/main" val="0"/>
+              </a:ext>
+            </a:extLst>
+          </a:blip>
+          <a:stretch>
+            <a:fillRect/>
+          </a:stretch>
+        </p:blipFill>
+        <p:spPr>
+          <a:xfrm>
+            <a:off x="152400" y="990600"/>
+            <a:ext cx="7620000" cy="5095875"/>
+          </a:xfrm>
+          <a:prstGeom prst="rect">
+            <a:avLst/>
+          </a:prstGeom>
+        </p:spPr>
+      </p:pic>
+      <p:sp>
+        <p:nvSpPr>
+          <p:cNvPr id="5" name="TextBox 4"/>
+          <p:cNvSpPr txBox="1"/>
+          <p:nvPr/>
+        </p:nvSpPr>
+        <p:spPr>
+          <a:xfrm>
+            <a:off x="609600" y="381000"/>
+            <a:ext cx="6248400" cy="369332"/>
+          </a:xfrm>
+          <a:prstGeom prst="rect">
+            <a:avLst/>
+          </a:prstGeom>
+          <a:noFill/>
+        </p:spPr>
+        <p:txBody>
+          <a:bodyPr wrap="square" rtlCol="0">
+            <a:spAutoFit/>
+          </a:bodyPr>
+          <a:lstStyle/>
+          <a:p>
+            <a:r>
+              <a:rPr lang="en-US" dirty="0" smtClean="0"/>
+              <a:t>Classification Reports</a:t>
+            </a:r>
+            <a:endParaRPr lang="en-US" dirty="0"/>
+          </a:p>
+        </p:txBody>
+      </p:sp>
+    </p:spTree>
+    <p:extLst>
+      <p:ext uri="{BB962C8B-B14F-4D97-AF65-F5344CB8AC3E}">
+        <p14:creationId xmlns:p14="http://schemas.microsoft.com/office/powerpoint/2010/main" val="4000516105"/>
+      </p:ext>
+    </p:extLst>
+  </p:cSld>
+  <p:clrMapOvr>
+    <a:masterClrMapping/>
+  </p:clrMapOvr>
+</p:sld>
+</file>
+
+<file path=ppt/slides/slide2.xml><?xml version="1.0" encoding="utf-8"?>
+<p:sld xmlns:a="http://schemas.openxmlformats.org/drawingml/2006/main" xmlns:r="http://schemas.openxmlformats.org/officeDocument/2006/relationships" xmlns:p="http://schemas.openxmlformats.org/presentationml/2006/main">
+  <p:cSld>
+    <p:spTree>
+      <p:nvGrpSpPr>
+        <p:cNvPr id="1" name=""/>
+        <p:cNvGrpSpPr/>
+        <p:nvPr/>
+      </p:nvGrpSpPr>
+      <p:grpSpPr>
+        <a:xfrm>
+          <a:off x="0" y="0"/>
+          <a:ext cx="0" cy="0"/>
+          <a:chOff x="0" y="0"/>
+          <a:chExt cx="0" cy="0"/>
+        </a:xfrm>
+      </p:grpSpPr>
+      <p:sp>
+        <p:nvSpPr>
+          <p:cNvPr id="2" name="Title 1"/>
+          <p:cNvSpPr>
+            <a:spLocks noGrp="1"/>
+          </p:cNvSpPr>
+          <p:nvPr>
+            <p:ph type="title"/>
+          </p:nvPr>
+        </p:nvSpPr>
+        <p:spPr/>
+        <p:txBody>
+          <a:bodyPr/>
+          <a:lstStyle/>
+          <a:p>
+            <a:r>
+              <a:rPr lang="en-US" dirty="0" smtClean="0"/>
+              <a:t>Overview</a:t>
+            </a:r>
+            <a:endParaRPr lang="en-US" dirty="0"/>
+          </a:p>
+        </p:txBody>
+      </p:sp>
+      <p:sp>
+        <p:nvSpPr>
+          <p:cNvPr id="3" name="Content Placeholder 2"/>
+          <p:cNvSpPr>
+            <a:spLocks noGrp="1"/>
+          </p:cNvSpPr>
+          <p:nvPr>
+            <p:ph idx="1"/>
+          </p:nvPr>
+        </p:nvSpPr>
+        <p:spPr>
+          <a:xfrm>
+            <a:off x="457200" y="2133600"/>
+            <a:ext cx="8458200" cy="3992563"/>
+          </a:xfrm>
+        </p:spPr>
+        <p:txBody>
+          <a:bodyPr>
+            <a:normAutofit fontScale="85000" lnSpcReduction="10000"/>
+          </a:bodyPr>
+          <a:lstStyle/>
+          <a:p>
+            <a:r>
+              <a:rPr lang="en-US" dirty="0"/>
+              <a:t>Many wine brands are seeking new ways to maximize the success of their wines. Before making any decisions, it might be helpful to know which features contribute to a wine's quality. Knowing these features can enable a brand to make more intelligent decisions when making it. But what exactly are these features? Using ML techniques with wine data retrieved from the following website, I plan to answer this question. https://</a:t>
+            </a:r>
+            <a:r>
+              <a:rPr lang="en-US" dirty="0" smtClean="0"/>
+              <a:t>archive.ics.uci.edu/ml/datasets/wine+quality</a:t>
+            </a:r>
+            <a:endParaRPr lang="en-US" dirty="0"/>
+          </a:p>
+        </p:txBody>
+      </p:sp>
+    </p:spTree>
+    <p:extLst>
+      <p:ext uri="{BB962C8B-B14F-4D97-AF65-F5344CB8AC3E}">
+        <p14:creationId xmlns:p14="http://schemas.microsoft.com/office/powerpoint/2010/main" val="1262477360"/>
       </p:ext>
     </p:extLst>
   </p:cSld>
@@ -5383,93 +5203,6 @@
           <a:chExt cx="0" cy="0"/>
         </a:xfrm>
       </p:grpSpPr>
-      <p:sp>
-        <p:nvSpPr>
-          <p:cNvPr id="2" name="Title 1"/>
-          <p:cNvSpPr>
-            <a:spLocks noGrp="1"/>
-          </p:cNvSpPr>
-          <p:nvPr>
-            <p:ph type="title"/>
-          </p:nvPr>
-        </p:nvSpPr>
-        <p:spPr/>
-        <p:txBody>
-          <a:bodyPr>
-            <a:normAutofit/>
-          </a:bodyPr>
-          <a:lstStyle/>
-          <a:p>
-            <a:r>
-              <a:rPr lang="en-US" sz="2800" dirty="0" smtClean="0"/>
-              <a:t>Output variable ‘quality’ </a:t>
-            </a:r>
-            <a:r>
-              <a:rPr lang="en-US" sz="2800" dirty="0"/>
-              <a:t>vs each of the other features </a:t>
-            </a:r>
-          </a:p>
-        </p:txBody>
-      </p:sp>
-      <p:pic>
-        <p:nvPicPr>
-          <p:cNvPr id="4" name="Content Placeholder 3"/>
-          <p:cNvPicPr>
-            <a:picLocks noGrp="1" noChangeAspect="1"/>
-          </p:cNvPicPr>
-          <p:nvPr>
-            <p:ph idx="1"/>
-          </p:nvPr>
-        </p:nvPicPr>
-        <p:blipFill>
-          <a:blip r:embed="rId2">
-            <a:extLst>
-              <a:ext uri="{28A0092B-C50C-407E-A947-70E740481C1C}">
-                <a14:useLocalDpi xmlns:a14="http://schemas.microsoft.com/office/drawing/2010/main" val="0"/>
-              </a:ext>
-            </a:extLst>
-          </a:blip>
-          <a:stretch>
-            <a:fillRect/>
-          </a:stretch>
-        </p:blipFill>
-        <p:spPr>
-          <a:xfrm>
-            <a:off x="457200" y="1093252"/>
-            <a:ext cx="8153399" cy="5592120"/>
-          </a:xfrm>
-        </p:spPr>
-      </p:pic>
-    </p:spTree>
-    <p:extLst>
-      <p:ext uri="{BB962C8B-B14F-4D97-AF65-F5344CB8AC3E}">
-        <p14:creationId xmlns:p14="http://schemas.microsoft.com/office/powerpoint/2010/main" val="3882072022"/>
-      </p:ext>
-    </p:extLst>
-  </p:cSld>
-  <p:clrMapOvr>
-    <a:masterClrMapping/>
-  </p:clrMapOvr>
-</p:sld>
-</file>
-
-<file path=ppt/slides/slide6.xml><?xml version="1.0" encoding="utf-8"?>
-<p:sld xmlns:a="http://schemas.openxmlformats.org/drawingml/2006/main" xmlns:r="http://schemas.openxmlformats.org/officeDocument/2006/relationships" xmlns:p="http://schemas.openxmlformats.org/presentationml/2006/main">
-  <p:cSld>
-    <p:spTree>
-      <p:nvGrpSpPr>
-        <p:cNvPr id="1" name=""/>
-        <p:cNvGrpSpPr/>
-        <p:nvPr/>
-      </p:nvGrpSpPr>
-      <p:grpSpPr>
-        <a:xfrm>
-          <a:off x="0" y="0"/>
-          <a:ext cx="0" cy="0"/>
-          <a:chOff x="0" y="0"/>
-          <a:chExt cx="0" cy="0"/>
-        </a:xfrm>
-      </p:grpSpPr>
       <p:pic>
         <p:nvPicPr>
           <p:cNvPr id="4" name="Content Placeholder 3"/>
@@ -5512,67 +5245,7 @@
 </p:sld>
 </file>
 
-<file path=ppt/slides/slide7.xml><?xml version="1.0" encoding="utf-8"?>
-<p:sld xmlns:a="http://schemas.openxmlformats.org/drawingml/2006/main" xmlns:r="http://schemas.openxmlformats.org/officeDocument/2006/relationships" xmlns:p="http://schemas.openxmlformats.org/presentationml/2006/main">
-  <p:cSld>
-    <p:spTree>
-      <p:nvGrpSpPr>
-        <p:cNvPr id="1" name=""/>
-        <p:cNvGrpSpPr/>
-        <p:nvPr/>
-      </p:nvGrpSpPr>
-      <p:grpSpPr>
-        <a:xfrm>
-          <a:off x="0" y="0"/>
-          <a:ext cx="0" cy="0"/>
-          <a:chOff x="0" y="0"/>
-          <a:chExt cx="0" cy="0"/>
-        </a:xfrm>
-      </p:grpSpPr>
-      <p:pic>
-        <p:nvPicPr>
-          <p:cNvPr id="2" name="Picture 1"/>
-          <p:cNvPicPr>
-            <a:picLocks noChangeAspect="1"/>
-          </p:cNvPicPr>
-          <p:nvPr/>
-        </p:nvPicPr>
-        <p:blipFill>
-          <a:blip r:embed="rId2">
-            <a:extLst>
-              <a:ext uri="{28A0092B-C50C-407E-A947-70E740481C1C}">
-                <a14:useLocalDpi xmlns:a14="http://schemas.microsoft.com/office/drawing/2010/main" val="0"/>
-              </a:ext>
-            </a:extLst>
-          </a:blip>
-          <a:stretch>
-            <a:fillRect/>
-          </a:stretch>
-        </p:blipFill>
-        <p:spPr>
-          <a:xfrm>
-            <a:off x="353660" y="533400"/>
-            <a:ext cx="8550687" cy="5715000"/>
-          </a:xfrm>
-          <a:prstGeom prst="rect">
-            <a:avLst/>
-          </a:prstGeom>
-        </p:spPr>
-      </p:pic>
-    </p:spTree>
-    <p:extLst>
-      <p:ext uri="{BB962C8B-B14F-4D97-AF65-F5344CB8AC3E}">
-        <p14:creationId xmlns:p14="http://schemas.microsoft.com/office/powerpoint/2010/main" val="3657528070"/>
-      </p:ext>
-    </p:extLst>
-  </p:cSld>
-  <p:clrMapOvr>
-    <a:masterClrMapping/>
-  </p:clrMapOvr>
-</p:sld>
-</file>
-
-<file path=ppt/slides/slide8.xml><?xml version="1.0" encoding="utf-8"?>
+<file path=ppt/slides/slide6.xml><?xml version="1.0" encoding="utf-8"?>
 <p:sld xmlns:a="http://schemas.openxmlformats.org/drawingml/2006/main" xmlns:r="http://schemas.openxmlformats.org/officeDocument/2006/relationships" xmlns:p="http://schemas.openxmlformats.org/presentationml/2006/main">
   <p:cSld>
     <p:spTree>
@@ -5632,7 +5305,7 @@
 </p:sld>
 </file>
 
-<file path=ppt/slides/slide9.xml><?xml version="1.0" encoding="utf-8"?>
+<file path=ppt/slides/slide7.xml><?xml version="1.0" encoding="utf-8"?>
 <p:sld xmlns:a="http://schemas.openxmlformats.org/drawingml/2006/main" xmlns:r="http://schemas.openxmlformats.org/officeDocument/2006/relationships" xmlns:p="http://schemas.openxmlformats.org/presentationml/2006/main">
   <p:cSld>
     <p:spTree>
@@ -5671,8 +5344,8 @@
         </p:blipFill>
         <p:spPr>
           <a:xfrm>
-            <a:off x="304800" y="838200"/>
-            <a:ext cx="8511785" cy="5777429"/>
+            <a:off x="127969" y="457200"/>
+            <a:ext cx="8776962" cy="6019800"/>
           </a:xfrm>
           <a:prstGeom prst="rect">
             <a:avLst/>
@@ -5682,7 +5355,230 @@
     </p:spTree>
     <p:extLst>
       <p:ext uri="{BB962C8B-B14F-4D97-AF65-F5344CB8AC3E}">
-        <p14:creationId xmlns:p14="http://schemas.microsoft.com/office/powerpoint/2010/main" val="140910305"/>
+        <p14:creationId xmlns:p14="http://schemas.microsoft.com/office/powerpoint/2010/main" val="2745622519"/>
+      </p:ext>
+    </p:extLst>
+  </p:cSld>
+  <p:clrMapOvr>
+    <a:masterClrMapping/>
+  </p:clrMapOvr>
+</p:sld>
+</file>
+
+<file path=ppt/slides/slide8.xml><?xml version="1.0" encoding="utf-8"?>
+<p:sld xmlns:a="http://schemas.openxmlformats.org/drawingml/2006/main" xmlns:r="http://schemas.openxmlformats.org/officeDocument/2006/relationships" xmlns:p="http://schemas.openxmlformats.org/presentationml/2006/main">
+  <p:cSld>
+    <p:spTree>
+      <p:nvGrpSpPr>
+        <p:cNvPr id="1" name=""/>
+        <p:cNvGrpSpPr/>
+        <p:nvPr/>
+      </p:nvGrpSpPr>
+      <p:grpSpPr>
+        <a:xfrm>
+          <a:off x="0" y="0"/>
+          <a:ext cx="0" cy="0"/>
+          <a:chOff x="0" y="0"/>
+          <a:chExt cx="0" cy="0"/>
+        </a:xfrm>
+      </p:grpSpPr>
+      <p:sp>
+        <p:nvSpPr>
+          <p:cNvPr id="2" name="Title 1"/>
+          <p:cNvSpPr>
+            <a:spLocks noGrp="1"/>
+          </p:cNvSpPr>
+          <p:nvPr>
+            <p:ph type="title"/>
+          </p:nvPr>
+        </p:nvSpPr>
+        <p:spPr/>
+        <p:txBody>
+          <a:bodyPr>
+            <a:normAutofit fontScale="90000"/>
+          </a:bodyPr>
+          <a:lstStyle/>
+          <a:p>
+            <a:r>
+              <a:rPr lang="en-US" sz="2400" dirty="0" smtClean="0"/>
+              <a:t>The Correlation </a:t>
+            </a:r>
+            <a:r>
+              <a:rPr lang="en-US" sz="2400" dirty="0" err="1" smtClean="0"/>
+              <a:t>Heatmap</a:t>
+            </a:r>
+            <a:r>
+              <a:rPr lang="en-US" sz="2400" dirty="0"/>
+              <a:t/>
+            </a:r>
+            <a:br>
+              <a:rPr lang="en-US" sz="2400" dirty="0"/>
+            </a:br>
+            <a:r>
+              <a:rPr lang="en-US" sz="2400" dirty="0" smtClean="0"/>
+              <a:t>alcohol and density have a fairly high negative correlation </a:t>
+            </a:r>
+            <a:br>
+              <a:rPr lang="en-US" sz="2400" dirty="0" smtClean="0"/>
+            </a:br>
+            <a:r>
+              <a:rPr lang="en-US" sz="2400" dirty="0" smtClean="0"/>
+              <a:t>free &amp; total sulfur dioxide have a fairly high positive correlation</a:t>
+            </a:r>
+            <a:endParaRPr lang="en-US" sz="2400" dirty="0"/>
+          </a:p>
+        </p:txBody>
+      </p:sp>
+      <p:pic>
+        <p:nvPicPr>
+          <p:cNvPr id="4" name="Content Placeholder 3"/>
+          <p:cNvPicPr>
+            <a:picLocks noGrp="1" noChangeAspect="1"/>
+          </p:cNvPicPr>
+          <p:nvPr>
+            <p:ph idx="1"/>
+          </p:nvPr>
+        </p:nvPicPr>
+        <p:blipFill>
+          <a:blip r:embed="rId2">
+            <a:extLst>
+              <a:ext uri="{28A0092B-C50C-407E-A947-70E740481C1C}">
+                <a14:useLocalDpi xmlns:a14="http://schemas.microsoft.com/office/drawing/2010/main" val="0"/>
+              </a:ext>
+            </a:extLst>
+          </a:blip>
+          <a:stretch>
+            <a:fillRect/>
+          </a:stretch>
+        </p:blipFill>
+        <p:spPr>
+          <a:xfrm>
+            <a:off x="1828801" y="1386527"/>
+            <a:ext cx="5722726" cy="5166673"/>
+          </a:xfrm>
+        </p:spPr>
+      </p:pic>
+    </p:spTree>
+    <p:extLst>
+      <p:ext uri="{BB962C8B-B14F-4D97-AF65-F5344CB8AC3E}">
+        <p14:creationId xmlns:p14="http://schemas.microsoft.com/office/powerpoint/2010/main" val="2153618539"/>
+      </p:ext>
+    </p:extLst>
+  </p:cSld>
+  <p:clrMapOvr>
+    <a:masterClrMapping/>
+  </p:clrMapOvr>
+</p:sld>
+</file>
+
+<file path=ppt/slides/slide9.xml><?xml version="1.0" encoding="utf-8"?>
+<p:sld xmlns:a="http://schemas.openxmlformats.org/drawingml/2006/main" xmlns:r="http://schemas.openxmlformats.org/officeDocument/2006/relationships" xmlns:p="http://schemas.openxmlformats.org/presentationml/2006/main">
+  <p:cSld>
+    <p:spTree>
+      <p:nvGrpSpPr>
+        <p:cNvPr id="1" name=""/>
+        <p:cNvGrpSpPr/>
+        <p:nvPr/>
+      </p:nvGrpSpPr>
+      <p:grpSpPr>
+        <a:xfrm>
+          <a:off x="0" y="0"/>
+          <a:ext cx="0" cy="0"/>
+          <a:chOff x="0" y="0"/>
+          <a:chExt cx="0" cy="0"/>
+        </a:xfrm>
+      </p:grpSpPr>
+      <p:sp>
+        <p:nvSpPr>
+          <p:cNvPr id="2" name="Title 1"/>
+          <p:cNvSpPr>
+            <a:spLocks noGrp="1"/>
+          </p:cNvSpPr>
+          <p:nvPr>
+            <p:ph type="title"/>
+          </p:nvPr>
+        </p:nvSpPr>
+        <p:spPr/>
+        <p:txBody>
+          <a:bodyPr/>
+          <a:lstStyle/>
+          <a:p>
+            <a:r>
+              <a:rPr lang="en-US" b="1" dirty="0"/>
+              <a:t>Preprocessing and Modeling</a:t>
+            </a:r>
+            <a:endParaRPr lang="en-US" dirty="0"/>
+          </a:p>
+        </p:txBody>
+      </p:sp>
+      <p:sp>
+        <p:nvSpPr>
+          <p:cNvPr id="3" name="Content Placeholder 2"/>
+          <p:cNvSpPr>
+            <a:spLocks noGrp="1"/>
+          </p:cNvSpPr>
+          <p:nvPr>
+            <p:ph idx="1"/>
+          </p:nvPr>
+        </p:nvSpPr>
+        <p:spPr>
+          <a:xfrm>
+            <a:off x="304800" y="2133600"/>
+            <a:ext cx="8382000" cy="3962399"/>
+          </a:xfrm>
+        </p:spPr>
+        <p:txBody>
+          <a:bodyPr>
+            <a:normAutofit/>
+          </a:bodyPr>
+          <a:lstStyle/>
+          <a:p>
+            <a:r>
+              <a:rPr lang="en-US" dirty="0" smtClean="0"/>
+              <a:t>Split the </a:t>
+            </a:r>
+            <a:r>
+              <a:rPr lang="en-US" dirty="0"/>
+              <a:t>data into high and low quality wines, as well as red and white, for a total of two subsets of data:  Red and White. </a:t>
+            </a:r>
+            <a:endParaRPr lang="en-US" dirty="0" smtClean="0"/>
+          </a:p>
+          <a:p>
+            <a:r>
+              <a:rPr lang="en-US" dirty="0" smtClean="0"/>
+              <a:t>The </a:t>
+            </a:r>
+            <a:r>
+              <a:rPr lang="en-US" dirty="0"/>
+              <a:t>data was then scaled </a:t>
+            </a:r>
+            <a:endParaRPr lang="en-US" dirty="0" smtClean="0"/>
+          </a:p>
+          <a:p>
+            <a:r>
+              <a:rPr lang="en-US" dirty="0" smtClean="0"/>
+              <a:t>I didn’t find </a:t>
+            </a:r>
+            <a:r>
+              <a:rPr lang="en-US" dirty="0"/>
+              <a:t>any features to leave out </a:t>
+            </a:r>
+            <a:r>
+              <a:rPr lang="en-US" dirty="0" smtClean="0"/>
+              <a:t>due </a:t>
+            </a:r>
+            <a:r>
+              <a:rPr lang="en-US" dirty="0"/>
+              <a:t>to high correlation </a:t>
+            </a:r>
+            <a:endParaRPr lang="en-US" dirty="0" smtClean="0"/>
+          </a:p>
+        </p:txBody>
+      </p:sp>
+    </p:spTree>
+    <p:extLst>
+      <p:ext uri="{BB962C8B-B14F-4D97-AF65-F5344CB8AC3E}">
+        <p14:creationId xmlns:p14="http://schemas.microsoft.com/office/powerpoint/2010/main" val="1439704083"/>
       </p:ext>
     </p:extLst>
   </p:cSld>

--- a/Capstone2/Capstone2_FinalPres.pptx
+++ b/Capstone2/Capstone2_FinalPres.pptx
@@ -305,7 +305,7 @@
           <a:p>
             <a:fld id="{669F01BA-4BA4-43F7-831F-548FDB01749C}" type="datetimeFigureOut">
               <a:rPr lang="en-US" smtClean="0"/>
-              <a:t>3/1/2021</a:t>
+              <a:t>3/2/2021</a:t>
             </a:fld>
             <a:endParaRPr lang="en-US"/>
           </a:p>
@@ -475,7 +475,7 @@
           <a:p>
             <a:fld id="{669F01BA-4BA4-43F7-831F-548FDB01749C}" type="datetimeFigureOut">
               <a:rPr lang="en-US" smtClean="0"/>
-              <a:t>3/1/2021</a:t>
+              <a:t>3/2/2021</a:t>
             </a:fld>
             <a:endParaRPr lang="en-US"/>
           </a:p>
@@ -655,7 +655,7 @@
           <a:p>
             <a:fld id="{669F01BA-4BA4-43F7-831F-548FDB01749C}" type="datetimeFigureOut">
               <a:rPr lang="en-US" smtClean="0"/>
-              <a:t>3/1/2021</a:t>
+              <a:t>3/2/2021</a:t>
             </a:fld>
             <a:endParaRPr lang="en-US"/>
           </a:p>
@@ -825,7 +825,7 @@
           <a:p>
             <a:fld id="{669F01BA-4BA4-43F7-831F-548FDB01749C}" type="datetimeFigureOut">
               <a:rPr lang="en-US" smtClean="0"/>
-              <a:t>3/1/2021</a:t>
+              <a:t>3/2/2021</a:t>
             </a:fld>
             <a:endParaRPr lang="en-US"/>
           </a:p>
@@ -1071,7 +1071,7 @@
           <a:p>
             <a:fld id="{669F01BA-4BA4-43F7-831F-548FDB01749C}" type="datetimeFigureOut">
               <a:rPr lang="en-US" smtClean="0"/>
-              <a:t>3/1/2021</a:t>
+              <a:t>3/2/2021</a:t>
             </a:fld>
             <a:endParaRPr lang="en-US"/>
           </a:p>
@@ -1359,7 +1359,7 @@
           <a:p>
             <a:fld id="{669F01BA-4BA4-43F7-831F-548FDB01749C}" type="datetimeFigureOut">
               <a:rPr lang="en-US" smtClean="0"/>
-              <a:t>3/1/2021</a:t>
+              <a:t>3/2/2021</a:t>
             </a:fld>
             <a:endParaRPr lang="en-US"/>
           </a:p>
@@ -1781,7 +1781,7 @@
           <a:p>
             <a:fld id="{669F01BA-4BA4-43F7-831F-548FDB01749C}" type="datetimeFigureOut">
               <a:rPr lang="en-US" smtClean="0"/>
-              <a:t>3/1/2021</a:t>
+              <a:t>3/2/2021</a:t>
             </a:fld>
             <a:endParaRPr lang="en-US"/>
           </a:p>
@@ -1899,7 +1899,7 @@
           <a:p>
             <a:fld id="{669F01BA-4BA4-43F7-831F-548FDB01749C}" type="datetimeFigureOut">
               <a:rPr lang="en-US" smtClean="0"/>
-              <a:t>3/1/2021</a:t>
+              <a:t>3/2/2021</a:t>
             </a:fld>
             <a:endParaRPr lang="en-US"/>
           </a:p>
@@ -1994,7 +1994,7 @@
           <a:p>
             <a:fld id="{669F01BA-4BA4-43F7-831F-548FDB01749C}" type="datetimeFigureOut">
               <a:rPr lang="en-US" smtClean="0"/>
-              <a:t>3/1/2021</a:t>
+              <a:t>3/2/2021</a:t>
             </a:fld>
             <a:endParaRPr lang="en-US"/>
           </a:p>
@@ -2271,7 +2271,7 @@
           <a:p>
             <a:fld id="{669F01BA-4BA4-43F7-831F-548FDB01749C}" type="datetimeFigureOut">
               <a:rPr lang="en-US" smtClean="0"/>
-              <a:t>3/1/2021</a:t>
+              <a:t>3/2/2021</a:t>
             </a:fld>
             <a:endParaRPr lang="en-US"/>
           </a:p>
@@ -2524,7 +2524,7 @@
           <a:p>
             <a:fld id="{669F01BA-4BA4-43F7-831F-548FDB01749C}" type="datetimeFigureOut">
               <a:rPr lang="en-US" smtClean="0"/>
-              <a:t>3/1/2021</a:t>
+              <a:t>3/2/2021</a:t>
             </a:fld>
             <a:endParaRPr lang="en-US"/>
           </a:p>
@@ -2737,7 +2737,7 @@
           <a:p>
             <a:fld id="{669F01BA-4BA4-43F7-831F-548FDB01749C}" type="datetimeFigureOut">
               <a:rPr lang="en-US" smtClean="0"/>
-              <a:t>3/1/2021</a:t>
+              <a:t>3/2/2021</a:t>
             </a:fld>
             <a:endParaRPr lang="en-US"/>
           </a:p>
@@ -3128,10 +3128,16 @@
           <a:lstStyle/>
           <a:p>
             <a:r>
-              <a:rPr lang="en-US" dirty="0" smtClean="0"/>
+              <a:rPr lang="en-US" dirty="0" smtClean="0">
+                <a:latin typeface="Arial" panose="020B0604020202020204" pitchFamily="34" charset="0"/>
+                <a:cs typeface="Arial" panose="020B0604020202020204" pitchFamily="34" charset="0"/>
+              </a:rPr>
               <a:t>Capstone 2: Wine Quality</a:t>
             </a:r>
-            <a:endParaRPr lang="en-US" dirty="0"/>
+            <a:endParaRPr lang="en-US" dirty="0">
+              <a:latin typeface="Arial" panose="020B0604020202020204" pitchFamily="34" charset="0"/>
+              <a:cs typeface="Arial" panose="020B0604020202020204" pitchFamily="34" charset="0"/>
+            </a:endParaRPr>
           </a:p>
         </p:txBody>
       </p:sp>
@@ -3151,16 +3157,25 @@
           <a:lstStyle/>
           <a:p>
             <a:r>
-              <a:rPr lang="en-US" dirty="0" smtClean="0"/>
+              <a:rPr lang="en-US" dirty="0" smtClean="0">
+                <a:latin typeface="Arial" panose="020B0604020202020204" pitchFamily="34" charset="0"/>
+                <a:cs typeface="Arial" panose="020B0604020202020204" pitchFamily="34" charset="0"/>
+              </a:rPr>
               <a:t>Del Wester</a:t>
             </a:r>
           </a:p>
           <a:p>
             <a:r>
-              <a:rPr lang="en-US" dirty="0" smtClean="0"/>
+              <a:rPr lang="en-US" dirty="0" smtClean="0">
+                <a:latin typeface="Arial" panose="020B0604020202020204" pitchFamily="34" charset="0"/>
+                <a:cs typeface="Arial" panose="020B0604020202020204" pitchFamily="34" charset="0"/>
+              </a:rPr>
               <a:t>2/1/2021</a:t>
             </a:r>
-            <a:endParaRPr lang="en-US" dirty="0"/>
+            <a:endParaRPr lang="en-US" dirty="0">
+              <a:latin typeface="Arial" panose="020B0604020202020204" pitchFamily="34" charset="0"/>
+              <a:cs typeface="Arial" panose="020B0604020202020204" pitchFamily="34" charset="0"/>
+            </a:endParaRPr>
           </a:p>
         </p:txBody>
       </p:sp>
@@ -3210,10 +3225,16 @@
           <a:lstStyle/>
           <a:p>
             <a:r>
-              <a:rPr lang="en-US" dirty="0" smtClean="0"/>
+              <a:rPr lang="en-US" dirty="0" smtClean="0">
+                <a:latin typeface="Arial" panose="020B0604020202020204" pitchFamily="34" charset="0"/>
+                <a:cs typeface="Arial" panose="020B0604020202020204" pitchFamily="34" charset="0"/>
+              </a:rPr>
               <a:t>Quality Count – Red Wine</a:t>
             </a:r>
-            <a:endParaRPr lang="en-US" dirty="0"/>
+            <a:endParaRPr lang="en-US" dirty="0">
+              <a:latin typeface="Arial" panose="020B0604020202020204" pitchFamily="34" charset="0"/>
+              <a:cs typeface="Arial" panose="020B0604020202020204" pitchFamily="34" charset="0"/>
+            </a:endParaRPr>
           </a:p>
         </p:txBody>
       </p:sp>
@@ -3240,10 +3261,16 @@
           <a:lstStyle/>
           <a:p>
             <a:r>
-              <a:rPr lang="en-US" sz="2800" dirty="0" smtClean="0"/>
+              <a:rPr lang="en-US" sz="2800" dirty="0" smtClean="0">
+                <a:latin typeface="Arial" panose="020B0604020202020204" pitchFamily="34" charset="0"/>
+                <a:cs typeface="Arial" panose="020B0604020202020204" pitchFamily="34" charset="0"/>
+              </a:rPr>
               <a:t>Approximately 15% of Red wines are high quality</a:t>
             </a:r>
-            <a:endParaRPr lang="en-US" sz="2800" dirty="0"/>
+            <a:endParaRPr lang="en-US" sz="2800" dirty="0">
+              <a:latin typeface="Arial" panose="020B0604020202020204" pitchFamily="34" charset="0"/>
+              <a:cs typeface="Arial" panose="020B0604020202020204" pitchFamily="34" charset="0"/>
+            </a:endParaRPr>
           </a:p>
         </p:txBody>
       </p:sp>
@@ -3464,10 +3491,16 @@
           <a:lstStyle/>
           <a:p>
             <a:r>
-              <a:rPr lang="en-US" dirty="0" smtClean="0"/>
+              <a:rPr lang="en-US" dirty="0" smtClean="0">
+                <a:latin typeface="Arial" panose="020B0604020202020204" pitchFamily="34" charset="0"/>
+                <a:cs typeface="Arial" panose="020B0604020202020204" pitchFamily="34" charset="0"/>
+              </a:rPr>
               <a:t>Quality Count – White Wine</a:t>
             </a:r>
-            <a:endParaRPr lang="en-US" dirty="0"/>
+            <a:endParaRPr lang="en-US" dirty="0">
+              <a:latin typeface="Arial" panose="020B0604020202020204" pitchFamily="34" charset="0"/>
+              <a:cs typeface="Arial" panose="020B0604020202020204" pitchFamily="34" charset="0"/>
+            </a:endParaRPr>
           </a:p>
         </p:txBody>
       </p:sp>
@@ -3494,10 +3527,16 @@
           <a:lstStyle/>
           <a:p>
             <a:r>
-              <a:rPr lang="en-US" sz="2800" dirty="0" smtClean="0"/>
+              <a:rPr lang="en-US" sz="2800" dirty="0" smtClean="0">
+                <a:latin typeface="Arial" panose="020B0604020202020204" pitchFamily="34" charset="0"/>
+                <a:cs typeface="Arial" panose="020B0604020202020204" pitchFamily="34" charset="0"/>
+              </a:rPr>
               <a:t>Approximately 25% of white wines are high quality</a:t>
             </a:r>
-            <a:endParaRPr lang="en-US" sz="2800" dirty="0"/>
+            <a:endParaRPr lang="en-US" sz="2800" dirty="0">
+              <a:latin typeface="Arial" panose="020B0604020202020204" pitchFamily="34" charset="0"/>
+              <a:cs typeface="Arial" panose="020B0604020202020204" pitchFamily="34" charset="0"/>
+            </a:endParaRPr>
           </a:p>
         </p:txBody>
       </p:sp>
@@ -3601,10 +3640,16 @@
           <a:lstStyle/>
           <a:p>
             <a:r>
-              <a:rPr lang="en-US" dirty="0" smtClean="0"/>
+              <a:rPr lang="en-US" dirty="0" smtClean="0">
+                <a:latin typeface="Arial" panose="020B0604020202020204" pitchFamily="34" charset="0"/>
+                <a:cs typeface="Arial" panose="020B0604020202020204" pitchFamily="34" charset="0"/>
+              </a:rPr>
               <a:t>Model Comparison</a:t>
             </a:r>
-            <a:endParaRPr lang="en-US" dirty="0"/>
+            <a:endParaRPr lang="en-US" dirty="0">
+              <a:latin typeface="Arial" panose="020B0604020202020204" pitchFamily="34" charset="0"/>
+              <a:cs typeface="Arial" panose="020B0604020202020204" pitchFamily="34" charset="0"/>
+            </a:endParaRPr>
           </a:p>
         </p:txBody>
       </p:sp>
@@ -3620,8 +3665,8 @@
         </p:nvSpPr>
         <p:spPr>
           <a:xfrm>
-            <a:off x="457200" y="1828800"/>
-            <a:ext cx="4038600" cy="4572000"/>
+            <a:off x="304800" y="1828800"/>
+            <a:ext cx="4495800" cy="4572000"/>
           </a:xfrm>
         </p:spPr>
         <p:txBody>
@@ -3631,67 +3676,124 @@
           <a:lstStyle/>
           <a:p>
             <a:r>
-              <a:rPr lang="en-US" dirty="0" err="1" smtClean="0"/>
+              <a:rPr lang="en-US" dirty="0" err="1" smtClean="0">
+                <a:latin typeface="Arial" panose="020B0604020202020204" pitchFamily="34" charset="0"/>
+                <a:cs typeface="Arial" panose="020B0604020202020204" pitchFamily="34" charset="0"/>
+              </a:rPr>
               <a:t>DecisionTreeClassifier</a:t>
             </a:r>
-            <a:endParaRPr lang="en-US" dirty="0" smtClean="0"/>
-          </a:p>
-          <a:p>
-            <a:endParaRPr lang="en-US" sz="800" dirty="0" smtClean="0"/>
-          </a:p>
-          <a:p>
-            <a:r>
-              <a:rPr lang="en-US" dirty="0" err="1" smtClean="0"/>
+            <a:endParaRPr lang="en-US" dirty="0" smtClean="0">
+              <a:latin typeface="Arial" panose="020B0604020202020204" pitchFamily="34" charset="0"/>
+              <a:cs typeface="Arial" panose="020B0604020202020204" pitchFamily="34" charset="0"/>
+            </a:endParaRPr>
+          </a:p>
+          <a:p>
+            <a:endParaRPr lang="en-US" sz="800" dirty="0" smtClean="0">
+              <a:latin typeface="Arial" panose="020B0604020202020204" pitchFamily="34" charset="0"/>
+              <a:cs typeface="Arial" panose="020B0604020202020204" pitchFamily="34" charset="0"/>
+            </a:endParaRPr>
+          </a:p>
+          <a:p>
+            <a:r>
+              <a:rPr lang="en-US" dirty="0" err="1" smtClean="0">
+                <a:latin typeface="Arial" panose="020B0604020202020204" pitchFamily="34" charset="0"/>
+                <a:cs typeface="Arial" panose="020B0604020202020204" pitchFamily="34" charset="0"/>
+              </a:rPr>
               <a:t>RandomForestClassifier</a:t>
             </a:r>
-            <a:endParaRPr lang="en-US" dirty="0" smtClean="0"/>
-          </a:p>
-          <a:p>
-            <a:endParaRPr lang="en-US" sz="800" dirty="0" smtClean="0"/>
-          </a:p>
-          <a:p>
-            <a:r>
-              <a:rPr lang="en-US" sz="2400" dirty="0" err="1" smtClean="0"/>
+            <a:endParaRPr lang="en-US" dirty="0" smtClean="0">
+              <a:latin typeface="Arial" panose="020B0604020202020204" pitchFamily="34" charset="0"/>
+              <a:cs typeface="Arial" panose="020B0604020202020204" pitchFamily="34" charset="0"/>
+            </a:endParaRPr>
+          </a:p>
+          <a:p>
+            <a:endParaRPr lang="en-US" sz="800" dirty="0" smtClean="0">
+              <a:latin typeface="Arial" panose="020B0604020202020204" pitchFamily="34" charset="0"/>
+              <a:cs typeface="Arial" panose="020B0604020202020204" pitchFamily="34" charset="0"/>
+            </a:endParaRPr>
+          </a:p>
+          <a:p>
+            <a:r>
+              <a:rPr lang="en-US" sz="2400" dirty="0" err="1" smtClean="0">
+                <a:latin typeface="Arial" panose="020B0604020202020204" pitchFamily="34" charset="0"/>
+                <a:cs typeface="Arial" panose="020B0604020202020204" pitchFamily="34" charset="0"/>
+              </a:rPr>
               <a:t>GradientBoostingClassifier</a:t>
             </a:r>
-            <a:endParaRPr lang="en-US" sz="2400" dirty="0" smtClean="0"/>
-          </a:p>
-          <a:p>
-            <a:endParaRPr lang="en-US" sz="800" dirty="0" smtClean="0"/>
-          </a:p>
-          <a:p>
-            <a:r>
-              <a:rPr lang="en-US" dirty="0" err="1" smtClean="0"/>
+            <a:endParaRPr lang="en-US" sz="2400" dirty="0" smtClean="0">
+              <a:latin typeface="Arial" panose="020B0604020202020204" pitchFamily="34" charset="0"/>
+              <a:cs typeface="Arial" panose="020B0604020202020204" pitchFamily="34" charset="0"/>
+            </a:endParaRPr>
+          </a:p>
+          <a:p>
+            <a:endParaRPr lang="en-US" sz="800" dirty="0" smtClean="0">
+              <a:latin typeface="Arial" panose="020B0604020202020204" pitchFamily="34" charset="0"/>
+              <a:cs typeface="Arial" panose="020B0604020202020204" pitchFamily="34" charset="0"/>
+            </a:endParaRPr>
+          </a:p>
+          <a:p>
+            <a:r>
+              <a:rPr lang="en-US" dirty="0" err="1" smtClean="0">
+                <a:latin typeface="Arial" panose="020B0604020202020204" pitchFamily="34" charset="0"/>
+                <a:cs typeface="Arial" panose="020B0604020202020204" pitchFamily="34" charset="0"/>
+              </a:rPr>
               <a:t>LogisticRegression</a:t>
             </a:r>
-            <a:endParaRPr lang="en-US" dirty="0" smtClean="0"/>
-          </a:p>
-          <a:p>
-            <a:endParaRPr lang="en-US" sz="800" dirty="0" smtClean="0"/>
-          </a:p>
-          <a:p>
-            <a:r>
-              <a:rPr lang="en-US" dirty="0" err="1" smtClean="0"/>
+            <a:endParaRPr lang="en-US" dirty="0" smtClean="0">
+              <a:latin typeface="Arial" panose="020B0604020202020204" pitchFamily="34" charset="0"/>
+              <a:cs typeface="Arial" panose="020B0604020202020204" pitchFamily="34" charset="0"/>
+            </a:endParaRPr>
+          </a:p>
+          <a:p>
+            <a:endParaRPr lang="en-US" sz="800" dirty="0" smtClean="0">
+              <a:latin typeface="Arial" panose="020B0604020202020204" pitchFamily="34" charset="0"/>
+              <a:cs typeface="Arial" panose="020B0604020202020204" pitchFamily="34" charset="0"/>
+            </a:endParaRPr>
+          </a:p>
+          <a:p>
+            <a:r>
+              <a:rPr lang="en-US" dirty="0" err="1" smtClean="0">
+                <a:latin typeface="Arial" panose="020B0604020202020204" pitchFamily="34" charset="0"/>
+                <a:cs typeface="Arial" panose="020B0604020202020204" pitchFamily="34" charset="0"/>
+              </a:rPr>
               <a:t>KNeighborsClassifier</a:t>
             </a:r>
-            <a:endParaRPr lang="en-US" dirty="0" smtClean="0"/>
-          </a:p>
-          <a:p>
-            <a:endParaRPr lang="en-US" sz="800" dirty="0" smtClean="0"/>
-          </a:p>
-          <a:p>
-            <a:r>
-              <a:rPr lang="en-US" dirty="0" err="1" smtClean="0"/>
+            <a:endParaRPr lang="en-US" dirty="0" smtClean="0">
+              <a:latin typeface="Arial" panose="020B0604020202020204" pitchFamily="34" charset="0"/>
+              <a:cs typeface="Arial" panose="020B0604020202020204" pitchFamily="34" charset="0"/>
+            </a:endParaRPr>
+          </a:p>
+          <a:p>
+            <a:endParaRPr lang="en-US" sz="800" dirty="0" smtClean="0">
+              <a:latin typeface="Arial" panose="020B0604020202020204" pitchFamily="34" charset="0"/>
+              <a:cs typeface="Arial" panose="020B0604020202020204" pitchFamily="34" charset="0"/>
+            </a:endParaRPr>
+          </a:p>
+          <a:p>
+            <a:r>
+              <a:rPr lang="en-US" dirty="0" err="1" smtClean="0">
+                <a:latin typeface="Arial" panose="020B0604020202020204" pitchFamily="34" charset="0"/>
+                <a:cs typeface="Arial" panose="020B0604020202020204" pitchFamily="34" charset="0"/>
+              </a:rPr>
               <a:t>GaussianNB</a:t>
             </a:r>
-            <a:endParaRPr lang="en-US" dirty="0" smtClean="0"/>
-          </a:p>
-          <a:p>
-            <a:endParaRPr lang="en-US" sz="800" dirty="0" smtClean="0"/>
-          </a:p>
-          <a:p>
-            <a:r>
-              <a:rPr lang="en-US" dirty="0" smtClean="0"/>
+            <a:endParaRPr lang="en-US" dirty="0" smtClean="0">
+              <a:latin typeface="Arial" panose="020B0604020202020204" pitchFamily="34" charset="0"/>
+              <a:cs typeface="Arial" panose="020B0604020202020204" pitchFamily="34" charset="0"/>
+            </a:endParaRPr>
+          </a:p>
+          <a:p>
+            <a:endParaRPr lang="en-US" sz="800" dirty="0" smtClean="0">
+              <a:latin typeface="Arial" panose="020B0604020202020204" pitchFamily="34" charset="0"/>
+              <a:cs typeface="Arial" panose="020B0604020202020204" pitchFamily="34" charset="0"/>
+            </a:endParaRPr>
+          </a:p>
+          <a:p>
+            <a:r>
+              <a:rPr lang="en-US" dirty="0" smtClean="0">
+                <a:latin typeface="Arial" panose="020B0604020202020204" pitchFamily="34" charset="0"/>
+                <a:cs typeface="Arial" panose="020B0604020202020204" pitchFamily="34" charset="0"/>
+              </a:rPr>
               <a:t>SVC</a:t>
             </a:r>
           </a:p>
@@ -3707,13 +3809,13 @@
             <p:ph sz="half" idx="2"/>
             <p:extLst>
               <p:ext uri="{D42A27DB-BD31-4B8C-83A1-F6EECF244321}">
-                <p14:modId xmlns:p14="http://schemas.microsoft.com/office/powerpoint/2010/main" val="958294424"/>
+                <p14:modId xmlns:p14="http://schemas.microsoft.com/office/powerpoint/2010/main" val="2224002132"/>
               </p:ext>
             </p:extLst>
           </p:nvPr>
         </p:nvGraphicFramePr>
         <p:xfrm>
-          <a:off x="4648200" y="1600200"/>
+          <a:off x="4876800" y="1600200"/>
           <a:ext cx="4038600" cy="4800600"/>
         </p:xfrm>
         <a:graphic>
@@ -3924,21 +4026,36 @@
           <a:lstStyle/>
           <a:p>
             <a:r>
-              <a:rPr lang="en-US" dirty="0"/>
+              <a:rPr lang="en-US" dirty="0">
+                <a:latin typeface="Arial" panose="020B0604020202020204" pitchFamily="34" charset="0"/>
+                <a:cs typeface="Arial" panose="020B0604020202020204" pitchFamily="34" charset="0"/>
+              </a:rPr>
               <a:t>Feature </a:t>
             </a:r>
             <a:r>
-              <a:rPr lang="en-US" dirty="0" smtClean="0"/>
+              <a:rPr lang="en-US" dirty="0" smtClean="0">
+                <a:latin typeface="Arial" panose="020B0604020202020204" pitchFamily="34" charset="0"/>
+                <a:cs typeface="Arial" panose="020B0604020202020204" pitchFamily="34" charset="0"/>
+              </a:rPr>
               <a:t>Importance</a:t>
             </a:r>
             <a:br>
-              <a:rPr lang="en-US" dirty="0" smtClean="0"/>
+              <a:rPr lang="en-US" dirty="0" smtClean="0">
+                <a:latin typeface="Arial" panose="020B0604020202020204" pitchFamily="34" charset="0"/>
+                <a:cs typeface="Arial" panose="020B0604020202020204" pitchFamily="34" charset="0"/>
+              </a:rPr>
             </a:br>
             <a:r>
-              <a:rPr lang="en-US" dirty="0" smtClean="0"/>
+              <a:rPr lang="en-US" dirty="0" smtClean="0">
+                <a:latin typeface="Arial" panose="020B0604020202020204" pitchFamily="34" charset="0"/>
+                <a:cs typeface="Arial" panose="020B0604020202020204" pitchFamily="34" charset="0"/>
+              </a:rPr>
               <a:t>Red Wine</a:t>
             </a:r>
-            <a:endParaRPr lang="en-US" dirty="0"/>
+            <a:endParaRPr lang="en-US" dirty="0">
+              <a:latin typeface="Arial" panose="020B0604020202020204" pitchFamily="34" charset="0"/>
+              <a:cs typeface="Arial" panose="020B0604020202020204" pitchFamily="34" charset="0"/>
+            </a:endParaRPr>
           </a:p>
         </p:txBody>
       </p:sp>
@@ -3962,33 +4079,57 @@
           <a:bodyPr/>
           <a:lstStyle/>
           <a:p>
-            <a:endParaRPr lang="en-US" dirty="0" smtClean="0"/>
-          </a:p>
-          <a:p>
-            <a:r>
-              <a:rPr lang="en-US" dirty="0" smtClean="0"/>
+            <a:endParaRPr lang="en-US" dirty="0" smtClean="0">
+              <a:latin typeface="Arial" panose="020B0604020202020204" pitchFamily="34" charset="0"/>
+              <a:cs typeface="Arial" panose="020B0604020202020204" pitchFamily="34" charset="0"/>
+            </a:endParaRPr>
+          </a:p>
+          <a:p>
+            <a:r>
+              <a:rPr lang="en-US" dirty="0" smtClean="0">
+                <a:latin typeface="Arial" panose="020B0604020202020204" pitchFamily="34" charset="0"/>
+                <a:cs typeface="Arial" panose="020B0604020202020204" pitchFamily="34" charset="0"/>
+              </a:rPr>
               <a:t>Alcohol</a:t>
             </a:r>
           </a:p>
           <a:p>
-            <a:endParaRPr lang="en-US" dirty="0" smtClean="0"/>
-          </a:p>
-          <a:p>
-            <a:r>
-              <a:rPr lang="en-US" dirty="0" err="1" smtClean="0"/>
+            <a:endParaRPr lang="en-US" dirty="0" smtClean="0">
+              <a:latin typeface="Arial" panose="020B0604020202020204" pitchFamily="34" charset="0"/>
+              <a:cs typeface="Arial" panose="020B0604020202020204" pitchFamily="34" charset="0"/>
+            </a:endParaRPr>
+          </a:p>
+          <a:p>
+            <a:r>
+              <a:rPr lang="en-US" dirty="0" err="1" smtClean="0">
+                <a:latin typeface="Arial" panose="020B0604020202020204" pitchFamily="34" charset="0"/>
+                <a:cs typeface="Arial" panose="020B0604020202020204" pitchFamily="34" charset="0"/>
+              </a:rPr>
               <a:t>Sulphates</a:t>
             </a:r>
-            <a:endParaRPr lang="en-US" dirty="0" smtClean="0"/>
-          </a:p>
-          <a:p>
-            <a:endParaRPr lang="en-US" dirty="0" smtClean="0"/>
-          </a:p>
-          <a:p>
-            <a:r>
-              <a:rPr lang="en-US" dirty="0" smtClean="0"/>
+            <a:endParaRPr lang="en-US" dirty="0" smtClean="0">
+              <a:latin typeface="Arial" panose="020B0604020202020204" pitchFamily="34" charset="0"/>
+              <a:cs typeface="Arial" panose="020B0604020202020204" pitchFamily="34" charset="0"/>
+            </a:endParaRPr>
+          </a:p>
+          <a:p>
+            <a:endParaRPr lang="en-US" dirty="0" smtClean="0">
+              <a:latin typeface="Arial" panose="020B0604020202020204" pitchFamily="34" charset="0"/>
+              <a:cs typeface="Arial" panose="020B0604020202020204" pitchFamily="34" charset="0"/>
+            </a:endParaRPr>
+          </a:p>
+          <a:p>
+            <a:r>
+              <a:rPr lang="en-US" dirty="0" smtClean="0">
+                <a:latin typeface="Arial" panose="020B0604020202020204" pitchFamily="34" charset="0"/>
+                <a:cs typeface="Arial" panose="020B0604020202020204" pitchFamily="34" charset="0"/>
+              </a:rPr>
               <a:t>Volatile Acidity</a:t>
             </a:r>
-            <a:endParaRPr lang="en-US" dirty="0"/>
+            <a:endParaRPr lang="en-US" dirty="0">
+              <a:latin typeface="Arial" panose="020B0604020202020204" pitchFamily="34" charset="0"/>
+              <a:cs typeface="Arial" panose="020B0604020202020204" pitchFamily="34" charset="0"/>
+            </a:endParaRPr>
           </a:p>
         </p:txBody>
       </p:sp>
@@ -4040,21 +4181,36 @@
           <a:lstStyle/>
           <a:p>
             <a:r>
-              <a:rPr lang="en-US" dirty="0"/>
+              <a:rPr lang="en-US" dirty="0">
+                <a:latin typeface="Arial" panose="020B0604020202020204" pitchFamily="34" charset="0"/>
+                <a:cs typeface="Arial" panose="020B0604020202020204" pitchFamily="34" charset="0"/>
+              </a:rPr>
               <a:t>Feature </a:t>
             </a:r>
             <a:r>
-              <a:rPr lang="en-US" dirty="0" smtClean="0"/>
+              <a:rPr lang="en-US" dirty="0" smtClean="0">
+                <a:latin typeface="Arial" panose="020B0604020202020204" pitchFamily="34" charset="0"/>
+                <a:cs typeface="Arial" panose="020B0604020202020204" pitchFamily="34" charset="0"/>
+              </a:rPr>
               <a:t>Importance</a:t>
             </a:r>
             <a:br>
-              <a:rPr lang="en-US" dirty="0" smtClean="0"/>
+              <a:rPr lang="en-US" dirty="0" smtClean="0">
+                <a:latin typeface="Arial" panose="020B0604020202020204" pitchFamily="34" charset="0"/>
+                <a:cs typeface="Arial" panose="020B0604020202020204" pitchFamily="34" charset="0"/>
+              </a:rPr>
             </a:br>
             <a:r>
-              <a:rPr lang="en-US" dirty="0" smtClean="0"/>
+              <a:rPr lang="en-US" dirty="0" smtClean="0">
+                <a:latin typeface="Arial" panose="020B0604020202020204" pitchFamily="34" charset="0"/>
+                <a:cs typeface="Arial" panose="020B0604020202020204" pitchFamily="34" charset="0"/>
+              </a:rPr>
               <a:t>White Wine</a:t>
             </a:r>
-            <a:endParaRPr lang="en-US" dirty="0"/>
+            <a:endParaRPr lang="en-US" dirty="0">
+              <a:latin typeface="Arial" panose="020B0604020202020204" pitchFamily="34" charset="0"/>
+              <a:cs typeface="Arial" panose="020B0604020202020204" pitchFamily="34" charset="0"/>
+            </a:endParaRPr>
           </a:p>
         </p:txBody>
       </p:sp>
@@ -4078,32 +4234,53 @@
           <a:bodyPr/>
           <a:lstStyle/>
           <a:p>
-            <a:endParaRPr lang="en-US" dirty="0" smtClean="0"/>
-          </a:p>
-          <a:p>
-            <a:r>
-              <a:rPr lang="en-US" dirty="0" smtClean="0"/>
+            <a:endParaRPr lang="en-US" dirty="0" smtClean="0">
+              <a:latin typeface="Arial" panose="020B0604020202020204" pitchFamily="34" charset="0"/>
+              <a:cs typeface="Arial" panose="020B0604020202020204" pitchFamily="34" charset="0"/>
+            </a:endParaRPr>
+          </a:p>
+          <a:p>
+            <a:r>
+              <a:rPr lang="en-US" dirty="0" smtClean="0">
+                <a:latin typeface="Arial" panose="020B0604020202020204" pitchFamily="34" charset="0"/>
+                <a:cs typeface="Arial" panose="020B0604020202020204" pitchFamily="34" charset="0"/>
+              </a:rPr>
               <a:t>Alcohol</a:t>
             </a:r>
           </a:p>
           <a:p>
-            <a:endParaRPr lang="en-US" dirty="0" smtClean="0"/>
-          </a:p>
-          <a:p>
-            <a:r>
-              <a:rPr lang="en-US" dirty="0" smtClean="0"/>
+            <a:endParaRPr lang="en-US" dirty="0" smtClean="0">
+              <a:latin typeface="Arial" panose="020B0604020202020204" pitchFamily="34" charset="0"/>
+              <a:cs typeface="Arial" panose="020B0604020202020204" pitchFamily="34" charset="0"/>
+            </a:endParaRPr>
+          </a:p>
+          <a:p>
+            <a:r>
+              <a:rPr lang="en-US" dirty="0" smtClean="0">
+                <a:latin typeface="Arial" panose="020B0604020202020204" pitchFamily="34" charset="0"/>
+                <a:cs typeface="Arial" panose="020B0604020202020204" pitchFamily="34" charset="0"/>
+              </a:rPr>
               <a:t>Volatile Acidity</a:t>
             </a:r>
           </a:p>
           <a:p>
-            <a:endParaRPr lang="en-US" dirty="0"/>
-          </a:p>
-          <a:p>
-            <a:r>
-              <a:rPr lang="en-US" dirty="0" smtClean="0"/>
+            <a:endParaRPr lang="en-US" dirty="0">
+              <a:latin typeface="Arial" panose="020B0604020202020204" pitchFamily="34" charset="0"/>
+              <a:cs typeface="Arial" panose="020B0604020202020204" pitchFamily="34" charset="0"/>
+            </a:endParaRPr>
+          </a:p>
+          <a:p>
+            <a:r>
+              <a:rPr lang="en-US" dirty="0" smtClean="0">
+                <a:latin typeface="Arial" panose="020B0604020202020204" pitchFamily="34" charset="0"/>
+                <a:cs typeface="Arial" panose="020B0604020202020204" pitchFamily="34" charset="0"/>
+              </a:rPr>
               <a:t>Residual Sugar</a:t>
             </a:r>
-            <a:endParaRPr lang="en-US" dirty="0"/>
+            <a:endParaRPr lang="en-US" dirty="0">
+              <a:latin typeface="Arial" panose="020B0604020202020204" pitchFamily="34" charset="0"/>
+              <a:cs typeface="Arial" panose="020B0604020202020204" pitchFamily="34" charset="0"/>
+            </a:endParaRPr>
           </a:p>
         </p:txBody>
       </p:sp>
@@ -4155,26 +4332,44 @@
           <a:lstStyle/>
           <a:p>
             <a:r>
-              <a:rPr lang="en-US" dirty="0" err="1"/>
+              <a:rPr lang="en-US" dirty="0" err="1">
+                <a:latin typeface="Arial" panose="020B0604020202020204" pitchFamily="34" charset="0"/>
+                <a:cs typeface="Arial" panose="020B0604020202020204" pitchFamily="34" charset="0"/>
+              </a:rPr>
               <a:t>G</a:t>
             </a:r>
             <a:r>
-              <a:rPr lang="en-US" dirty="0" err="1" smtClean="0"/>
+              <a:rPr lang="en-US" dirty="0" err="1" smtClean="0">
+                <a:latin typeface="Arial" panose="020B0604020202020204" pitchFamily="34" charset="0"/>
+                <a:cs typeface="Arial" panose="020B0604020202020204" pitchFamily="34" charset="0"/>
+              </a:rPr>
               <a:t>ridsearch</a:t>
             </a:r>
             <a:r>
-              <a:rPr lang="en-US" dirty="0" smtClean="0"/>
+              <a:rPr lang="en-US" dirty="0" smtClean="0">
+                <a:latin typeface="Arial" panose="020B0604020202020204" pitchFamily="34" charset="0"/>
+                <a:cs typeface="Arial" panose="020B0604020202020204" pitchFamily="34" charset="0"/>
+              </a:rPr>
               <a:t> </a:t>
             </a:r>
             <a:r>
-              <a:rPr lang="en-US" dirty="0" err="1" smtClean="0"/>
+              <a:rPr lang="en-US" dirty="0" err="1" smtClean="0">
+                <a:latin typeface="Arial" panose="020B0604020202020204" pitchFamily="34" charset="0"/>
+                <a:cs typeface="Arial" panose="020B0604020202020204" pitchFamily="34" charset="0"/>
+              </a:rPr>
               <a:t>Hyperparameter</a:t>
             </a:r>
             <a:r>
-              <a:rPr lang="en-US" dirty="0" smtClean="0"/>
+              <a:rPr lang="en-US" dirty="0" smtClean="0">
+                <a:latin typeface="Arial" panose="020B0604020202020204" pitchFamily="34" charset="0"/>
+                <a:cs typeface="Arial" panose="020B0604020202020204" pitchFamily="34" charset="0"/>
+              </a:rPr>
               <a:t> Tuning </a:t>
             </a:r>
-            <a:endParaRPr lang="en-US" dirty="0"/>
+            <a:endParaRPr lang="en-US" dirty="0">
+              <a:latin typeface="Arial" panose="020B0604020202020204" pitchFamily="34" charset="0"/>
+              <a:cs typeface="Arial" panose="020B0604020202020204" pitchFamily="34" charset="0"/>
+            </a:endParaRPr>
           </a:p>
         </p:txBody>
       </p:sp>
@@ -4201,50 +4396,83 @@
           <a:lstStyle/>
           <a:p>
             <a:r>
-              <a:rPr lang="en-US" dirty="0" smtClean="0"/>
+              <a:rPr lang="en-US" dirty="0" smtClean="0">
+                <a:latin typeface="Arial" panose="020B0604020202020204" pitchFamily="34" charset="0"/>
+                <a:cs typeface="Arial" panose="020B0604020202020204" pitchFamily="34" charset="0"/>
+              </a:rPr>
               <a:t>Red:</a:t>
             </a:r>
           </a:p>
           <a:p>
             <a:r>
-              <a:rPr lang="en-US" sz="1900" dirty="0" err="1" smtClean="0"/>
+              <a:rPr lang="en-US" sz="1900" dirty="0" err="1" smtClean="0">
+                <a:latin typeface="Arial" panose="020B0604020202020204" pitchFamily="34" charset="0"/>
+                <a:cs typeface="Arial" panose="020B0604020202020204" pitchFamily="34" charset="0"/>
+              </a:rPr>
               <a:t>RandomForestClassifier</a:t>
             </a:r>
             <a:r>
-              <a:rPr lang="en-US" sz="1900" dirty="0" smtClean="0"/>
+              <a:rPr lang="en-US" sz="1900" dirty="0" smtClean="0">
+                <a:latin typeface="Arial" panose="020B0604020202020204" pitchFamily="34" charset="0"/>
+                <a:cs typeface="Arial" panose="020B0604020202020204" pitchFamily="34" charset="0"/>
+              </a:rPr>
               <a:t>(</a:t>
             </a:r>
             <a:r>
-              <a:rPr lang="en-US" sz="1900" dirty="0" err="1" smtClean="0"/>
+              <a:rPr lang="en-US" sz="1900" dirty="0" err="1" smtClean="0">
+                <a:latin typeface="Arial" panose="020B0604020202020204" pitchFamily="34" charset="0"/>
+                <a:cs typeface="Arial" panose="020B0604020202020204" pitchFamily="34" charset="0"/>
+              </a:rPr>
               <a:t>max_depth</a:t>
             </a:r>
             <a:r>
-              <a:rPr lang="en-US" sz="1900" dirty="0" smtClean="0"/>
+              <a:rPr lang="en-US" sz="1900" dirty="0" smtClean="0">
+                <a:latin typeface="Arial" panose="020B0604020202020204" pitchFamily="34" charset="0"/>
+                <a:cs typeface="Arial" panose="020B0604020202020204" pitchFamily="34" charset="0"/>
+              </a:rPr>
               <a:t>=4, </a:t>
             </a:r>
             <a:r>
-              <a:rPr lang="en-US" sz="1900" dirty="0" err="1" smtClean="0"/>
+              <a:rPr lang="en-US" sz="1900" dirty="0" err="1" smtClean="0">
+                <a:latin typeface="Arial" panose="020B0604020202020204" pitchFamily="34" charset="0"/>
+                <a:cs typeface="Arial" panose="020B0604020202020204" pitchFamily="34" charset="0"/>
+              </a:rPr>
               <a:t>min_samples_leaf</a:t>
             </a:r>
             <a:r>
-              <a:rPr lang="en-US" sz="1900" dirty="0" smtClean="0"/>
+              <a:rPr lang="en-US" sz="1900" dirty="0" smtClean="0">
+                <a:latin typeface="Arial" panose="020B0604020202020204" pitchFamily="34" charset="0"/>
+                <a:cs typeface="Arial" panose="020B0604020202020204" pitchFamily="34" charset="0"/>
+              </a:rPr>
               <a:t>=2, </a:t>
             </a:r>
             <a:r>
-              <a:rPr lang="en-US" sz="1900" dirty="0" err="1" smtClean="0"/>
+              <a:rPr lang="en-US" sz="1900" dirty="0" err="1" smtClean="0">
+                <a:latin typeface="Arial" panose="020B0604020202020204" pitchFamily="34" charset="0"/>
+                <a:cs typeface="Arial" panose="020B0604020202020204" pitchFamily="34" charset="0"/>
+              </a:rPr>
               <a:t>n_estimators</a:t>
             </a:r>
             <a:r>
-              <a:rPr lang="en-US" sz="1900" dirty="0" smtClean="0"/>
+              <a:rPr lang="en-US" sz="1900" dirty="0" smtClean="0">
+                <a:latin typeface="Arial" panose="020B0604020202020204" pitchFamily="34" charset="0"/>
+                <a:cs typeface="Arial" panose="020B0604020202020204" pitchFamily="34" charset="0"/>
+              </a:rPr>
               <a:t>=72)</a:t>
             </a:r>
           </a:p>
           <a:p>
             <a:r>
-              <a:rPr lang="en-US" dirty="0" smtClean="0"/>
+              <a:rPr lang="en-US" dirty="0" smtClean="0">
+                <a:latin typeface="Arial" panose="020B0604020202020204" pitchFamily="34" charset="0"/>
+                <a:cs typeface="Arial" panose="020B0604020202020204" pitchFamily="34" charset="0"/>
+              </a:rPr>
               <a:t>0.83</a:t>
             </a:r>
-            <a:endParaRPr lang="en-US" dirty="0"/>
+            <a:endParaRPr lang="en-US" dirty="0">
+              <a:latin typeface="Arial" panose="020B0604020202020204" pitchFamily="34" charset="0"/>
+              <a:cs typeface="Arial" panose="020B0604020202020204" pitchFamily="34" charset="0"/>
+            </a:endParaRPr>
           </a:p>
         </p:txBody>
       </p:sp>
@@ -4271,50 +4499,83 @@
           <a:lstStyle/>
           <a:p>
             <a:r>
-              <a:rPr lang="en-US" dirty="0" smtClean="0"/>
+              <a:rPr lang="en-US" dirty="0" smtClean="0">
+                <a:latin typeface="Arial" panose="020B0604020202020204" pitchFamily="34" charset="0"/>
+                <a:cs typeface="Arial" panose="020B0604020202020204" pitchFamily="34" charset="0"/>
+              </a:rPr>
               <a:t>White:</a:t>
             </a:r>
           </a:p>
           <a:p>
             <a:r>
-              <a:rPr lang="en-US" sz="1900" dirty="0" err="1" smtClean="0"/>
+              <a:rPr lang="en-US" sz="1900" dirty="0" err="1" smtClean="0">
+                <a:latin typeface="Arial" panose="020B0604020202020204" pitchFamily="34" charset="0"/>
+                <a:cs typeface="Arial" panose="020B0604020202020204" pitchFamily="34" charset="0"/>
+              </a:rPr>
               <a:t>RandomForestClassifier</a:t>
             </a:r>
             <a:r>
-              <a:rPr lang="en-US" sz="1900" dirty="0" smtClean="0"/>
+              <a:rPr lang="en-US" sz="1900" dirty="0" smtClean="0">
+                <a:latin typeface="Arial" panose="020B0604020202020204" pitchFamily="34" charset="0"/>
+                <a:cs typeface="Arial" panose="020B0604020202020204" pitchFamily="34" charset="0"/>
+              </a:rPr>
               <a:t>(</a:t>
             </a:r>
             <a:r>
-              <a:rPr lang="en-US" sz="1900" dirty="0" err="1" smtClean="0"/>
+              <a:rPr lang="en-US" sz="1900" dirty="0" err="1" smtClean="0">
+                <a:latin typeface="Arial" panose="020B0604020202020204" pitchFamily="34" charset="0"/>
+                <a:cs typeface="Arial" panose="020B0604020202020204" pitchFamily="34" charset="0"/>
+              </a:rPr>
               <a:t>max_depth</a:t>
             </a:r>
             <a:r>
-              <a:rPr lang="en-US" sz="1900" dirty="0" smtClean="0"/>
+              <a:rPr lang="en-US" sz="1900" dirty="0" smtClean="0">
+                <a:latin typeface="Arial" panose="020B0604020202020204" pitchFamily="34" charset="0"/>
+                <a:cs typeface="Arial" panose="020B0604020202020204" pitchFamily="34" charset="0"/>
+              </a:rPr>
               <a:t>=4, </a:t>
             </a:r>
             <a:r>
-              <a:rPr lang="en-US" sz="1900" dirty="0" err="1" smtClean="0"/>
+              <a:rPr lang="en-US" sz="1900" dirty="0" err="1" smtClean="0">
+                <a:latin typeface="Arial" panose="020B0604020202020204" pitchFamily="34" charset="0"/>
+                <a:cs typeface="Arial" panose="020B0604020202020204" pitchFamily="34" charset="0"/>
+              </a:rPr>
               <a:t>min_samples_leaf</a:t>
             </a:r>
             <a:r>
-              <a:rPr lang="en-US" sz="1900" dirty="0" smtClean="0"/>
+              <a:rPr lang="en-US" sz="1900" dirty="0" smtClean="0">
+                <a:latin typeface="Arial" panose="020B0604020202020204" pitchFamily="34" charset="0"/>
+                <a:cs typeface="Arial" panose="020B0604020202020204" pitchFamily="34" charset="0"/>
+              </a:rPr>
               <a:t>=2, </a:t>
             </a:r>
             <a:r>
-              <a:rPr lang="en-US" sz="1900" dirty="0" err="1" smtClean="0"/>
+              <a:rPr lang="en-US" sz="1900" dirty="0" err="1" smtClean="0">
+                <a:latin typeface="Arial" panose="020B0604020202020204" pitchFamily="34" charset="0"/>
+                <a:cs typeface="Arial" panose="020B0604020202020204" pitchFamily="34" charset="0"/>
+              </a:rPr>
               <a:t>n_estimators</a:t>
             </a:r>
             <a:r>
-              <a:rPr lang="en-US" sz="1900" dirty="0" smtClean="0"/>
+              <a:rPr lang="en-US" sz="1900" dirty="0" smtClean="0">
+                <a:latin typeface="Arial" panose="020B0604020202020204" pitchFamily="34" charset="0"/>
+                <a:cs typeface="Arial" panose="020B0604020202020204" pitchFamily="34" charset="0"/>
+              </a:rPr>
               <a:t>=72)</a:t>
             </a:r>
           </a:p>
           <a:p>
             <a:r>
-              <a:rPr lang="en-US" dirty="0" smtClean="0"/>
+              <a:rPr lang="en-US" dirty="0" smtClean="0">
+                <a:latin typeface="Arial" panose="020B0604020202020204" pitchFamily="34" charset="0"/>
+                <a:cs typeface="Arial" panose="020B0604020202020204" pitchFamily="34" charset="0"/>
+              </a:rPr>
               <a:t>0.83</a:t>
             </a:r>
-            <a:endParaRPr lang="en-US" dirty="0"/>
+            <a:endParaRPr lang="en-US" dirty="0">
+              <a:latin typeface="Arial" panose="020B0604020202020204" pitchFamily="34" charset="0"/>
+              <a:cs typeface="Arial" panose="020B0604020202020204" pitchFamily="34" charset="0"/>
+            </a:endParaRPr>
           </a:p>
         </p:txBody>
       </p:sp>
@@ -4366,26 +4627,37 @@
           <a:lstStyle/>
           <a:p>
             <a:r>
-              <a:rPr lang="en-US" sz="2800" dirty="0"/>
+              <a:rPr lang="en-US" sz="2800" dirty="0">
+                <a:latin typeface="Arial" panose="020B0604020202020204" pitchFamily="34" charset="0"/>
+                <a:cs typeface="Arial" panose="020B0604020202020204" pitchFamily="34" charset="0"/>
+              </a:rPr>
               <a:t>S</a:t>
             </a:r>
             <a:r>
-              <a:rPr lang="en-US" sz="2800" dirty="0" smtClean="0"/>
-              <a:t>cored </a:t>
-            </a:r>
-            <a:r>
-              <a:rPr lang="en-US" sz="2800" dirty="0" smtClean="0"/>
-              <a:t>the Random Forest model with the new </a:t>
-            </a:r>
-            <a:r>
-              <a:rPr lang="en-US" sz="2800" dirty="0" err="1" smtClean="0"/>
+              <a:rPr lang="en-US" sz="2800" dirty="0" smtClean="0">
+                <a:latin typeface="Arial" panose="020B0604020202020204" pitchFamily="34" charset="0"/>
+                <a:cs typeface="Arial" panose="020B0604020202020204" pitchFamily="34" charset="0"/>
+              </a:rPr>
+              <a:t>cored the Random Forest model with the new </a:t>
+            </a:r>
+            <a:r>
+              <a:rPr lang="en-US" sz="2800" dirty="0" err="1" smtClean="0">
+                <a:latin typeface="Arial" panose="020B0604020202020204" pitchFamily="34" charset="0"/>
+                <a:cs typeface="Arial" panose="020B0604020202020204" pitchFamily="34" charset="0"/>
+              </a:rPr>
               <a:t>hyperparameters</a:t>
             </a:r>
             <a:r>
-              <a:rPr lang="en-US" sz="2800" dirty="0" smtClean="0"/>
+              <a:rPr lang="en-US" sz="2800" dirty="0" smtClean="0">
+                <a:latin typeface="Arial" panose="020B0604020202020204" pitchFamily="34" charset="0"/>
+                <a:cs typeface="Arial" panose="020B0604020202020204" pitchFamily="34" charset="0"/>
+              </a:rPr>
               <a:t> and ran the ROC AUC scores and curve</a:t>
             </a:r>
-            <a:endParaRPr lang="en-US" sz="2800" dirty="0"/>
+            <a:endParaRPr lang="en-US" sz="2800" dirty="0">
+              <a:latin typeface="Arial" panose="020B0604020202020204" pitchFamily="34" charset="0"/>
+              <a:cs typeface="Arial" panose="020B0604020202020204" pitchFamily="34" charset="0"/>
+            </a:endParaRPr>
           </a:p>
         </p:txBody>
       </p:sp>
@@ -4406,26 +4678,44 @@
           </a:bodyPr>
           <a:lstStyle/>
           <a:p>
-            <a:endParaRPr lang="en-US" dirty="0" smtClean="0"/>
-          </a:p>
-          <a:p>
-            <a:r>
-              <a:rPr lang="en-US" dirty="0" smtClean="0"/>
+            <a:endParaRPr lang="en-US" dirty="0" smtClean="0">
+              <a:latin typeface="Arial" panose="020B0604020202020204" pitchFamily="34" charset="0"/>
+              <a:cs typeface="Arial" panose="020B0604020202020204" pitchFamily="34" charset="0"/>
+            </a:endParaRPr>
+          </a:p>
+          <a:p>
+            <a:r>
+              <a:rPr lang="en-US" dirty="0" smtClean="0">
+                <a:latin typeface="Arial" panose="020B0604020202020204" pitchFamily="34" charset="0"/>
+                <a:cs typeface="Arial" panose="020B0604020202020204" pitchFamily="34" charset="0"/>
+              </a:rPr>
               <a:t>Red 0.87</a:t>
             </a:r>
             <a:r>
-              <a:rPr lang="en-US" dirty="0"/>
+              <a:rPr lang="en-US" dirty="0">
+                <a:latin typeface="Arial" panose="020B0604020202020204" pitchFamily="34" charset="0"/>
+                <a:cs typeface="Arial" panose="020B0604020202020204" pitchFamily="34" charset="0"/>
+              </a:rPr>
               <a:t> </a:t>
             </a:r>
-            <a:endParaRPr lang="en-US" dirty="0" smtClean="0"/>
-          </a:p>
-          <a:p>
-            <a:r>
-              <a:rPr lang="en-US" dirty="0" smtClean="0"/>
+            <a:endParaRPr lang="en-US" dirty="0" smtClean="0">
+              <a:latin typeface="Arial" panose="020B0604020202020204" pitchFamily="34" charset="0"/>
+              <a:cs typeface="Arial" panose="020B0604020202020204" pitchFamily="34" charset="0"/>
+            </a:endParaRPr>
+          </a:p>
+          <a:p>
+            <a:r>
+              <a:rPr lang="en-US" dirty="0" smtClean="0">
+                <a:latin typeface="Arial" panose="020B0604020202020204" pitchFamily="34" charset="0"/>
+                <a:cs typeface="Arial" panose="020B0604020202020204" pitchFamily="34" charset="0"/>
+              </a:rPr>
               <a:t>White 0.80</a:t>
             </a:r>
             <a:r>
-              <a:rPr lang="en-US" dirty="0"/>
+              <a:rPr lang="en-US" dirty="0">
+                <a:latin typeface="Arial" panose="020B0604020202020204" pitchFamily="34" charset="0"/>
+                <a:cs typeface="Arial" panose="020B0604020202020204" pitchFamily="34" charset="0"/>
+              </a:rPr>
               <a:t> </a:t>
             </a:r>
           </a:p>
@@ -4433,36 +4723,60 @@
             <a:pPr marL="0" indent="0">
               <a:buNone/>
             </a:pPr>
-            <a:endParaRPr lang="en-US" dirty="0" smtClean="0"/>
-          </a:p>
-          <a:p>
-            <a:r>
-              <a:rPr lang="en-US" dirty="0" smtClean="0"/>
+            <a:endParaRPr lang="en-US" dirty="0" smtClean="0">
+              <a:latin typeface="Arial" panose="020B0604020202020204" pitchFamily="34" charset="0"/>
+              <a:cs typeface="Arial" panose="020B0604020202020204" pitchFamily="34" charset="0"/>
+            </a:endParaRPr>
+          </a:p>
+          <a:p>
+            <a:r>
+              <a:rPr lang="en-US" dirty="0" smtClean="0">
+                <a:latin typeface="Arial" panose="020B0604020202020204" pitchFamily="34" charset="0"/>
+                <a:cs typeface="Arial" panose="020B0604020202020204" pitchFamily="34" charset="0"/>
+              </a:rPr>
               <a:t>Red ROC-AUC </a:t>
             </a:r>
             <a:r>
-              <a:rPr lang="en-US" dirty="0"/>
+              <a:rPr lang="en-US" dirty="0">
+                <a:latin typeface="Arial" panose="020B0604020202020204" pitchFamily="34" charset="0"/>
+                <a:cs typeface="Arial" panose="020B0604020202020204" pitchFamily="34" charset="0"/>
+              </a:rPr>
               <a:t>Score: </a:t>
             </a:r>
             <a:r>
-              <a:rPr lang="en-US" dirty="0" smtClean="0"/>
+              <a:rPr lang="en-US" dirty="0" smtClean="0">
+                <a:latin typeface="Arial" panose="020B0604020202020204" pitchFamily="34" charset="0"/>
+                <a:cs typeface="Arial" panose="020B0604020202020204" pitchFamily="34" charset="0"/>
+              </a:rPr>
               <a:t>0.79</a:t>
             </a:r>
           </a:p>
           <a:p>
             <a:r>
-              <a:rPr lang="en-US" dirty="0" smtClean="0"/>
+              <a:rPr lang="en-US" dirty="0" smtClean="0">
+                <a:latin typeface="Arial" panose="020B0604020202020204" pitchFamily="34" charset="0"/>
+                <a:cs typeface="Arial" panose="020B0604020202020204" pitchFamily="34" charset="0"/>
+              </a:rPr>
               <a:t>White </a:t>
             </a:r>
             <a:r>
-              <a:rPr lang="en-US" dirty="0"/>
+              <a:rPr lang="en-US" dirty="0">
+                <a:latin typeface="Arial" panose="020B0604020202020204" pitchFamily="34" charset="0"/>
+                <a:cs typeface="Arial" panose="020B0604020202020204" pitchFamily="34" charset="0"/>
+              </a:rPr>
               <a:t>ROC-AUC Score: </a:t>
             </a:r>
             <a:r>
-              <a:rPr lang="en-US" dirty="0" smtClean="0"/>
+              <a:rPr lang="en-US" dirty="0" smtClean="0">
+                <a:latin typeface="Arial" panose="020B0604020202020204" pitchFamily="34" charset="0"/>
+                <a:cs typeface="Arial" panose="020B0604020202020204" pitchFamily="34" charset="0"/>
+              </a:rPr>
               <a:t>0.82</a:t>
             </a:r>
-            <a:endParaRPr lang="en-US" dirty="0"/>
+            <a:endParaRPr lang="en-US" dirty="0">
+              <a:latin typeface="Arial" panose="020B0604020202020204" pitchFamily="34" charset="0"/>
+              <a:cs typeface="Arial" panose="020B0604020202020204" pitchFamily="34" charset="0"/>
+            </a:endParaRPr>
           </a:p>
         </p:txBody>
       </p:sp>
@@ -4818,10 +5132,16 @@
           <a:lstStyle/>
           <a:p>
             <a:r>
-              <a:rPr lang="en-US" dirty="0" smtClean="0"/>
+              <a:rPr lang="en-US" dirty="0" smtClean="0">
+                <a:latin typeface="Arial" panose="020B0604020202020204" pitchFamily="34" charset="0"/>
+                <a:cs typeface="Arial" panose="020B0604020202020204" pitchFamily="34" charset="0"/>
+              </a:rPr>
               <a:t>Overview</a:t>
             </a:r>
-            <a:endParaRPr lang="en-US" dirty="0"/>
+            <a:endParaRPr lang="en-US" dirty="0">
+              <a:latin typeface="Arial" panose="020B0604020202020204" pitchFamily="34" charset="0"/>
+              <a:cs typeface="Arial" panose="020B0604020202020204" pitchFamily="34" charset="0"/>
+            </a:endParaRPr>
           </a:p>
         </p:txBody>
       </p:sp>
@@ -4848,14 +5168,23 @@
           <a:lstStyle/>
           <a:p>
             <a:r>
-              <a:rPr lang="en-US" dirty="0"/>
+              <a:rPr lang="en-US" dirty="0">
+                <a:latin typeface="Arial" panose="020B0604020202020204" pitchFamily="34" charset="0"/>
+                <a:cs typeface="Arial" panose="020B0604020202020204" pitchFamily="34" charset="0"/>
+              </a:rPr>
               <a:t>Many wine brands are seeking new ways to maximize the success of their wines. Before making any decisions, it might be helpful to know which features contribute to a wine's quality. Knowing these features can enable a brand to make more intelligent decisions when making it. But what exactly are these features? Using ML techniques with wine data retrieved from the following website, I plan to answer this question. https://</a:t>
             </a:r>
             <a:r>
-              <a:rPr lang="en-US" dirty="0" smtClean="0"/>
+              <a:rPr lang="en-US" dirty="0" smtClean="0">
+                <a:latin typeface="Arial" panose="020B0604020202020204" pitchFamily="34" charset="0"/>
+                <a:cs typeface="Arial" panose="020B0604020202020204" pitchFamily="34" charset="0"/>
+              </a:rPr>
               <a:t>archive.ics.uci.edu/ml/datasets/wine+quality</a:t>
             </a:r>
-            <a:endParaRPr lang="en-US" dirty="0"/>
+            <a:endParaRPr lang="en-US" dirty="0">
+              <a:latin typeface="Arial" panose="020B0604020202020204" pitchFamily="34" charset="0"/>
+              <a:cs typeface="Arial" panose="020B0604020202020204" pitchFamily="34" charset="0"/>
+            </a:endParaRPr>
           </a:p>
         </p:txBody>
       </p:sp>
@@ -4907,14 +5236,23 @@
           <a:lstStyle/>
           <a:p>
             <a:r>
-              <a:rPr lang="en-US" b="1" dirty="0"/>
+              <a:rPr lang="en-US" b="1" dirty="0">
+                <a:latin typeface="Arial" panose="020B0604020202020204" pitchFamily="34" charset="0"/>
+                <a:cs typeface="Arial" panose="020B0604020202020204" pitchFamily="34" charset="0"/>
+              </a:rPr>
               <a:t>Data </a:t>
             </a:r>
             <a:r>
-              <a:rPr lang="en-US" b="1" dirty="0" smtClean="0"/>
+              <a:rPr lang="en-US" b="1" dirty="0" smtClean="0">
+                <a:latin typeface="Arial" panose="020B0604020202020204" pitchFamily="34" charset="0"/>
+                <a:cs typeface="Arial" panose="020B0604020202020204" pitchFamily="34" charset="0"/>
+              </a:rPr>
               <a:t>Wrangling</a:t>
             </a:r>
-            <a:endParaRPr lang="en-US" dirty="0"/>
+            <a:endParaRPr lang="en-US" dirty="0">
+              <a:latin typeface="Arial" panose="020B0604020202020204" pitchFamily="34" charset="0"/>
+              <a:cs typeface="Arial" panose="020B0604020202020204" pitchFamily="34" charset="0"/>
+            </a:endParaRPr>
           </a:p>
         </p:txBody>
       </p:sp>
@@ -4936,18 +5274,25 @@
           <a:lstStyle/>
           <a:p>
             <a:r>
-              <a:rPr lang="en-US" dirty="0" smtClean="0"/>
+              <a:rPr lang="en-US" dirty="0" smtClean="0">
+                <a:latin typeface="Arial" panose="020B0604020202020204" pitchFamily="34" charset="0"/>
+                <a:cs typeface="Arial" panose="020B0604020202020204" pitchFamily="34" charset="0"/>
+              </a:rPr>
               <a:t>The dataset for this project was wrangled by another party prior to beginning this project. </a:t>
             </a:r>
           </a:p>
           <a:p>
             <a:r>
-              <a:rPr lang="en-US" dirty="0" smtClean="0"/>
-              <a:t>Using red and white wine samples, inputs include objective tests (PH values) and the output is based on sensory data (wine tasting by experts). Using a median of at least 3 evaluations, each expert graded the wine quality between 0 (very bad) and 10 (very excellent). Several data mining methods were applied to model these datasets under a regression approach to determine wine quality. Data source: http://www3.dsi.uminho.pt/pcortez/winequality09.pdf</a:t>
-            </a:r>
-          </a:p>
-          <a:p>
-            <a:endParaRPr lang="en-US" dirty="0"/>
+              <a:rPr lang="en-US" dirty="0" smtClean="0">
+                <a:latin typeface="Arial" panose="020B0604020202020204" pitchFamily="34" charset="0"/>
+                <a:cs typeface="Arial" panose="020B0604020202020204" pitchFamily="34" charset="0"/>
+              </a:rPr>
+              <a:t>Using red and white wine samples, inputs include objective tests (PH values) and the output is based on sensory data (wine tasting by experts). Using a median of at least 3 evaluations, each expert graded the wine quality between 0 (very bad) and 10 (very excellent). Several data mining methods were applied to model these datasets under a regression approach to determine wine quality. </a:t>
+            </a:r>
+            <a:endParaRPr lang="en-US" dirty="0">
+              <a:latin typeface="Arial" panose="020B0604020202020204" pitchFamily="34" charset="0"/>
+              <a:cs typeface="Arial" panose="020B0604020202020204" pitchFamily="34" charset="0"/>
+            </a:endParaRPr>
           </a:p>
         </p:txBody>
       </p:sp>
@@ -4999,14 +5344,23 @@
           <a:lstStyle/>
           <a:p>
             <a:r>
-              <a:rPr lang="en-US" b="1" dirty="0"/>
+              <a:rPr lang="en-US" b="1" dirty="0">
+                <a:latin typeface="Arial" panose="020B0604020202020204" pitchFamily="34" charset="0"/>
+                <a:cs typeface="Arial" panose="020B0604020202020204" pitchFamily="34" charset="0"/>
+              </a:rPr>
               <a:t>Exploratory Data </a:t>
             </a:r>
             <a:r>
-              <a:rPr lang="en-US" b="1" dirty="0" smtClean="0"/>
+              <a:rPr lang="en-US" b="1" dirty="0" smtClean="0">
+                <a:latin typeface="Arial" panose="020B0604020202020204" pitchFamily="34" charset="0"/>
+                <a:cs typeface="Arial" panose="020B0604020202020204" pitchFamily="34" charset="0"/>
+              </a:rPr>
               <a:t>Analysis</a:t>
             </a:r>
-            <a:endParaRPr lang="en-US" dirty="0"/>
+            <a:endParaRPr lang="en-US" dirty="0">
+              <a:latin typeface="Arial" panose="020B0604020202020204" pitchFamily="34" charset="0"/>
+              <a:cs typeface="Arial" panose="020B0604020202020204" pitchFamily="34" charset="0"/>
+            </a:endParaRPr>
           </a:p>
         </p:txBody>
       </p:sp>
@@ -5033,24 +5387,39 @@
           <a:lstStyle/>
           <a:p>
             <a:r>
-              <a:rPr lang="en-US" dirty="0" smtClean="0"/>
+              <a:rPr lang="en-US" dirty="0" smtClean="0">
+                <a:latin typeface="Arial" panose="020B0604020202020204" pitchFamily="34" charset="0"/>
+                <a:cs typeface="Arial" panose="020B0604020202020204" pitchFamily="34" charset="0"/>
+              </a:rPr>
               <a:t>Exploratory </a:t>
             </a:r>
             <a:r>
-              <a:rPr lang="en-US" dirty="0"/>
+              <a:rPr lang="en-US" dirty="0">
+                <a:latin typeface="Arial" panose="020B0604020202020204" pitchFamily="34" charset="0"/>
+                <a:cs typeface="Arial" panose="020B0604020202020204" pitchFamily="34" charset="0"/>
+              </a:rPr>
               <a:t>data analysis can be used to derive relationships between the wine quality and the various features available from the wine’s profile and suggest improvements to the profiles that would increase the wine’s quality. </a:t>
             </a:r>
             <a:r>
-              <a:rPr lang="en-US" dirty="0" smtClean="0"/>
+              <a:rPr lang="en-US" dirty="0" smtClean="0">
+                <a:latin typeface="Arial" panose="020B0604020202020204" pitchFamily="34" charset="0"/>
+                <a:cs typeface="Arial" panose="020B0604020202020204" pitchFamily="34" charset="0"/>
+              </a:rPr>
               <a:t>The </a:t>
             </a:r>
             <a:r>
-              <a:rPr lang="en-US" dirty="0"/>
+              <a:rPr lang="en-US" dirty="0">
+                <a:latin typeface="Arial" panose="020B0604020202020204" pitchFamily="34" charset="0"/>
+                <a:cs typeface="Arial" panose="020B0604020202020204" pitchFamily="34" charset="0"/>
+              </a:rPr>
               <a:t>quality feature of this set was the result of wine tasters opinions, ranging from 3 to 9, with the higher numbers being higher quality. The spread is shown below:</a:t>
             </a:r>
           </a:p>
           <a:p>
-            <a:endParaRPr lang="en-US" dirty="0"/>
+            <a:endParaRPr lang="en-US" dirty="0">
+              <a:latin typeface="Arial" panose="020B0604020202020204" pitchFamily="34" charset="0"/>
+              <a:cs typeface="Arial" panose="020B0604020202020204" pitchFamily="34" charset="0"/>
+            </a:endParaRPr>
           </a:p>
         </p:txBody>
       </p:sp>
@@ -5400,32 +5769,56 @@
           <a:lstStyle/>
           <a:p>
             <a:r>
-              <a:rPr lang="en-US" sz="2400" dirty="0" smtClean="0"/>
+              <a:rPr lang="en-US" sz="2400" dirty="0" smtClean="0">
+                <a:latin typeface="Arial" panose="020B0604020202020204" pitchFamily="34" charset="0"/>
+                <a:cs typeface="Arial" panose="020B0604020202020204" pitchFamily="34" charset="0"/>
+              </a:rPr>
               <a:t>The Correlation </a:t>
             </a:r>
             <a:r>
-              <a:rPr lang="en-US" sz="2400" dirty="0" err="1" smtClean="0"/>
+              <a:rPr lang="en-US" sz="2400" dirty="0" err="1" smtClean="0">
+                <a:latin typeface="Arial" panose="020B0604020202020204" pitchFamily="34" charset="0"/>
+                <a:cs typeface="Arial" panose="020B0604020202020204" pitchFamily="34" charset="0"/>
+              </a:rPr>
               <a:t>Heatmap</a:t>
             </a:r>
             <a:r>
-              <a:rPr lang="en-US" sz="2400" dirty="0"/>
+              <a:rPr lang="en-US" sz="2400" dirty="0">
+                <a:latin typeface="Arial" panose="020B0604020202020204" pitchFamily="34" charset="0"/>
+                <a:cs typeface="Arial" panose="020B0604020202020204" pitchFamily="34" charset="0"/>
+              </a:rPr>
               <a:t/>
             </a:r>
             <a:br>
-              <a:rPr lang="en-US" sz="2400" dirty="0"/>
+              <a:rPr lang="en-US" sz="2400" dirty="0">
+                <a:latin typeface="Arial" panose="020B0604020202020204" pitchFamily="34" charset="0"/>
+                <a:cs typeface="Arial" panose="020B0604020202020204" pitchFamily="34" charset="0"/>
+              </a:rPr>
             </a:br>
             <a:r>
-              <a:rPr lang="en-US" sz="2400" dirty="0" smtClean="0"/>
+              <a:rPr lang="en-US" sz="2400" dirty="0" smtClean="0">
+                <a:latin typeface="Arial" panose="020B0604020202020204" pitchFamily="34" charset="0"/>
+                <a:cs typeface="Arial" panose="020B0604020202020204" pitchFamily="34" charset="0"/>
+              </a:rPr>
               <a:t>alcohol and density have a fairly high negative correlation </a:t>
             </a:r>
             <a:br>
-              <a:rPr lang="en-US" sz="2400" dirty="0" smtClean="0"/>
+              <a:rPr lang="en-US" sz="2400" dirty="0" smtClean="0">
+                <a:latin typeface="Arial" panose="020B0604020202020204" pitchFamily="34" charset="0"/>
+                <a:cs typeface="Arial" panose="020B0604020202020204" pitchFamily="34" charset="0"/>
+              </a:rPr>
             </a:br>
             <a:r>
-              <a:rPr lang="en-US" sz="2400" dirty="0" smtClean="0"/>
+              <a:rPr lang="en-US" sz="2400" dirty="0" smtClean="0">
+                <a:latin typeface="Arial" panose="020B0604020202020204" pitchFamily="34" charset="0"/>
+                <a:cs typeface="Arial" panose="020B0604020202020204" pitchFamily="34" charset="0"/>
+              </a:rPr>
               <a:t>free &amp; total sulfur dioxide have a fairly high positive correlation</a:t>
             </a:r>
-            <a:endParaRPr lang="en-US" sz="2400" dirty="0"/>
+            <a:endParaRPr lang="en-US" sz="2400" dirty="0">
+              <a:latin typeface="Arial" panose="020B0604020202020204" pitchFamily="34" charset="0"/>
+              <a:cs typeface="Arial" panose="020B0604020202020204" pitchFamily="34" charset="0"/>
+            </a:endParaRPr>
           </a:p>
         </p:txBody>
       </p:sp>
@@ -5504,10 +5897,16 @@
           <a:lstStyle/>
           <a:p>
             <a:r>
-              <a:rPr lang="en-US" b="1" dirty="0"/>
+              <a:rPr lang="en-US" b="1" dirty="0">
+                <a:latin typeface="Arial" panose="020B0604020202020204" pitchFamily="34" charset="0"/>
+                <a:cs typeface="Arial" panose="020B0604020202020204" pitchFamily="34" charset="0"/>
+              </a:rPr>
               <a:t>Preprocessing and Modeling</a:t>
             </a:r>
-            <a:endParaRPr lang="en-US" dirty="0"/>
+            <a:endParaRPr lang="en-US" dirty="0">
+              <a:latin typeface="Arial" panose="020B0604020202020204" pitchFamily="34" charset="0"/>
+              <a:cs typeface="Arial" panose="020B0604020202020204" pitchFamily="34" charset="0"/>
+            </a:endParaRPr>
           </a:p>
         </p:txBody>
       </p:sp>
@@ -5534,44 +5933,77 @@
           <a:lstStyle/>
           <a:p>
             <a:r>
-              <a:rPr lang="en-US" dirty="0" smtClean="0"/>
+              <a:rPr lang="en-US" dirty="0" smtClean="0">
+                <a:latin typeface="Arial" panose="020B0604020202020204" pitchFamily="34" charset="0"/>
+                <a:cs typeface="Arial" panose="020B0604020202020204" pitchFamily="34" charset="0"/>
+              </a:rPr>
               <a:t>Split the </a:t>
             </a:r>
             <a:r>
-              <a:rPr lang="en-US" dirty="0"/>
+              <a:rPr lang="en-US" dirty="0">
+                <a:latin typeface="Arial" panose="020B0604020202020204" pitchFamily="34" charset="0"/>
+                <a:cs typeface="Arial" panose="020B0604020202020204" pitchFamily="34" charset="0"/>
+              </a:rPr>
               <a:t>data into high and low quality wines, as well as red and white, for a total of two subsets of data:  Red and White. </a:t>
             </a:r>
-            <a:endParaRPr lang="en-US" dirty="0" smtClean="0"/>
-          </a:p>
-          <a:p>
-            <a:r>
-              <a:rPr lang="en-US" dirty="0" smtClean="0"/>
+            <a:endParaRPr lang="en-US" dirty="0" smtClean="0">
+              <a:latin typeface="Arial" panose="020B0604020202020204" pitchFamily="34" charset="0"/>
+              <a:cs typeface="Arial" panose="020B0604020202020204" pitchFamily="34" charset="0"/>
+            </a:endParaRPr>
+          </a:p>
+          <a:p>
+            <a:r>
+              <a:rPr lang="en-US" dirty="0" smtClean="0">
+                <a:latin typeface="Arial" panose="020B0604020202020204" pitchFamily="34" charset="0"/>
+                <a:cs typeface="Arial" panose="020B0604020202020204" pitchFamily="34" charset="0"/>
+              </a:rPr>
               <a:t>The </a:t>
             </a:r>
             <a:r>
-              <a:rPr lang="en-US" dirty="0"/>
+              <a:rPr lang="en-US" dirty="0">
+                <a:latin typeface="Arial" panose="020B0604020202020204" pitchFamily="34" charset="0"/>
+                <a:cs typeface="Arial" panose="020B0604020202020204" pitchFamily="34" charset="0"/>
+              </a:rPr>
               <a:t>data was then scaled </a:t>
             </a:r>
-            <a:endParaRPr lang="en-US" dirty="0" smtClean="0"/>
-          </a:p>
-          <a:p>
-            <a:r>
-              <a:rPr lang="en-US" dirty="0" smtClean="0"/>
+            <a:endParaRPr lang="en-US" dirty="0" smtClean="0">
+              <a:latin typeface="Arial" panose="020B0604020202020204" pitchFamily="34" charset="0"/>
+              <a:cs typeface="Arial" panose="020B0604020202020204" pitchFamily="34" charset="0"/>
+            </a:endParaRPr>
+          </a:p>
+          <a:p>
+            <a:r>
+              <a:rPr lang="en-US" dirty="0" smtClean="0">
+                <a:latin typeface="Arial" panose="020B0604020202020204" pitchFamily="34" charset="0"/>
+                <a:cs typeface="Arial" panose="020B0604020202020204" pitchFamily="34" charset="0"/>
+              </a:rPr>
               <a:t>I didn’t find </a:t>
             </a:r>
             <a:r>
-              <a:rPr lang="en-US" dirty="0"/>
+              <a:rPr lang="en-US" dirty="0">
+                <a:latin typeface="Arial" panose="020B0604020202020204" pitchFamily="34" charset="0"/>
+                <a:cs typeface="Arial" panose="020B0604020202020204" pitchFamily="34" charset="0"/>
+              </a:rPr>
               <a:t>any features to leave out </a:t>
             </a:r>
             <a:r>
-              <a:rPr lang="en-US" dirty="0" smtClean="0"/>
+              <a:rPr lang="en-US" dirty="0" smtClean="0">
+                <a:latin typeface="Arial" panose="020B0604020202020204" pitchFamily="34" charset="0"/>
+                <a:cs typeface="Arial" panose="020B0604020202020204" pitchFamily="34" charset="0"/>
+              </a:rPr>
               <a:t>due </a:t>
             </a:r>
             <a:r>
-              <a:rPr lang="en-US" dirty="0"/>
+              <a:rPr lang="en-US" dirty="0">
+                <a:latin typeface="Arial" panose="020B0604020202020204" pitchFamily="34" charset="0"/>
+                <a:cs typeface="Arial" panose="020B0604020202020204" pitchFamily="34" charset="0"/>
+              </a:rPr>
               <a:t>to high correlation </a:t>
             </a:r>
-            <a:endParaRPr lang="en-US" dirty="0" smtClean="0"/>
+            <a:endParaRPr lang="en-US" dirty="0" smtClean="0">
+              <a:latin typeface="Arial" panose="020B0604020202020204" pitchFamily="34" charset="0"/>
+              <a:cs typeface="Arial" panose="020B0604020202020204" pitchFamily="34" charset="0"/>
+            </a:endParaRPr>
           </a:p>
         </p:txBody>
       </p:sp>

--- a/Capstone2/Capstone2_FinalPres.pptx
+++ b/Capstone2/Capstone2_FinalPres.pptx
@@ -10,19 +10,20 @@
     <p:sldId id="258" r:id="rId4"/>
     <p:sldId id="259" r:id="rId5"/>
     <p:sldId id="261" r:id="rId6"/>
-    <p:sldId id="263" r:id="rId7"/>
-    <p:sldId id="270" r:id="rId8"/>
-    <p:sldId id="272" r:id="rId9"/>
-    <p:sldId id="273" r:id="rId10"/>
-    <p:sldId id="282" r:id="rId11"/>
-    <p:sldId id="283" r:id="rId12"/>
-    <p:sldId id="275" r:id="rId13"/>
-    <p:sldId id="279" r:id="rId14"/>
-    <p:sldId id="280" r:id="rId15"/>
-    <p:sldId id="276" r:id="rId16"/>
-    <p:sldId id="277" r:id="rId17"/>
+    <p:sldId id="270" r:id="rId7"/>
+    <p:sldId id="263" r:id="rId8"/>
+    <p:sldId id="284" r:id="rId9"/>
+    <p:sldId id="272" r:id="rId10"/>
+    <p:sldId id="273" r:id="rId11"/>
+    <p:sldId id="282" r:id="rId12"/>
+    <p:sldId id="283" r:id="rId13"/>
+    <p:sldId id="275" r:id="rId14"/>
+    <p:sldId id="279" r:id="rId15"/>
+    <p:sldId id="280" r:id="rId16"/>
+    <p:sldId id="276" r:id="rId17"/>
     <p:sldId id="278" r:id="rId18"/>
     <p:sldId id="281" r:id="rId19"/>
+    <p:sldId id="285" r:id="rId20"/>
   </p:sldIdLst>
   <p:sldSz cx="9144000" cy="6858000" type="screen4x3"/>
   <p:notesSz cx="6858000" cy="9144000"/>
@@ -305,7 +306,7 @@
           <a:p>
             <a:fld id="{669F01BA-4BA4-43F7-831F-548FDB01749C}" type="datetimeFigureOut">
               <a:rPr lang="en-US" smtClean="0"/>
-              <a:t>3/2/2021</a:t>
+              <a:t>4/6/2021</a:t>
             </a:fld>
             <a:endParaRPr lang="en-US"/>
           </a:p>
@@ -475,7 +476,7 @@
           <a:p>
             <a:fld id="{669F01BA-4BA4-43F7-831F-548FDB01749C}" type="datetimeFigureOut">
               <a:rPr lang="en-US" smtClean="0"/>
-              <a:t>3/2/2021</a:t>
+              <a:t>4/6/2021</a:t>
             </a:fld>
             <a:endParaRPr lang="en-US"/>
           </a:p>
@@ -655,7 +656,7 @@
           <a:p>
             <a:fld id="{669F01BA-4BA4-43F7-831F-548FDB01749C}" type="datetimeFigureOut">
               <a:rPr lang="en-US" smtClean="0"/>
-              <a:t>3/2/2021</a:t>
+              <a:t>4/6/2021</a:t>
             </a:fld>
             <a:endParaRPr lang="en-US"/>
           </a:p>
@@ -825,7 +826,7 @@
           <a:p>
             <a:fld id="{669F01BA-4BA4-43F7-831F-548FDB01749C}" type="datetimeFigureOut">
               <a:rPr lang="en-US" smtClean="0"/>
-              <a:t>3/2/2021</a:t>
+              <a:t>4/6/2021</a:t>
             </a:fld>
             <a:endParaRPr lang="en-US"/>
           </a:p>
@@ -1071,7 +1072,7 @@
           <a:p>
             <a:fld id="{669F01BA-4BA4-43F7-831F-548FDB01749C}" type="datetimeFigureOut">
               <a:rPr lang="en-US" smtClean="0"/>
-              <a:t>3/2/2021</a:t>
+              <a:t>4/6/2021</a:t>
             </a:fld>
             <a:endParaRPr lang="en-US"/>
           </a:p>
@@ -1359,7 +1360,7 @@
           <a:p>
             <a:fld id="{669F01BA-4BA4-43F7-831F-548FDB01749C}" type="datetimeFigureOut">
               <a:rPr lang="en-US" smtClean="0"/>
-              <a:t>3/2/2021</a:t>
+              <a:t>4/6/2021</a:t>
             </a:fld>
             <a:endParaRPr lang="en-US"/>
           </a:p>
@@ -1781,7 +1782,7 @@
           <a:p>
             <a:fld id="{669F01BA-4BA4-43F7-831F-548FDB01749C}" type="datetimeFigureOut">
               <a:rPr lang="en-US" smtClean="0"/>
-              <a:t>3/2/2021</a:t>
+              <a:t>4/6/2021</a:t>
             </a:fld>
             <a:endParaRPr lang="en-US"/>
           </a:p>
@@ -1899,7 +1900,7 @@
           <a:p>
             <a:fld id="{669F01BA-4BA4-43F7-831F-548FDB01749C}" type="datetimeFigureOut">
               <a:rPr lang="en-US" smtClean="0"/>
-              <a:t>3/2/2021</a:t>
+              <a:t>4/6/2021</a:t>
             </a:fld>
             <a:endParaRPr lang="en-US"/>
           </a:p>
@@ -1994,7 +1995,7 @@
           <a:p>
             <a:fld id="{669F01BA-4BA4-43F7-831F-548FDB01749C}" type="datetimeFigureOut">
               <a:rPr lang="en-US" smtClean="0"/>
-              <a:t>3/2/2021</a:t>
+              <a:t>4/6/2021</a:t>
             </a:fld>
             <a:endParaRPr lang="en-US"/>
           </a:p>
@@ -2271,7 +2272,7 @@
           <a:p>
             <a:fld id="{669F01BA-4BA4-43F7-831F-548FDB01749C}" type="datetimeFigureOut">
               <a:rPr lang="en-US" smtClean="0"/>
-              <a:t>3/2/2021</a:t>
+              <a:t>4/6/2021</a:t>
             </a:fld>
             <a:endParaRPr lang="en-US"/>
           </a:p>
@@ -2524,7 +2525,7 @@
           <a:p>
             <a:fld id="{669F01BA-4BA4-43F7-831F-548FDB01749C}" type="datetimeFigureOut">
               <a:rPr lang="en-US" smtClean="0"/>
-              <a:t>3/2/2021</a:t>
+              <a:t>4/6/2021</a:t>
             </a:fld>
             <a:endParaRPr lang="en-US"/>
           </a:p>
@@ -2737,7 +2738,7 @@
           <a:p>
             <a:fld id="{669F01BA-4BA4-43F7-831F-548FDB01749C}" type="datetimeFigureOut">
               <a:rPr lang="en-US" smtClean="0"/>
-              <a:t>3/2/2021</a:t>
+              <a:t>4/6/2021</a:t>
             </a:fld>
             <a:endParaRPr lang="en-US"/>
           </a:p>
@@ -3166,11 +3167,18 @@
           </a:p>
           <a:p>
             <a:r>
+              <a:rPr lang="en-US" dirty="0">
+                <a:latin typeface="Arial" panose="020B0604020202020204" pitchFamily="34" charset="0"/>
+                <a:cs typeface="Arial" panose="020B0604020202020204" pitchFamily="34" charset="0"/>
+              </a:rPr>
+              <a:t>3</a:t>
+            </a:r>
+            <a:r>
               <a:rPr lang="en-US" dirty="0" smtClean="0">
                 <a:latin typeface="Arial" panose="020B0604020202020204" pitchFamily="34" charset="0"/>
                 <a:cs typeface="Arial" panose="020B0604020202020204" pitchFamily="34" charset="0"/>
               </a:rPr>
-              <a:t>2/1/2021</a:t>
+              <a:t>/24/2021</a:t>
             </a:r>
             <a:endParaRPr lang="en-US" dirty="0">
               <a:latin typeface="Arial" panose="020B0604020202020204" pitchFamily="34" charset="0"/>
@@ -3225,6 +3233,162 @@
           <a:lstStyle/>
           <a:p>
             <a:r>
+              <a:rPr lang="en-US" b="1" dirty="0">
+                <a:latin typeface="Arial" panose="020B0604020202020204" pitchFamily="34" charset="0"/>
+                <a:cs typeface="Arial" panose="020B0604020202020204" pitchFamily="34" charset="0"/>
+              </a:rPr>
+              <a:t>Preprocessing and Modeling</a:t>
+            </a:r>
+            <a:endParaRPr lang="en-US" dirty="0">
+              <a:latin typeface="Arial" panose="020B0604020202020204" pitchFamily="34" charset="0"/>
+              <a:cs typeface="Arial" panose="020B0604020202020204" pitchFamily="34" charset="0"/>
+            </a:endParaRPr>
+          </a:p>
+        </p:txBody>
+      </p:sp>
+      <p:sp>
+        <p:nvSpPr>
+          <p:cNvPr id="3" name="Content Placeholder 2"/>
+          <p:cNvSpPr>
+            <a:spLocks noGrp="1"/>
+          </p:cNvSpPr>
+          <p:nvPr>
+            <p:ph idx="1"/>
+          </p:nvPr>
+        </p:nvSpPr>
+        <p:spPr>
+          <a:xfrm>
+            <a:off x="304800" y="2133600"/>
+            <a:ext cx="8382000" cy="3962399"/>
+          </a:xfrm>
+        </p:spPr>
+        <p:txBody>
+          <a:bodyPr>
+            <a:normAutofit/>
+          </a:bodyPr>
+          <a:lstStyle/>
+          <a:p>
+            <a:r>
+              <a:rPr lang="en-US" dirty="0" smtClean="0">
+                <a:latin typeface="Arial" panose="020B0604020202020204" pitchFamily="34" charset="0"/>
+                <a:cs typeface="Arial" panose="020B0604020202020204" pitchFamily="34" charset="0"/>
+              </a:rPr>
+              <a:t>Split the </a:t>
+            </a:r>
+            <a:r>
+              <a:rPr lang="en-US" dirty="0">
+                <a:latin typeface="Arial" panose="020B0604020202020204" pitchFamily="34" charset="0"/>
+                <a:cs typeface="Arial" panose="020B0604020202020204" pitchFamily="34" charset="0"/>
+              </a:rPr>
+              <a:t>data into high and low quality wines, as well as red and white, for a total of two subsets of data:  Red and White. </a:t>
+            </a:r>
+            <a:endParaRPr lang="en-US" dirty="0" smtClean="0">
+              <a:latin typeface="Arial" panose="020B0604020202020204" pitchFamily="34" charset="0"/>
+              <a:cs typeface="Arial" panose="020B0604020202020204" pitchFamily="34" charset="0"/>
+            </a:endParaRPr>
+          </a:p>
+          <a:p>
+            <a:r>
+              <a:rPr lang="en-US" dirty="0" smtClean="0">
+                <a:latin typeface="Arial" panose="020B0604020202020204" pitchFamily="34" charset="0"/>
+                <a:cs typeface="Arial" panose="020B0604020202020204" pitchFamily="34" charset="0"/>
+              </a:rPr>
+              <a:t>The </a:t>
+            </a:r>
+            <a:r>
+              <a:rPr lang="en-US" dirty="0">
+                <a:latin typeface="Arial" panose="020B0604020202020204" pitchFamily="34" charset="0"/>
+                <a:cs typeface="Arial" panose="020B0604020202020204" pitchFamily="34" charset="0"/>
+              </a:rPr>
+              <a:t>data was then scaled </a:t>
+            </a:r>
+            <a:endParaRPr lang="en-US" dirty="0" smtClean="0">
+              <a:latin typeface="Arial" panose="020B0604020202020204" pitchFamily="34" charset="0"/>
+              <a:cs typeface="Arial" panose="020B0604020202020204" pitchFamily="34" charset="0"/>
+            </a:endParaRPr>
+          </a:p>
+          <a:p>
+            <a:r>
+              <a:rPr lang="en-US" dirty="0" smtClean="0">
+                <a:latin typeface="Arial" panose="020B0604020202020204" pitchFamily="34" charset="0"/>
+                <a:cs typeface="Arial" panose="020B0604020202020204" pitchFamily="34" charset="0"/>
+              </a:rPr>
+              <a:t>I didn’t find </a:t>
+            </a:r>
+            <a:r>
+              <a:rPr lang="en-US" dirty="0">
+                <a:latin typeface="Arial" panose="020B0604020202020204" pitchFamily="34" charset="0"/>
+                <a:cs typeface="Arial" panose="020B0604020202020204" pitchFamily="34" charset="0"/>
+              </a:rPr>
+              <a:t>any features to leave out </a:t>
+            </a:r>
+            <a:r>
+              <a:rPr lang="en-US" dirty="0" smtClean="0">
+                <a:latin typeface="Arial" panose="020B0604020202020204" pitchFamily="34" charset="0"/>
+                <a:cs typeface="Arial" panose="020B0604020202020204" pitchFamily="34" charset="0"/>
+              </a:rPr>
+              <a:t>due </a:t>
+            </a:r>
+            <a:r>
+              <a:rPr lang="en-US" dirty="0">
+                <a:latin typeface="Arial" panose="020B0604020202020204" pitchFamily="34" charset="0"/>
+                <a:cs typeface="Arial" panose="020B0604020202020204" pitchFamily="34" charset="0"/>
+              </a:rPr>
+              <a:t>to high correlation </a:t>
+            </a:r>
+            <a:endParaRPr lang="en-US" dirty="0" smtClean="0">
+              <a:latin typeface="Arial" panose="020B0604020202020204" pitchFamily="34" charset="0"/>
+              <a:cs typeface="Arial" panose="020B0604020202020204" pitchFamily="34" charset="0"/>
+            </a:endParaRPr>
+          </a:p>
+        </p:txBody>
+      </p:sp>
+    </p:spTree>
+    <p:extLst>
+      <p:ext uri="{BB962C8B-B14F-4D97-AF65-F5344CB8AC3E}">
+        <p14:creationId xmlns:p14="http://schemas.microsoft.com/office/powerpoint/2010/main" val="1439704083"/>
+      </p:ext>
+    </p:extLst>
+  </p:cSld>
+  <p:clrMapOvr>
+    <a:masterClrMapping/>
+  </p:clrMapOvr>
+</p:sld>
+</file>
+
+<file path=ppt/slides/slide11.xml><?xml version="1.0" encoding="utf-8"?>
+<p:sld xmlns:a="http://schemas.openxmlformats.org/drawingml/2006/main" xmlns:r="http://schemas.openxmlformats.org/officeDocument/2006/relationships" xmlns:p="http://schemas.openxmlformats.org/presentationml/2006/main">
+  <p:cSld>
+    <p:spTree>
+      <p:nvGrpSpPr>
+        <p:cNvPr id="1" name=""/>
+        <p:cNvGrpSpPr/>
+        <p:nvPr/>
+      </p:nvGrpSpPr>
+      <p:grpSpPr>
+        <a:xfrm>
+          <a:off x="0" y="0"/>
+          <a:ext cx="0" cy="0"/>
+          <a:chOff x="0" y="0"/>
+          <a:chExt cx="0" cy="0"/>
+        </a:xfrm>
+      </p:grpSpPr>
+      <p:sp>
+        <p:nvSpPr>
+          <p:cNvPr id="2" name="Title 1"/>
+          <p:cNvSpPr>
+            <a:spLocks noGrp="1"/>
+          </p:cNvSpPr>
+          <p:nvPr>
+            <p:ph type="title"/>
+          </p:nvPr>
+        </p:nvSpPr>
+        <p:spPr/>
+        <p:txBody>
+          <a:bodyPr/>
+          <a:lstStyle/>
+          <a:p>
+            <a:r>
               <a:rPr lang="en-US" dirty="0" smtClean="0">
                 <a:latin typeface="Arial" panose="020B0604020202020204" pitchFamily="34" charset="0"/>
                 <a:cs typeface="Arial" panose="020B0604020202020204" pitchFamily="34" charset="0"/>
@@ -3256,7 +3420,7 @@
         </p:spPr>
         <p:txBody>
           <a:bodyPr>
-            <a:normAutofit/>
+            <a:normAutofit fontScale="92500"/>
           </a:bodyPr>
           <a:lstStyle/>
           <a:p>
@@ -3458,7 +3622,7 @@
 </p:sld>
 </file>
 
-<file path=ppt/slides/slide11.xml><?xml version="1.0" encoding="utf-8"?>
+<file path=ppt/slides/slide12.xml><?xml version="1.0" encoding="utf-8"?>
 <p:sld xmlns:a="http://schemas.openxmlformats.org/drawingml/2006/main" xmlns:r="http://schemas.openxmlformats.org/officeDocument/2006/relationships" xmlns:p="http://schemas.openxmlformats.org/presentationml/2006/main">
   <p:cSld>
     <p:spTree>
@@ -3522,7 +3686,7 @@
         </p:spPr>
         <p:txBody>
           <a:bodyPr>
-            <a:normAutofit/>
+            <a:normAutofit fontScale="92500"/>
           </a:bodyPr>
           <a:lstStyle/>
           <a:p>
@@ -3607,7 +3771,7 @@
 </p:sld>
 </file>
 
-<file path=ppt/slides/slide12.xml><?xml version="1.0" encoding="utf-8"?>
+<file path=ppt/slides/slide13.xml><?xml version="1.0" encoding="utf-8"?>
 <p:sld xmlns:a="http://schemas.openxmlformats.org/drawingml/2006/main" xmlns:r="http://schemas.openxmlformats.org/officeDocument/2006/relationships" xmlns:p="http://schemas.openxmlformats.org/presentationml/2006/main">
   <p:cSld>
     <p:spTree>
@@ -3675,13 +3839,6 @@
           </a:bodyPr>
           <a:lstStyle/>
           <a:p>
-            <a:r>
-              <a:rPr lang="en-US" dirty="0" err="1" smtClean="0">
-                <a:latin typeface="Arial" panose="020B0604020202020204" pitchFamily="34" charset="0"/>
-                <a:cs typeface="Arial" panose="020B0604020202020204" pitchFamily="34" charset="0"/>
-              </a:rPr>
-              <a:t>DecisionTreeClassifier</a:t>
-            </a:r>
             <a:endParaRPr lang="en-US" dirty="0" smtClean="0">
               <a:latin typeface="Arial" panose="020B0604020202020204" pitchFamily="34" charset="0"/>
               <a:cs typeface="Arial" panose="020B0604020202020204" pitchFamily="34" charset="0"/>
@@ -3695,107 +3852,108 @@
           </a:p>
           <a:p>
             <a:r>
+              <a:rPr lang="en-US" dirty="0" err="1">
+                <a:latin typeface="Arial" panose="020B0604020202020204" pitchFamily="34" charset="0"/>
+                <a:cs typeface="Arial" panose="020B0604020202020204" pitchFamily="34" charset="0"/>
+              </a:rPr>
+              <a:t>LogisticRegression</a:t>
+            </a:r>
+            <a:endParaRPr lang="en-US" dirty="0">
+              <a:latin typeface="Arial" panose="020B0604020202020204" pitchFamily="34" charset="0"/>
+              <a:cs typeface="Arial" panose="020B0604020202020204" pitchFamily="34" charset="0"/>
+            </a:endParaRPr>
+          </a:p>
+          <a:p>
+            <a:endParaRPr lang="en-US" sz="800" dirty="0" smtClean="0">
+              <a:latin typeface="Arial" panose="020B0604020202020204" pitchFamily="34" charset="0"/>
+              <a:cs typeface="Arial" panose="020B0604020202020204" pitchFamily="34" charset="0"/>
+            </a:endParaRPr>
+          </a:p>
+          <a:p>
+            <a:endParaRPr lang="en-US" sz="800" dirty="0">
+              <a:latin typeface="Arial" panose="020B0604020202020204" pitchFamily="34" charset="0"/>
+              <a:cs typeface="Arial" panose="020B0604020202020204" pitchFamily="34" charset="0"/>
+            </a:endParaRPr>
+          </a:p>
+          <a:p>
+            <a:endParaRPr lang="en-US" sz="800" dirty="0" smtClean="0">
+              <a:latin typeface="Arial" panose="020B0604020202020204" pitchFamily="34" charset="0"/>
+              <a:cs typeface="Arial" panose="020B0604020202020204" pitchFamily="34" charset="0"/>
+            </a:endParaRPr>
+          </a:p>
+          <a:p>
+            <a:endParaRPr lang="en-US" sz="800" dirty="0">
+              <a:latin typeface="Arial" panose="020B0604020202020204" pitchFamily="34" charset="0"/>
+              <a:cs typeface="Arial" panose="020B0604020202020204" pitchFamily="34" charset="0"/>
+            </a:endParaRPr>
+          </a:p>
+          <a:p>
+            <a:endParaRPr lang="en-US" sz="800" dirty="0" smtClean="0">
+              <a:latin typeface="Arial" panose="020B0604020202020204" pitchFamily="34" charset="0"/>
+              <a:cs typeface="Arial" panose="020B0604020202020204" pitchFamily="34" charset="0"/>
+            </a:endParaRPr>
+          </a:p>
+          <a:p>
+            <a:r>
               <a:rPr lang="en-US" dirty="0" err="1" smtClean="0">
                 <a:latin typeface="Arial" panose="020B0604020202020204" pitchFamily="34" charset="0"/>
                 <a:cs typeface="Arial" panose="020B0604020202020204" pitchFamily="34" charset="0"/>
               </a:rPr>
               <a:t>RandomForestClassifier</a:t>
+            </a:r>
+            <a:endParaRPr lang="en-US" dirty="0">
+              <a:latin typeface="Arial" panose="020B0604020202020204" pitchFamily="34" charset="0"/>
+              <a:cs typeface="Arial" panose="020B0604020202020204" pitchFamily="34" charset="0"/>
+            </a:endParaRPr>
+          </a:p>
+          <a:p>
+            <a:endParaRPr lang="en-US" sz="800" dirty="0" smtClean="0">
+              <a:latin typeface="Arial" panose="020B0604020202020204" pitchFamily="34" charset="0"/>
+              <a:cs typeface="Arial" panose="020B0604020202020204" pitchFamily="34" charset="0"/>
+            </a:endParaRPr>
+          </a:p>
+          <a:p>
+            <a:endParaRPr lang="en-US" sz="800" dirty="0">
+              <a:latin typeface="Arial" panose="020B0604020202020204" pitchFamily="34" charset="0"/>
+              <a:cs typeface="Arial" panose="020B0604020202020204" pitchFamily="34" charset="0"/>
+            </a:endParaRPr>
+          </a:p>
+          <a:p>
+            <a:endParaRPr lang="en-US" sz="800" dirty="0" smtClean="0">
+              <a:latin typeface="Arial" panose="020B0604020202020204" pitchFamily="34" charset="0"/>
+              <a:cs typeface="Arial" panose="020B0604020202020204" pitchFamily="34" charset="0"/>
+            </a:endParaRPr>
+          </a:p>
+          <a:p>
+            <a:endParaRPr lang="en-US" sz="800" dirty="0">
+              <a:latin typeface="Arial" panose="020B0604020202020204" pitchFamily="34" charset="0"/>
+              <a:cs typeface="Arial" panose="020B0604020202020204" pitchFamily="34" charset="0"/>
+            </a:endParaRPr>
+          </a:p>
+          <a:p>
+            <a:endParaRPr lang="en-US" sz="800" dirty="0" smtClean="0">
+              <a:latin typeface="Arial" panose="020B0604020202020204" pitchFamily="34" charset="0"/>
+              <a:cs typeface="Arial" panose="020B0604020202020204" pitchFamily="34" charset="0"/>
+            </a:endParaRPr>
+          </a:p>
+          <a:p>
+            <a:endParaRPr lang="en-US" sz="800" dirty="0" smtClean="0">
+              <a:latin typeface="Arial" panose="020B0604020202020204" pitchFamily="34" charset="0"/>
+              <a:cs typeface="Arial" panose="020B0604020202020204" pitchFamily="34" charset="0"/>
+            </a:endParaRPr>
+          </a:p>
+          <a:p>
+            <a:r>
+              <a:rPr lang="en-US" dirty="0" err="1" smtClean="0">
+                <a:latin typeface="Arial" panose="020B0604020202020204" pitchFamily="34" charset="0"/>
+                <a:cs typeface="Arial" panose="020B0604020202020204" pitchFamily="34" charset="0"/>
+              </a:rPr>
+              <a:t>KNeighborsClassifier</a:t>
             </a:r>
             <a:endParaRPr lang="en-US" dirty="0" smtClean="0">
               <a:latin typeface="Arial" panose="020B0604020202020204" pitchFamily="34" charset="0"/>
               <a:cs typeface="Arial" panose="020B0604020202020204" pitchFamily="34" charset="0"/>
             </a:endParaRPr>
-          </a:p>
-          <a:p>
-            <a:endParaRPr lang="en-US" sz="800" dirty="0" smtClean="0">
-              <a:latin typeface="Arial" panose="020B0604020202020204" pitchFamily="34" charset="0"/>
-              <a:cs typeface="Arial" panose="020B0604020202020204" pitchFamily="34" charset="0"/>
-            </a:endParaRPr>
-          </a:p>
-          <a:p>
-            <a:r>
-              <a:rPr lang="en-US" sz="2400" dirty="0" err="1" smtClean="0">
-                <a:latin typeface="Arial" panose="020B0604020202020204" pitchFamily="34" charset="0"/>
-                <a:cs typeface="Arial" panose="020B0604020202020204" pitchFamily="34" charset="0"/>
-              </a:rPr>
-              <a:t>GradientBoostingClassifier</a:t>
-            </a:r>
-            <a:endParaRPr lang="en-US" sz="2400" dirty="0" smtClean="0">
-              <a:latin typeface="Arial" panose="020B0604020202020204" pitchFamily="34" charset="0"/>
-              <a:cs typeface="Arial" panose="020B0604020202020204" pitchFamily="34" charset="0"/>
-            </a:endParaRPr>
-          </a:p>
-          <a:p>
-            <a:endParaRPr lang="en-US" sz="800" dirty="0" smtClean="0">
-              <a:latin typeface="Arial" panose="020B0604020202020204" pitchFamily="34" charset="0"/>
-              <a:cs typeface="Arial" panose="020B0604020202020204" pitchFamily="34" charset="0"/>
-            </a:endParaRPr>
-          </a:p>
-          <a:p>
-            <a:r>
-              <a:rPr lang="en-US" dirty="0" err="1" smtClean="0">
-                <a:latin typeface="Arial" panose="020B0604020202020204" pitchFamily="34" charset="0"/>
-                <a:cs typeface="Arial" panose="020B0604020202020204" pitchFamily="34" charset="0"/>
-              </a:rPr>
-              <a:t>LogisticRegression</a:t>
-            </a:r>
-            <a:endParaRPr lang="en-US" dirty="0" smtClean="0">
-              <a:latin typeface="Arial" panose="020B0604020202020204" pitchFamily="34" charset="0"/>
-              <a:cs typeface="Arial" panose="020B0604020202020204" pitchFamily="34" charset="0"/>
-            </a:endParaRPr>
-          </a:p>
-          <a:p>
-            <a:endParaRPr lang="en-US" sz="800" dirty="0" smtClean="0">
-              <a:latin typeface="Arial" panose="020B0604020202020204" pitchFamily="34" charset="0"/>
-              <a:cs typeface="Arial" panose="020B0604020202020204" pitchFamily="34" charset="0"/>
-            </a:endParaRPr>
-          </a:p>
-          <a:p>
-            <a:r>
-              <a:rPr lang="en-US" dirty="0" err="1" smtClean="0">
-                <a:latin typeface="Arial" panose="020B0604020202020204" pitchFamily="34" charset="0"/>
-                <a:cs typeface="Arial" panose="020B0604020202020204" pitchFamily="34" charset="0"/>
-              </a:rPr>
-              <a:t>KNeighborsClassifier</a:t>
-            </a:r>
-            <a:endParaRPr lang="en-US" dirty="0" smtClean="0">
-              <a:latin typeface="Arial" panose="020B0604020202020204" pitchFamily="34" charset="0"/>
-              <a:cs typeface="Arial" panose="020B0604020202020204" pitchFamily="34" charset="0"/>
-            </a:endParaRPr>
-          </a:p>
-          <a:p>
-            <a:endParaRPr lang="en-US" sz="800" dirty="0" smtClean="0">
-              <a:latin typeface="Arial" panose="020B0604020202020204" pitchFamily="34" charset="0"/>
-              <a:cs typeface="Arial" panose="020B0604020202020204" pitchFamily="34" charset="0"/>
-            </a:endParaRPr>
-          </a:p>
-          <a:p>
-            <a:r>
-              <a:rPr lang="en-US" dirty="0" err="1" smtClean="0">
-                <a:latin typeface="Arial" panose="020B0604020202020204" pitchFamily="34" charset="0"/>
-                <a:cs typeface="Arial" panose="020B0604020202020204" pitchFamily="34" charset="0"/>
-              </a:rPr>
-              <a:t>GaussianNB</a:t>
-            </a:r>
-            <a:endParaRPr lang="en-US" dirty="0" smtClean="0">
-              <a:latin typeface="Arial" panose="020B0604020202020204" pitchFamily="34" charset="0"/>
-              <a:cs typeface="Arial" panose="020B0604020202020204" pitchFamily="34" charset="0"/>
-            </a:endParaRPr>
-          </a:p>
-          <a:p>
-            <a:endParaRPr lang="en-US" sz="800" dirty="0" smtClean="0">
-              <a:latin typeface="Arial" panose="020B0604020202020204" pitchFamily="34" charset="0"/>
-              <a:cs typeface="Arial" panose="020B0604020202020204" pitchFamily="34" charset="0"/>
-            </a:endParaRPr>
-          </a:p>
-          <a:p>
-            <a:r>
-              <a:rPr lang="en-US" dirty="0" smtClean="0">
-                <a:latin typeface="Arial" panose="020B0604020202020204" pitchFamily="34" charset="0"/>
-                <a:cs typeface="Arial" panose="020B0604020202020204" pitchFamily="34" charset="0"/>
-              </a:rPr>
-              <a:t>SVC</a:t>
-            </a:r>
           </a:p>
         </p:txBody>
       </p:sp>
@@ -3809,14 +3967,14 @@
             <p:ph sz="half" idx="2"/>
             <p:extLst>
               <p:ext uri="{D42A27DB-BD31-4B8C-83A1-F6EECF244321}">
-                <p14:modId xmlns:p14="http://schemas.microsoft.com/office/powerpoint/2010/main" val="2224002132"/>
+                <p14:modId xmlns:p14="http://schemas.microsoft.com/office/powerpoint/2010/main" val="3997119652"/>
               </p:ext>
             </p:extLst>
           </p:nvPr>
         </p:nvGraphicFramePr>
         <p:xfrm>
-          <a:off x="4876800" y="1600200"/>
-          <a:ext cx="4038600" cy="4800600"/>
+          <a:off x="4953000" y="2362200"/>
+          <a:ext cx="4038600" cy="3429000"/>
         </p:xfrm>
         <a:graphic>
           <a:graphicData uri="http://schemas.openxmlformats.org/drawingml/2006/table">
@@ -3835,14 +3993,26 @@
                     <a:p>
                       <a:r>
                         <a:rPr lang="en-US" dirty="0" smtClean="0"/>
-                        <a:t>Red:  0.83</a:t>
+                        <a:t>Red:  0.84</a:t>
                       </a:r>
                     </a:p>
                     <a:p>
                       <a:r>
                         <a:rPr lang="en-US" dirty="0" smtClean="0"/>
-                        <a:t>White:  0.80</a:t>
+                        <a:t>White:  0.91</a:t>
                       </a:r>
+                    </a:p>
+                  </a:txBody>
+                  <a:tcPr/>
+                </a:tc>
+              </a:tr>
+              <a:tr h="685800">
+                <a:tc>
+                  <a:txBody>
+                    <a:bodyPr/>
+                    <a:lstStyle/>
+                    <a:p>
+                      <a:endParaRPr lang="en-US" dirty="0" smtClean="0"/>
                     </a:p>
                   </a:txBody>
                   <a:tcPr/>
@@ -3856,14 +4026,36 @@
                     <a:p>
                       <a:r>
                         <a:rPr lang="en-US" dirty="0" smtClean="0"/>
-                        <a:t>Red:  0.89</a:t>
+                        <a:t>Red:  </a:t>
                       </a:r>
+                      <a:r>
+                        <a:rPr lang="en-US" dirty="0" smtClean="0"/>
+                        <a:t>0.79</a:t>
+                      </a:r>
+                      <a:endParaRPr lang="en-US" dirty="0" smtClean="0"/>
                     </a:p>
                     <a:p>
                       <a:r>
                         <a:rPr lang="en-US" dirty="0" smtClean="0"/>
-                        <a:t>White:  0.89</a:t>
+                        <a:t>White:  </a:t>
                       </a:r>
+                      <a:r>
+                        <a:rPr lang="en-US" dirty="0" smtClean="0"/>
+                        <a:t>0.75</a:t>
+                      </a:r>
+                      <a:endParaRPr lang="en-US" dirty="0" smtClean="0"/>
+                    </a:p>
+                  </a:txBody>
+                  <a:tcPr/>
+                </a:tc>
+              </a:tr>
+              <a:tr h="685800">
+                <a:tc>
+                  <a:txBody>
+                    <a:bodyPr/>
+                    <a:lstStyle/>
+                    <a:p>
+                      <a:endParaRPr lang="en-US" dirty="0" smtClean="0"/>
                     </a:p>
                   </a:txBody>
                   <a:tcPr/>
@@ -3877,98 +4069,24 @@
                     <a:p>
                       <a:r>
                         <a:rPr lang="en-US" dirty="0" smtClean="0"/>
-                        <a:t>Red:  0.85</a:t>
+                        <a:t>Red:  </a:t>
                       </a:r>
+                      <a:r>
+                        <a:rPr lang="en-US" dirty="0" smtClean="0"/>
+                        <a:t>0.38</a:t>
+                      </a:r>
+                      <a:endParaRPr lang="en-US" dirty="0" smtClean="0"/>
                     </a:p>
                     <a:p>
                       <a:r>
                         <a:rPr lang="en-US" dirty="0" smtClean="0"/>
-                        <a:t>White:  0.83</a:t>
+                        <a:t>White:  </a:t>
                       </a:r>
-                    </a:p>
-                  </a:txBody>
-                  <a:tcPr/>
-                </a:tc>
-              </a:tr>
-              <a:tr h="685800">
-                <a:tc>
-                  <a:txBody>
-                    <a:bodyPr/>
-                    <a:lstStyle/>
-                    <a:p>
                       <a:r>
                         <a:rPr lang="en-US" dirty="0" smtClean="0"/>
-                        <a:t>Red:  0.87</a:t>
+                        <a:t>0.77</a:t>
                       </a:r>
-                    </a:p>
-                    <a:p>
-                      <a:r>
-                        <a:rPr lang="en-US" dirty="0" smtClean="0"/>
-                        <a:t>White:  0.79</a:t>
-                      </a:r>
-                    </a:p>
-                  </a:txBody>
-                  <a:tcPr/>
-                </a:tc>
-              </a:tr>
-              <a:tr h="685800">
-                <a:tc>
-                  <a:txBody>
-                    <a:bodyPr/>
-                    <a:lstStyle/>
-                    <a:p>
-                      <a:r>
-                        <a:rPr lang="en-US" dirty="0" smtClean="0"/>
-                        <a:t>Red:  0.87</a:t>
-                      </a:r>
-                    </a:p>
-                    <a:p>
-                      <a:r>
-                        <a:rPr lang="en-US" dirty="0" smtClean="0"/>
-                        <a:t>White:  0.84</a:t>
-                      </a:r>
-                    </a:p>
-                  </a:txBody>
-                  <a:tcPr/>
-                </a:tc>
-              </a:tr>
-              <a:tr h="685800">
-                <a:tc>
-                  <a:txBody>
-                    <a:bodyPr/>
-                    <a:lstStyle/>
-                    <a:p>
-                      <a:r>
-                        <a:rPr lang="en-US" dirty="0" smtClean="0"/>
-                        <a:t>Red:  0.84</a:t>
-                      </a:r>
-                    </a:p>
-                    <a:p>
-                      <a:r>
-                        <a:rPr lang="en-US" dirty="0" smtClean="0"/>
-                        <a:t>White:  0.70</a:t>
-                      </a:r>
-                    </a:p>
-                  </a:txBody>
-                  <a:tcPr/>
-                </a:tc>
-              </a:tr>
-              <a:tr h="685800">
-                <a:tc>
-                  <a:txBody>
-                    <a:bodyPr/>
-                    <a:lstStyle/>
-                    <a:p>
-                      <a:r>
-                        <a:rPr lang="en-US" dirty="0" smtClean="0"/>
-                        <a:t>Red:  0.87</a:t>
-                      </a:r>
-                    </a:p>
-                    <a:p>
-                      <a:r>
-                        <a:rPr lang="en-US" dirty="0" smtClean="0"/>
-                        <a:t>White:  0.83</a:t>
-                      </a:r>
+                      <a:endParaRPr lang="en-US" dirty="0" smtClean="0"/>
                     </a:p>
                   </a:txBody>
                   <a:tcPr/>
@@ -3982,161 +4100,6 @@
     <p:extLst>
       <p:ext uri="{BB962C8B-B14F-4D97-AF65-F5344CB8AC3E}">
         <p14:creationId xmlns:p14="http://schemas.microsoft.com/office/powerpoint/2010/main" val="4205177578"/>
-      </p:ext>
-    </p:extLst>
-  </p:cSld>
-  <p:clrMapOvr>
-    <a:masterClrMapping/>
-  </p:clrMapOvr>
-</p:sld>
-</file>
-
-<file path=ppt/slides/slide13.xml><?xml version="1.0" encoding="utf-8"?>
-<p:sld xmlns:a="http://schemas.openxmlformats.org/drawingml/2006/main" xmlns:r="http://schemas.openxmlformats.org/officeDocument/2006/relationships" xmlns:p="http://schemas.openxmlformats.org/presentationml/2006/main">
-  <p:cSld>
-    <p:spTree>
-      <p:nvGrpSpPr>
-        <p:cNvPr id="1" name=""/>
-        <p:cNvGrpSpPr/>
-        <p:nvPr/>
-      </p:nvGrpSpPr>
-      <p:grpSpPr>
-        <a:xfrm>
-          <a:off x="0" y="0"/>
-          <a:ext cx="0" cy="0"/>
-          <a:chOff x="0" y="0"/>
-          <a:chExt cx="0" cy="0"/>
-        </a:xfrm>
-      </p:grpSpPr>
-      <p:sp>
-        <p:nvSpPr>
-          <p:cNvPr id="2" name="Title 1"/>
-          <p:cNvSpPr>
-            <a:spLocks noGrp="1"/>
-          </p:cNvSpPr>
-          <p:nvPr>
-            <p:ph type="title"/>
-          </p:nvPr>
-        </p:nvSpPr>
-        <p:spPr/>
-        <p:txBody>
-          <a:bodyPr>
-            <a:normAutofit fontScale="90000"/>
-          </a:bodyPr>
-          <a:lstStyle/>
-          <a:p>
-            <a:r>
-              <a:rPr lang="en-US" dirty="0">
-                <a:latin typeface="Arial" panose="020B0604020202020204" pitchFamily="34" charset="0"/>
-                <a:cs typeface="Arial" panose="020B0604020202020204" pitchFamily="34" charset="0"/>
-              </a:rPr>
-              <a:t>Feature </a:t>
-            </a:r>
-            <a:r>
-              <a:rPr lang="en-US" dirty="0" smtClean="0">
-                <a:latin typeface="Arial" panose="020B0604020202020204" pitchFamily="34" charset="0"/>
-                <a:cs typeface="Arial" panose="020B0604020202020204" pitchFamily="34" charset="0"/>
-              </a:rPr>
-              <a:t>Importance</a:t>
-            </a:r>
-            <a:br>
-              <a:rPr lang="en-US" dirty="0" smtClean="0">
-                <a:latin typeface="Arial" panose="020B0604020202020204" pitchFamily="34" charset="0"/>
-                <a:cs typeface="Arial" panose="020B0604020202020204" pitchFamily="34" charset="0"/>
-              </a:rPr>
-            </a:br>
-            <a:r>
-              <a:rPr lang="en-US" dirty="0" smtClean="0">
-                <a:latin typeface="Arial" panose="020B0604020202020204" pitchFamily="34" charset="0"/>
-                <a:cs typeface="Arial" panose="020B0604020202020204" pitchFamily="34" charset="0"/>
-              </a:rPr>
-              <a:t>Red Wine</a:t>
-            </a:r>
-            <a:endParaRPr lang="en-US" dirty="0">
-              <a:latin typeface="Arial" panose="020B0604020202020204" pitchFamily="34" charset="0"/>
-              <a:cs typeface="Arial" panose="020B0604020202020204" pitchFamily="34" charset="0"/>
-            </a:endParaRPr>
-          </a:p>
-        </p:txBody>
-      </p:sp>
-      <p:sp>
-        <p:nvSpPr>
-          <p:cNvPr id="3" name="Content Placeholder 2"/>
-          <p:cNvSpPr>
-            <a:spLocks noGrp="1"/>
-          </p:cNvSpPr>
-          <p:nvPr>
-            <p:ph sz="half" idx="1"/>
-          </p:nvPr>
-        </p:nvSpPr>
-        <p:spPr>
-          <a:xfrm>
-            <a:off x="457200" y="2514600"/>
-            <a:ext cx="7848600" cy="3611563"/>
-          </a:xfrm>
-        </p:spPr>
-        <p:txBody>
-          <a:bodyPr/>
-          <a:lstStyle/>
-          <a:p>
-            <a:endParaRPr lang="en-US" dirty="0" smtClean="0">
-              <a:latin typeface="Arial" panose="020B0604020202020204" pitchFamily="34" charset="0"/>
-              <a:cs typeface="Arial" panose="020B0604020202020204" pitchFamily="34" charset="0"/>
-            </a:endParaRPr>
-          </a:p>
-          <a:p>
-            <a:r>
-              <a:rPr lang="en-US" dirty="0" smtClean="0">
-                <a:latin typeface="Arial" panose="020B0604020202020204" pitchFamily="34" charset="0"/>
-                <a:cs typeface="Arial" panose="020B0604020202020204" pitchFamily="34" charset="0"/>
-              </a:rPr>
-              <a:t>Alcohol</a:t>
-            </a:r>
-          </a:p>
-          <a:p>
-            <a:endParaRPr lang="en-US" dirty="0" smtClean="0">
-              <a:latin typeface="Arial" panose="020B0604020202020204" pitchFamily="34" charset="0"/>
-              <a:cs typeface="Arial" panose="020B0604020202020204" pitchFamily="34" charset="0"/>
-            </a:endParaRPr>
-          </a:p>
-          <a:p>
-            <a:r>
-              <a:rPr lang="en-US" dirty="0" err="1" smtClean="0">
-                <a:latin typeface="Arial" panose="020B0604020202020204" pitchFamily="34" charset="0"/>
-                <a:cs typeface="Arial" panose="020B0604020202020204" pitchFamily="34" charset="0"/>
-              </a:rPr>
-              <a:t>Sulphates</a:t>
-            </a:r>
-            <a:endParaRPr lang="en-US" dirty="0" smtClean="0">
-              <a:latin typeface="Arial" panose="020B0604020202020204" pitchFamily="34" charset="0"/>
-              <a:cs typeface="Arial" panose="020B0604020202020204" pitchFamily="34" charset="0"/>
-            </a:endParaRPr>
-          </a:p>
-          <a:p>
-            <a:endParaRPr lang="en-US" dirty="0" smtClean="0">
-              <a:latin typeface="Arial" panose="020B0604020202020204" pitchFamily="34" charset="0"/>
-              <a:cs typeface="Arial" panose="020B0604020202020204" pitchFamily="34" charset="0"/>
-            </a:endParaRPr>
-          </a:p>
-          <a:p>
-            <a:r>
-              <a:rPr lang="en-US" dirty="0" smtClean="0">
-                <a:latin typeface="Arial" panose="020B0604020202020204" pitchFamily="34" charset="0"/>
-                <a:cs typeface="Arial" panose="020B0604020202020204" pitchFamily="34" charset="0"/>
-              </a:rPr>
-              <a:t>Volatile Acidity</a:t>
-            </a:r>
-            <a:endParaRPr lang="en-US" dirty="0">
-              <a:latin typeface="Arial" panose="020B0604020202020204" pitchFamily="34" charset="0"/>
-              <a:cs typeface="Arial" panose="020B0604020202020204" pitchFamily="34" charset="0"/>
-            </a:endParaRPr>
-          </a:p>
-        </p:txBody>
-      </p:sp>
-    </p:spTree>
-    <p:extLst>
-      <p:ext uri="{BB962C8B-B14F-4D97-AF65-F5344CB8AC3E}">
-        <p14:creationId xmlns:p14="http://schemas.microsoft.com/office/powerpoint/2010/main" val="3112083393"/>
       </p:ext>
     </p:extLst>
   </p:cSld>
@@ -4205,7 +4168,7 @@
                 <a:latin typeface="Arial" panose="020B0604020202020204" pitchFamily="34" charset="0"/>
                 <a:cs typeface="Arial" panose="020B0604020202020204" pitchFamily="34" charset="0"/>
               </a:rPr>
-              <a:t>White Wine</a:t>
+              <a:t>Red Wine</a:t>
             </a:r>
             <a:endParaRPr lang="en-US" dirty="0">
               <a:latin typeface="Arial" panose="020B0604020202020204" pitchFamily="34" charset="0"/>
@@ -4271,12 +4234,14 @@
           </a:p>
           <a:p>
             <a:r>
-              <a:rPr lang="en-US" dirty="0" smtClean="0">
-                <a:latin typeface="Arial" panose="020B0604020202020204" pitchFamily="34" charset="0"/>
-                <a:cs typeface="Arial" panose="020B0604020202020204" pitchFamily="34" charset="0"/>
-              </a:rPr>
-              <a:t>Residual Sugar</a:t>
-            </a:r>
+              <a:rPr lang="en-US" dirty="0">
+                <a:latin typeface="Arial" panose="020B0604020202020204" pitchFamily="34" charset="0"/>
+                <a:cs typeface="Arial" panose="020B0604020202020204" pitchFamily="34" charset="0"/>
+              </a:rPr>
+              <a:t>Sulphates</a:t>
+            </a:r>
+          </a:p>
+          <a:p>
             <a:endParaRPr lang="en-US" dirty="0">
               <a:latin typeface="Arial" panose="020B0604020202020204" pitchFamily="34" charset="0"/>
               <a:cs typeface="Arial" panose="020B0604020202020204" pitchFamily="34" charset="0"/>
@@ -4287,7 +4252,7 @@
     </p:spTree>
     <p:extLst>
       <p:ext uri="{BB962C8B-B14F-4D97-AF65-F5344CB8AC3E}">
-        <p14:creationId xmlns:p14="http://schemas.microsoft.com/office/powerpoint/2010/main" val="3897041146"/>
+        <p14:creationId xmlns:p14="http://schemas.microsoft.com/office/powerpoint/2010/main" val="3112083393"/>
       </p:ext>
     </p:extLst>
   </p:cSld>
@@ -4327,44 +4292,36 @@
         <p:spPr/>
         <p:txBody>
           <a:bodyPr>
-            <a:normAutofit/>
+            <a:normAutofit fontScale="90000"/>
           </a:bodyPr>
           <a:lstStyle/>
           <a:p>
             <a:r>
-              <a:rPr lang="en-US" dirty="0" err="1">
-                <a:latin typeface="Arial" panose="020B0604020202020204" pitchFamily="34" charset="0"/>
-                <a:cs typeface="Arial" panose="020B0604020202020204" pitchFamily="34" charset="0"/>
-              </a:rPr>
-              <a:t>G</a:t>
-            </a:r>
-            <a:r>
-              <a:rPr lang="en-US" dirty="0" err="1" smtClean="0">
-                <a:latin typeface="Arial" panose="020B0604020202020204" pitchFamily="34" charset="0"/>
-                <a:cs typeface="Arial" panose="020B0604020202020204" pitchFamily="34" charset="0"/>
-              </a:rPr>
-              <a:t>ridsearch</a:t>
+              <a:rPr lang="en-US" dirty="0">
+                <a:latin typeface="Arial" panose="020B0604020202020204" pitchFamily="34" charset="0"/>
+                <a:cs typeface="Arial" panose="020B0604020202020204" pitchFamily="34" charset="0"/>
+              </a:rPr>
+              <a:t>Feature </a:t>
             </a:r>
             <a:r>
               <a:rPr lang="en-US" dirty="0" smtClean="0">
                 <a:latin typeface="Arial" panose="020B0604020202020204" pitchFamily="34" charset="0"/>
                 <a:cs typeface="Arial" panose="020B0604020202020204" pitchFamily="34" charset="0"/>
               </a:rPr>
-              <a:t> </a:t>
-            </a:r>
-            <a:r>
-              <a:rPr lang="en-US" dirty="0" err="1" smtClean="0">
-                <a:latin typeface="Arial" panose="020B0604020202020204" pitchFamily="34" charset="0"/>
-                <a:cs typeface="Arial" panose="020B0604020202020204" pitchFamily="34" charset="0"/>
-              </a:rPr>
-              <a:t>Hyperparameter</a:t>
-            </a:r>
-            <a:r>
+              <a:t>Importance</a:t>
+            </a:r>
+            <a:br>
               <a:rPr lang="en-US" dirty="0" smtClean="0">
                 <a:latin typeface="Arial" panose="020B0604020202020204" pitchFamily="34" charset="0"/>
                 <a:cs typeface="Arial" panose="020B0604020202020204" pitchFamily="34" charset="0"/>
               </a:rPr>
-              <a:t> Tuning </a:t>
+            </a:br>
+            <a:r>
+              <a:rPr lang="en-US" dirty="0" smtClean="0">
+                <a:latin typeface="Arial" panose="020B0604020202020204" pitchFamily="34" charset="0"/>
+                <a:cs typeface="Arial" panose="020B0604020202020204" pitchFamily="34" charset="0"/>
+              </a:rPr>
+              <a:t>White Wine</a:t>
             </a:r>
             <a:endParaRPr lang="en-US" dirty="0">
               <a:latin typeface="Arial" panose="020B0604020202020204" pitchFamily="34" charset="0"/>
@@ -4385,81 +4342,33 @@
         </p:nvSpPr>
         <p:spPr>
           <a:xfrm>
-            <a:off x="457200" y="1600200"/>
-            <a:ext cx="8305800" cy="1752599"/>
+            <a:off x="457200" y="2514600"/>
+            <a:ext cx="7848600" cy="3611563"/>
           </a:xfrm>
         </p:spPr>
         <p:txBody>
-          <a:bodyPr>
-            <a:normAutofit/>
-          </a:bodyPr>
-          <a:lstStyle/>
+          <a:bodyPr/>
+          <a:lstStyle/>
+          <a:p>
+            <a:endParaRPr lang="en-US" dirty="0" smtClean="0">
+              <a:latin typeface="Arial" panose="020B0604020202020204" pitchFamily="34" charset="0"/>
+              <a:cs typeface="Arial" panose="020B0604020202020204" pitchFamily="34" charset="0"/>
+            </a:endParaRPr>
+          </a:p>
           <a:p>
             <a:r>
               <a:rPr lang="en-US" dirty="0" smtClean="0">
                 <a:latin typeface="Arial" panose="020B0604020202020204" pitchFamily="34" charset="0"/>
                 <a:cs typeface="Arial" panose="020B0604020202020204" pitchFamily="34" charset="0"/>
               </a:rPr>
-              <a:t>Red:</a:t>
-            </a:r>
-          </a:p>
-          <a:p>
-            <a:r>
-              <a:rPr lang="en-US" sz="1900" dirty="0" err="1" smtClean="0">
-                <a:latin typeface="Arial" panose="020B0604020202020204" pitchFamily="34" charset="0"/>
-                <a:cs typeface="Arial" panose="020B0604020202020204" pitchFamily="34" charset="0"/>
-              </a:rPr>
-              <a:t>RandomForestClassifier</a:t>
-            </a:r>
-            <a:r>
-              <a:rPr lang="en-US" sz="1900" dirty="0" smtClean="0">
-                <a:latin typeface="Arial" panose="020B0604020202020204" pitchFamily="34" charset="0"/>
-                <a:cs typeface="Arial" panose="020B0604020202020204" pitchFamily="34" charset="0"/>
-              </a:rPr>
-              <a:t>(</a:t>
-            </a:r>
-            <a:r>
-              <a:rPr lang="en-US" sz="1900" dirty="0" err="1" smtClean="0">
-                <a:latin typeface="Arial" panose="020B0604020202020204" pitchFamily="34" charset="0"/>
-                <a:cs typeface="Arial" panose="020B0604020202020204" pitchFamily="34" charset="0"/>
-              </a:rPr>
-              <a:t>max_depth</a:t>
-            </a:r>
-            <a:r>
-              <a:rPr lang="en-US" sz="1900" dirty="0" smtClean="0">
-                <a:latin typeface="Arial" panose="020B0604020202020204" pitchFamily="34" charset="0"/>
-                <a:cs typeface="Arial" panose="020B0604020202020204" pitchFamily="34" charset="0"/>
-              </a:rPr>
-              <a:t>=4, </a:t>
-            </a:r>
-            <a:r>
-              <a:rPr lang="en-US" sz="1900" dirty="0" err="1" smtClean="0">
-                <a:latin typeface="Arial" panose="020B0604020202020204" pitchFamily="34" charset="0"/>
-                <a:cs typeface="Arial" panose="020B0604020202020204" pitchFamily="34" charset="0"/>
-              </a:rPr>
-              <a:t>min_samples_leaf</a:t>
-            </a:r>
-            <a:r>
-              <a:rPr lang="en-US" sz="1900" dirty="0" smtClean="0">
-                <a:latin typeface="Arial" panose="020B0604020202020204" pitchFamily="34" charset="0"/>
-                <a:cs typeface="Arial" panose="020B0604020202020204" pitchFamily="34" charset="0"/>
-              </a:rPr>
-              <a:t>=2, </a:t>
-            </a:r>
-            <a:r>
-              <a:rPr lang="en-US" sz="1900" dirty="0" err="1" smtClean="0">
-                <a:latin typeface="Arial" panose="020B0604020202020204" pitchFamily="34" charset="0"/>
-                <a:cs typeface="Arial" panose="020B0604020202020204" pitchFamily="34" charset="0"/>
-              </a:rPr>
-              <a:t>n_estimators</a:t>
-            </a:r>
-            <a:r>
-              <a:rPr lang="en-US" sz="1900" dirty="0" smtClean="0">
-                <a:latin typeface="Arial" panose="020B0604020202020204" pitchFamily="34" charset="0"/>
-                <a:cs typeface="Arial" panose="020B0604020202020204" pitchFamily="34" charset="0"/>
-              </a:rPr>
-              <a:t>=72)</a:t>
-            </a:r>
+              <a:t>Alcohol</a:t>
+            </a:r>
+          </a:p>
+          <a:p>
+            <a:endParaRPr lang="en-US" dirty="0" smtClean="0">
+              <a:latin typeface="Arial" panose="020B0604020202020204" pitchFamily="34" charset="0"/>
+              <a:cs typeface="Arial" panose="020B0604020202020204" pitchFamily="34" charset="0"/>
+            </a:endParaRPr>
           </a:p>
           <a:p>
             <a:r>
@@ -4467,110 +4376,22 @@
                 <a:latin typeface="Arial" panose="020B0604020202020204" pitchFamily="34" charset="0"/>
                 <a:cs typeface="Arial" panose="020B0604020202020204" pitchFamily="34" charset="0"/>
               </a:rPr>
-              <a:t>0.83</a:t>
-            </a:r>
+              <a:t>Volatile Acidity</a:t>
+            </a:r>
+          </a:p>
+          <a:p>
             <a:endParaRPr lang="en-US" dirty="0">
               <a:latin typeface="Arial" panose="020B0604020202020204" pitchFamily="34" charset="0"/>
               <a:cs typeface="Arial" panose="020B0604020202020204" pitchFamily="34" charset="0"/>
             </a:endParaRPr>
           </a:p>
-        </p:txBody>
-      </p:sp>
-      <p:sp>
-        <p:nvSpPr>
-          <p:cNvPr id="4" name="Content Placeholder 3"/>
-          <p:cNvSpPr>
-            <a:spLocks noGrp="1"/>
-          </p:cNvSpPr>
-          <p:nvPr>
-            <p:ph sz="half" idx="2"/>
-          </p:nvPr>
-        </p:nvSpPr>
-        <p:spPr>
-          <a:xfrm>
-            <a:off x="457200" y="4114800"/>
-            <a:ext cx="8305800" cy="1782763"/>
-          </a:xfrm>
-        </p:spPr>
-        <p:txBody>
-          <a:bodyPr>
-            <a:normAutofit/>
-          </a:bodyPr>
-          <a:lstStyle/>
           <a:p>
             <a:r>
               <a:rPr lang="en-US" dirty="0" smtClean="0">
                 <a:latin typeface="Arial" panose="020B0604020202020204" pitchFamily="34" charset="0"/>
                 <a:cs typeface="Arial" panose="020B0604020202020204" pitchFamily="34" charset="0"/>
               </a:rPr>
-              <a:t>White:</a:t>
-            </a:r>
-          </a:p>
-          <a:p>
-            <a:r>
-              <a:rPr lang="en-US" sz="1900" dirty="0" err="1" smtClean="0">
-                <a:latin typeface="Arial" panose="020B0604020202020204" pitchFamily="34" charset="0"/>
-                <a:cs typeface="Arial" panose="020B0604020202020204" pitchFamily="34" charset="0"/>
-              </a:rPr>
-              <a:t>RandomForestClassifier</a:t>
-            </a:r>
-            <a:r>
-              <a:rPr lang="en-US" sz="1900" dirty="0" smtClean="0">
-                <a:latin typeface="Arial" panose="020B0604020202020204" pitchFamily="34" charset="0"/>
-                <a:cs typeface="Arial" panose="020B0604020202020204" pitchFamily="34" charset="0"/>
-              </a:rPr>
-              <a:t>(</a:t>
-            </a:r>
-            <a:r>
-              <a:rPr lang="en-US" sz="1900" dirty="0" err="1" smtClean="0">
-                <a:latin typeface="Arial" panose="020B0604020202020204" pitchFamily="34" charset="0"/>
-                <a:cs typeface="Arial" panose="020B0604020202020204" pitchFamily="34" charset="0"/>
-              </a:rPr>
-              <a:t>max_depth</a:t>
-            </a:r>
-            <a:r>
-              <a:rPr lang="en-US" sz="1900" dirty="0" smtClean="0">
-                <a:latin typeface="Arial" panose="020B0604020202020204" pitchFamily="34" charset="0"/>
-                <a:cs typeface="Arial" panose="020B0604020202020204" pitchFamily="34" charset="0"/>
-              </a:rPr>
-              <a:t>=4, </a:t>
-            </a:r>
-            <a:r>
-              <a:rPr lang="en-US" sz="1900" dirty="0" err="1" smtClean="0">
-                <a:latin typeface="Arial" panose="020B0604020202020204" pitchFamily="34" charset="0"/>
-                <a:cs typeface="Arial" panose="020B0604020202020204" pitchFamily="34" charset="0"/>
-              </a:rPr>
-              <a:t>min_samples_leaf</a:t>
-            </a:r>
-            <a:r>
-              <a:rPr lang="en-US" sz="1900" dirty="0" smtClean="0">
-                <a:latin typeface="Arial" panose="020B0604020202020204" pitchFamily="34" charset="0"/>
-                <a:cs typeface="Arial" panose="020B0604020202020204" pitchFamily="34" charset="0"/>
-              </a:rPr>
-              <a:t>=2, </a:t>
-            </a:r>
-            <a:r>
-              <a:rPr lang="en-US" sz="1900" dirty="0" err="1" smtClean="0">
-                <a:latin typeface="Arial" panose="020B0604020202020204" pitchFamily="34" charset="0"/>
-                <a:cs typeface="Arial" panose="020B0604020202020204" pitchFamily="34" charset="0"/>
-              </a:rPr>
-              <a:t>n_estimators</a:t>
-            </a:r>
-            <a:r>
-              <a:rPr lang="en-US" sz="1900" dirty="0" smtClean="0">
-                <a:latin typeface="Arial" panose="020B0604020202020204" pitchFamily="34" charset="0"/>
-                <a:cs typeface="Arial" panose="020B0604020202020204" pitchFamily="34" charset="0"/>
-              </a:rPr>
-              <a:t>=72)</a:t>
-            </a:r>
-          </a:p>
-          <a:p>
-            <a:r>
-              <a:rPr lang="en-US" dirty="0" smtClean="0">
-                <a:latin typeface="Arial" panose="020B0604020202020204" pitchFamily="34" charset="0"/>
-                <a:cs typeface="Arial" panose="020B0604020202020204" pitchFamily="34" charset="0"/>
-              </a:rPr>
-              <a:t>0.83</a:t>
+              <a:t>Residual Sugar</a:t>
             </a:r>
             <a:endParaRPr lang="en-US" dirty="0">
               <a:latin typeface="Arial" panose="020B0604020202020204" pitchFamily="34" charset="0"/>
@@ -4582,7 +4403,7 @@
     </p:spTree>
     <p:extLst>
       <p:ext uri="{BB962C8B-B14F-4D97-AF65-F5344CB8AC3E}">
-        <p14:creationId xmlns:p14="http://schemas.microsoft.com/office/powerpoint/2010/main" val="3774938781"/>
+        <p14:creationId xmlns:p14="http://schemas.microsoft.com/office/powerpoint/2010/main" val="3897041146"/>
       </p:ext>
     </p:extLst>
   </p:cSld>
@@ -4622,39 +4443,46 @@
         <p:spPr/>
         <p:txBody>
           <a:bodyPr>
-            <a:noAutofit/>
+            <a:normAutofit fontScale="90000"/>
           </a:bodyPr>
           <a:lstStyle/>
           <a:p>
             <a:r>
-              <a:rPr lang="en-US" sz="2800" dirty="0">
-                <a:latin typeface="Arial" panose="020B0604020202020204" pitchFamily="34" charset="0"/>
-                <a:cs typeface="Arial" panose="020B0604020202020204" pitchFamily="34" charset="0"/>
-              </a:rPr>
-              <a:t>S</a:t>
-            </a:r>
-            <a:r>
-              <a:rPr lang="en-US" sz="2800" dirty="0" smtClean="0">
-                <a:latin typeface="Arial" panose="020B0604020202020204" pitchFamily="34" charset="0"/>
-                <a:cs typeface="Arial" panose="020B0604020202020204" pitchFamily="34" charset="0"/>
-              </a:rPr>
-              <a:t>cored the Random Forest model with the new </a:t>
-            </a:r>
-            <a:r>
-              <a:rPr lang="en-US" sz="2800" dirty="0" err="1" smtClean="0">
-                <a:latin typeface="Arial" panose="020B0604020202020204" pitchFamily="34" charset="0"/>
-                <a:cs typeface="Arial" panose="020B0604020202020204" pitchFamily="34" charset="0"/>
-              </a:rPr>
-              <a:t>hyperparameters</a:t>
-            </a:r>
-            <a:r>
-              <a:rPr lang="en-US" sz="2800" dirty="0" smtClean="0">
-                <a:latin typeface="Arial" panose="020B0604020202020204" pitchFamily="34" charset="0"/>
-                <a:cs typeface="Arial" panose="020B0604020202020204" pitchFamily="34" charset="0"/>
-              </a:rPr>
-              <a:t> and ran the ROC AUC scores and curve</a:t>
-            </a:r>
-            <a:endParaRPr lang="en-US" sz="2800" dirty="0">
+              <a:rPr lang="en-US" dirty="0" err="1" smtClean="0">
+                <a:latin typeface="Arial" panose="020B0604020202020204" pitchFamily="34" charset="0"/>
+                <a:cs typeface="Arial" panose="020B0604020202020204" pitchFamily="34" charset="0"/>
+              </a:rPr>
+              <a:t>GridsearchCV</a:t>
+            </a:r>
+            <a:r>
+              <a:rPr lang="en-US" dirty="0" smtClean="0">
+                <a:latin typeface="Arial" panose="020B0604020202020204" pitchFamily="34" charset="0"/>
+                <a:cs typeface="Arial" panose="020B0604020202020204" pitchFamily="34" charset="0"/>
+              </a:rPr>
+              <a:t> </a:t>
+            </a:r>
+            <a:r>
+              <a:rPr lang="en-US" dirty="0" err="1" smtClean="0">
+                <a:latin typeface="Arial" panose="020B0604020202020204" pitchFamily="34" charset="0"/>
+                <a:cs typeface="Arial" panose="020B0604020202020204" pitchFamily="34" charset="0"/>
+              </a:rPr>
+              <a:t>Hyperparameter</a:t>
+            </a:r>
+            <a:r>
+              <a:rPr lang="en-US" dirty="0" smtClean="0">
+                <a:latin typeface="Arial" panose="020B0604020202020204" pitchFamily="34" charset="0"/>
+                <a:cs typeface="Arial" panose="020B0604020202020204" pitchFamily="34" charset="0"/>
+              </a:rPr>
+              <a:t> </a:t>
+            </a:r>
+            <a:r>
+              <a:rPr lang="en-US" dirty="0" smtClean="0">
+                <a:latin typeface="Arial" panose="020B0604020202020204" pitchFamily="34" charset="0"/>
+                <a:cs typeface="Arial" panose="020B0604020202020204" pitchFamily="34" charset="0"/>
+              </a:rPr>
+              <a:t>Tuning</a:t>
+            </a:r>
+            <a:endParaRPr lang="en-US" dirty="0">
               <a:latin typeface="Arial" panose="020B0604020202020204" pitchFamily="34" charset="0"/>
               <a:cs typeface="Arial" panose="020B0604020202020204" pitchFamily="34" charset="0"/>
             </a:endParaRPr>
@@ -4668,13 +4496,18 @@
             <a:spLocks noGrp="1"/>
           </p:cNvSpPr>
           <p:nvPr>
-            <p:ph idx="1"/>
-          </p:nvPr>
-        </p:nvSpPr>
-        <p:spPr/>
+            <p:ph sz="half" idx="1"/>
+          </p:nvPr>
+        </p:nvSpPr>
+        <p:spPr>
+          <a:xfrm>
+            <a:off x="381000" y="1752600"/>
+            <a:ext cx="8382000" cy="4724400"/>
+          </a:xfrm>
+        </p:spPr>
         <p:txBody>
           <a:bodyPr>
-            <a:normAutofit/>
+            <a:normAutofit lnSpcReduction="10000"/>
           </a:bodyPr>
           <a:lstStyle/>
           <a:p>
@@ -4689,14 +4522,7 @@
                 <a:latin typeface="Arial" panose="020B0604020202020204" pitchFamily="34" charset="0"/>
                 <a:cs typeface="Arial" panose="020B0604020202020204" pitchFamily="34" charset="0"/>
               </a:rPr>
-              <a:t>Red 0.87</a:t>
-            </a:r>
-            <a:r>
-              <a:rPr lang="en-US" dirty="0">
-                <a:latin typeface="Arial" panose="020B0604020202020204" pitchFamily="34" charset="0"/>
-                <a:cs typeface="Arial" panose="020B0604020202020204" pitchFamily="34" charset="0"/>
-              </a:rPr>
-              <a:t> </a:t>
+              <a:t>Logistic Regression</a:t>
             </a:r>
             <a:endParaRPr lang="en-US" dirty="0" smtClean="0">
               <a:latin typeface="Arial" panose="020B0604020202020204" pitchFamily="34" charset="0"/>
@@ -4705,24 +4531,35 @@
           </a:p>
           <a:p>
             <a:r>
+              <a:rPr lang="en-US" dirty="0">
+                <a:latin typeface="Arial" panose="020B0604020202020204" pitchFamily="34" charset="0"/>
+                <a:cs typeface="Arial" panose="020B0604020202020204" pitchFamily="34" charset="0"/>
+              </a:rPr>
+              <a:t>C=100, penalty='l1', solver=</a:t>
+            </a:r>
+            <a:r>
               <a:rPr lang="en-US" dirty="0" smtClean="0">
                 <a:latin typeface="Arial" panose="020B0604020202020204" pitchFamily="34" charset="0"/>
                 <a:cs typeface="Arial" panose="020B0604020202020204" pitchFamily="34" charset="0"/>
               </a:rPr>
-              <a:t>White 0.80</a:t>
-            </a:r>
-            <a:r>
-              <a:rPr lang="en-US" dirty="0">
-                <a:latin typeface="Arial" panose="020B0604020202020204" pitchFamily="34" charset="0"/>
-                <a:cs typeface="Arial" panose="020B0604020202020204" pitchFamily="34" charset="0"/>
-              </a:rPr>
-              <a:t> </a:t>
-            </a:r>
-          </a:p>
-          <a:p>
-            <a:pPr marL="0" indent="0">
-              <a:buNone/>
-            </a:pPr>
+              <a:t>'</a:t>
+            </a:r>
+            <a:r>
+              <a:rPr lang="en-US" dirty="0" err="1" smtClean="0">
+                <a:latin typeface="Arial" panose="020B0604020202020204" pitchFamily="34" charset="0"/>
+                <a:cs typeface="Arial" panose="020B0604020202020204" pitchFamily="34" charset="0"/>
+              </a:rPr>
+              <a:t>liblinear</a:t>
+            </a:r>
+            <a:r>
+              <a:rPr lang="en-US" dirty="0" smtClean="0">
+                <a:latin typeface="Arial" panose="020B0604020202020204" pitchFamily="34" charset="0"/>
+                <a:cs typeface="Arial" panose="020B0604020202020204" pitchFamily="34" charset="0"/>
+              </a:rPr>
+              <a:t>‘</a:t>
+            </a:r>
+          </a:p>
+          <a:p>
             <a:endParaRPr lang="en-US" dirty="0" smtClean="0">
               <a:latin typeface="Arial" panose="020B0604020202020204" pitchFamily="34" charset="0"/>
               <a:cs typeface="Arial" panose="020B0604020202020204" pitchFamily="34" charset="0"/>
@@ -4730,60 +4567,137 @@
           </a:p>
           <a:p>
             <a:r>
+              <a:rPr lang="en-US" dirty="0" err="1" smtClean="0">
+                <a:latin typeface="Arial" panose="020B0604020202020204" pitchFamily="34" charset="0"/>
+                <a:cs typeface="Arial" panose="020B0604020202020204" pitchFamily="34" charset="0"/>
+              </a:rPr>
+              <a:t>RandomForest</a:t>
+            </a:r>
+            <a:r>
               <a:rPr lang="en-US" dirty="0" smtClean="0">
                 <a:latin typeface="Arial" panose="020B0604020202020204" pitchFamily="34" charset="0"/>
                 <a:cs typeface="Arial" panose="020B0604020202020204" pitchFamily="34" charset="0"/>
               </a:rPr>
-              <a:t>Red ROC-AUC </a:t>
+              <a:t> Classifier</a:t>
+            </a:r>
+          </a:p>
+          <a:p>
+            <a:r>
+              <a:rPr lang="en-US" dirty="0" err="1">
+                <a:latin typeface="Arial" panose="020B0604020202020204" pitchFamily="34" charset="0"/>
+                <a:cs typeface="Arial" panose="020B0604020202020204" pitchFamily="34" charset="0"/>
+              </a:rPr>
+              <a:t>max_depth</a:t>
             </a:r>
             <a:r>
               <a:rPr lang="en-US" dirty="0">
                 <a:latin typeface="Arial" panose="020B0604020202020204" pitchFamily="34" charset="0"/>
                 <a:cs typeface="Arial" panose="020B0604020202020204" pitchFamily="34" charset="0"/>
               </a:rPr>
-              <a:t>Score: </a:t>
+              <a:t>=4, </a:t>
+            </a:r>
+            <a:r>
+              <a:rPr lang="en-US" dirty="0" err="1" smtClean="0">
+                <a:latin typeface="Arial" panose="020B0604020202020204" pitchFamily="34" charset="0"/>
+                <a:cs typeface="Arial" panose="020B0604020202020204" pitchFamily="34" charset="0"/>
+              </a:rPr>
+              <a:t>n_estimators</a:t>
             </a:r>
             <a:r>
               <a:rPr lang="en-US" dirty="0" smtClean="0">
                 <a:latin typeface="Arial" panose="020B0604020202020204" pitchFamily="34" charset="0"/>
                 <a:cs typeface="Arial" panose="020B0604020202020204" pitchFamily="34" charset="0"/>
               </a:rPr>
-              <a:t>0.79</a:t>
-            </a:r>
-          </a:p>
-          <a:p>
-            <a:r>
-              <a:rPr lang="en-US" dirty="0" smtClean="0">
-                <a:latin typeface="Arial" panose="020B0604020202020204" pitchFamily="34" charset="0"/>
-                <a:cs typeface="Arial" panose="020B0604020202020204" pitchFamily="34" charset="0"/>
-              </a:rPr>
-              <a:t>White </a:t>
-            </a:r>
-            <a:r>
-              <a:rPr lang="en-US" dirty="0">
-                <a:latin typeface="Arial" panose="020B0604020202020204" pitchFamily="34" charset="0"/>
-                <a:cs typeface="Arial" panose="020B0604020202020204" pitchFamily="34" charset="0"/>
-              </a:rPr>
-              <a:t>ROC-AUC Score: </a:t>
-            </a:r>
-            <a:r>
-              <a:rPr lang="en-US" dirty="0" smtClean="0">
-                <a:latin typeface="Arial" panose="020B0604020202020204" pitchFamily="34" charset="0"/>
-                <a:cs typeface="Arial" panose="020B0604020202020204" pitchFamily="34" charset="0"/>
-              </a:rPr>
-              <a:t>0.82</a:t>
-            </a:r>
+              <a:t>=80</a:t>
+            </a:r>
+          </a:p>
+          <a:p>
             <a:endParaRPr lang="en-US" dirty="0">
               <a:latin typeface="Arial" panose="020B0604020202020204" pitchFamily="34" charset="0"/>
               <a:cs typeface="Arial" panose="020B0604020202020204" pitchFamily="34" charset="0"/>
             </a:endParaRPr>
           </a:p>
+          <a:p>
+            <a:r>
+              <a:rPr lang="en-US" dirty="0" err="1" smtClean="0">
+                <a:latin typeface="Arial" panose="020B0604020202020204" pitchFamily="34" charset="0"/>
+                <a:cs typeface="Arial" panose="020B0604020202020204" pitchFamily="34" charset="0"/>
+              </a:rPr>
+              <a:t>Kneighbors</a:t>
+            </a:r>
+            <a:r>
+              <a:rPr lang="en-US" dirty="0" smtClean="0">
+                <a:latin typeface="Arial" panose="020B0604020202020204" pitchFamily="34" charset="0"/>
+                <a:cs typeface="Arial" panose="020B0604020202020204" pitchFamily="34" charset="0"/>
+              </a:rPr>
+              <a:t> Classifier</a:t>
+            </a:r>
+            <a:endParaRPr lang="en-US" dirty="0">
+              <a:latin typeface="Arial" panose="020B0604020202020204" pitchFamily="34" charset="0"/>
+              <a:cs typeface="Arial" panose="020B0604020202020204" pitchFamily="34" charset="0"/>
+            </a:endParaRPr>
+          </a:p>
+          <a:p>
+            <a:r>
+              <a:rPr lang="en-US" dirty="0" smtClean="0">
+                <a:latin typeface="Arial" panose="020B0604020202020204" pitchFamily="34" charset="0"/>
+                <a:cs typeface="Arial" panose="020B0604020202020204" pitchFamily="34" charset="0"/>
+              </a:rPr>
+              <a:t>algorithm</a:t>
+            </a:r>
+            <a:r>
+              <a:rPr lang="en-US" dirty="0">
+                <a:latin typeface="Arial" panose="020B0604020202020204" pitchFamily="34" charset="0"/>
+                <a:cs typeface="Arial" panose="020B0604020202020204" pitchFamily="34" charset="0"/>
+              </a:rPr>
+              <a:t>='</a:t>
+            </a:r>
+            <a:r>
+              <a:rPr lang="en-US" dirty="0" err="1">
+                <a:latin typeface="Arial" panose="020B0604020202020204" pitchFamily="34" charset="0"/>
+                <a:cs typeface="Arial" panose="020B0604020202020204" pitchFamily="34" charset="0"/>
+              </a:rPr>
+              <a:t>ball_tree</a:t>
+            </a:r>
+            <a:r>
+              <a:rPr lang="en-US" dirty="0">
+                <a:latin typeface="Arial" panose="020B0604020202020204" pitchFamily="34" charset="0"/>
+                <a:cs typeface="Arial" panose="020B0604020202020204" pitchFamily="34" charset="0"/>
+              </a:rPr>
+              <a:t>', </a:t>
+            </a:r>
+            <a:r>
+              <a:rPr lang="en-US" dirty="0" err="1">
+                <a:latin typeface="Arial" panose="020B0604020202020204" pitchFamily="34" charset="0"/>
+                <a:cs typeface="Arial" panose="020B0604020202020204" pitchFamily="34" charset="0"/>
+              </a:rPr>
+              <a:t>n_neighbors</a:t>
+            </a:r>
+            <a:r>
+              <a:rPr lang="en-US" dirty="0">
+                <a:latin typeface="Arial" panose="020B0604020202020204" pitchFamily="34" charset="0"/>
+                <a:cs typeface="Arial" panose="020B0604020202020204" pitchFamily="34" charset="0"/>
+              </a:rPr>
+              <a:t>=100, weights='distance</a:t>
+            </a:r>
+            <a:r>
+              <a:rPr lang="en-US" dirty="0" smtClean="0">
+                <a:latin typeface="Arial" panose="020B0604020202020204" pitchFamily="34" charset="0"/>
+                <a:cs typeface="Arial" panose="020B0604020202020204" pitchFamily="34" charset="0"/>
+              </a:rPr>
+              <a:t>'</a:t>
+            </a:r>
+            <a:endParaRPr lang="en-US" dirty="0">
+              <a:latin typeface="Arial" panose="020B0604020202020204" pitchFamily="34" charset="0"/>
+              <a:cs typeface="Arial" panose="020B0604020202020204" pitchFamily="34" charset="0"/>
+            </a:endParaRPr>
+          </a:p>
         </p:txBody>
       </p:sp>
     </p:spTree>
     <p:extLst>
       <p:ext uri="{BB962C8B-B14F-4D97-AF65-F5344CB8AC3E}">
-        <p14:creationId xmlns:p14="http://schemas.microsoft.com/office/powerpoint/2010/main" val="3617008834"/>
+        <p14:creationId xmlns:p14="http://schemas.microsoft.com/office/powerpoint/2010/main" val="3774938781"/>
       </p:ext>
     </p:extLst>
   </p:cSld>
@@ -4810,6 +4724,216 @@
           <a:chExt cx="0" cy="0"/>
         </a:xfrm>
       </p:grpSpPr>
+      <p:graphicFrame>
+        <p:nvGraphicFramePr>
+          <p:cNvPr id="2" name="Table 1"/>
+          <p:cNvGraphicFramePr>
+            <a:graphicFrameLocks noGrp="1"/>
+          </p:cNvGraphicFramePr>
+          <p:nvPr>
+            <p:extLst>
+              <p:ext uri="{D42A27DB-BD31-4B8C-83A1-F6EECF244321}">
+                <p14:modId xmlns:p14="http://schemas.microsoft.com/office/powerpoint/2010/main" val="1371976340"/>
+              </p:ext>
+            </p:extLst>
+          </p:nvPr>
+        </p:nvGraphicFramePr>
+        <p:xfrm>
+          <a:off x="6857082" y="609600"/>
+          <a:ext cx="762000" cy="370840"/>
+        </p:xfrm>
+        <a:graphic>
+          <a:graphicData uri="http://schemas.openxmlformats.org/drawingml/2006/table">
+            <a:tbl>
+              <a:tblPr firstRow="1" bandRow="1">
+                <a:tableStyleId>{5C22544A-7EE6-4342-B048-85BDC9FD1C3A}</a:tableStyleId>
+              </a:tblPr>
+              <a:tblGrid>
+                <a:gridCol w="762000"/>
+              </a:tblGrid>
+              <a:tr h="370840">
+                <a:tc>
+                  <a:txBody>
+                    <a:bodyPr/>
+                    <a:lstStyle/>
+                    <a:p>
+                      <a:r>
+                        <a:rPr lang="en-US" dirty="0" smtClean="0"/>
+                        <a:t>Red</a:t>
+                      </a:r>
+                      <a:endParaRPr lang="en-US" dirty="0"/>
+                    </a:p>
+                  </a:txBody>
+                  <a:tcPr/>
+                </a:tc>
+              </a:tr>
+            </a:tbl>
+          </a:graphicData>
+        </a:graphic>
+      </p:graphicFrame>
+      <p:graphicFrame>
+        <p:nvGraphicFramePr>
+          <p:cNvPr id="4" name="Table 3"/>
+          <p:cNvGraphicFramePr>
+            <a:graphicFrameLocks noGrp="1"/>
+          </p:cNvGraphicFramePr>
+          <p:nvPr>
+            <p:extLst>
+              <p:ext uri="{D42A27DB-BD31-4B8C-83A1-F6EECF244321}">
+                <p14:modId xmlns:p14="http://schemas.microsoft.com/office/powerpoint/2010/main" val="2718294974"/>
+              </p:ext>
+            </p:extLst>
+          </p:nvPr>
+        </p:nvGraphicFramePr>
+        <p:xfrm>
+          <a:off x="914400" y="6019800"/>
+          <a:ext cx="838200" cy="370840"/>
+        </p:xfrm>
+        <a:graphic>
+          <a:graphicData uri="http://schemas.openxmlformats.org/drawingml/2006/table">
+            <a:tbl>
+              <a:tblPr firstRow="1" bandRow="1">
+                <a:tableStyleId>{5C22544A-7EE6-4342-B048-85BDC9FD1C3A}</a:tableStyleId>
+              </a:tblPr>
+              <a:tblGrid>
+                <a:gridCol w="838200"/>
+              </a:tblGrid>
+              <a:tr h="370840">
+                <a:tc>
+                  <a:txBody>
+                    <a:bodyPr/>
+                    <a:lstStyle/>
+                    <a:p>
+                      <a:r>
+                        <a:rPr lang="en-US" dirty="0" smtClean="0"/>
+                        <a:t>White</a:t>
+                      </a:r>
+                      <a:endParaRPr lang="en-US" dirty="0"/>
+                    </a:p>
+                  </a:txBody>
+                  <a:tcPr/>
+                </a:tc>
+              </a:tr>
+            </a:tbl>
+          </a:graphicData>
+        </a:graphic>
+      </p:graphicFrame>
+      <p:pic>
+        <p:nvPicPr>
+          <p:cNvPr id="6" name="Picture 5"/>
+          <p:cNvPicPr/>
+          <p:nvPr/>
+        </p:nvPicPr>
+        <p:blipFill>
+          <a:blip r:embed="rId2">
+            <a:extLst>
+              <a:ext uri="{28A0092B-C50C-407E-A947-70E740481C1C}">
+                <a14:useLocalDpi xmlns:a14="http://schemas.microsoft.com/office/drawing/2010/main" val="0"/>
+              </a:ext>
+            </a:extLst>
+          </a:blip>
+          <a:stretch>
+            <a:fillRect/>
+          </a:stretch>
+        </p:blipFill>
+        <p:spPr>
+          <a:xfrm>
+            <a:off x="1905000" y="3200400"/>
+            <a:ext cx="6858000" cy="3429000"/>
+          </a:xfrm>
+          <a:prstGeom prst="rect">
+            <a:avLst/>
+          </a:prstGeom>
+        </p:spPr>
+      </p:pic>
+      <p:pic>
+        <p:nvPicPr>
+          <p:cNvPr id="7" name="Picture 6"/>
+          <p:cNvPicPr/>
+          <p:nvPr/>
+        </p:nvPicPr>
+        <p:blipFill>
+          <a:blip r:embed="rId3">
+            <a:extLst>
+              <a:ext uri="{28A0092B-C50C-407E-A947-70E740481C1C}">
+                <a14:useLocalDpi xmlns:a14="http://schemas.microsoft.com/office/drawing/2010/main" val="0"/>
+              </a:ext>
+            </a:extLst>
+          </a:blip>
+          <a:stretch>
+            <a:fillRect/>
+          </a:stretch>
+        </p:blipFill>
+        <p:spPr>
+          <a:xfrm>
+            <a:off x="0" y="152400"/>
+            <a:ext cx="6858000" cy="3429000"/>
+          </a:xfrm>
+          <a:prstGeom prst="rect">
+            <a:avLst/>
+          </a:prstGeom>
+        </p:spPr>
+      </p:pic>
+    </p:spTree>
+    <p:extLst>
+      <p:ext uri="{BB962C8B-B14F-4D97-AF65-F5344CB8AC3E}">
+        <p14:creationId xmlns:p14="http://schemas.microsoft.com/office/powerpoint/2010/main" val="1718119295"/>
+      </p:ext>
+    </p:extLst>
+  </p:cSld>
+  <p:clrMapOvr>
+    <a:masterClrMapping/>
+  </p:clrMapOvr>
+</p:sld>
+</file>
+
+<file path=ppt/slides/slide18.xml><?xml version="1.0" encoding="utf-8"?>
+<p:sld xmlns:a="http://schemas.openxmlformats.org/drawingml/2006/main" xmlns:r="http://schemas.openxmlformats.org/officeDocument/2006/relationships" xmlns:p="http://schemas.openxmlformats.org/presentationml/2006/main">
+  <p:cSld>
+    <p:spTree>
+      <p:nvGrpSpPr>
+        <p:cNvPr id="1" name=""/>
+        <p:cNvGrpSpPr/>
+        <p:nvPr/>
+      </p:nvGrpSpPr>
+      <p:grpSpPr>
+        <a:xfrm>
+          <a:off x="0" y="0"/>
+          <a:ext cx="0" cy="0"/>
+          <a:chOff x="0" y="0"/>
+          <a:chExt cx="0" cy="0"/>
+        </a:xfrm>
+      </p:grpSpPr>
+      <p:sp>
+        <p:nvSpPr>
+          <p:cNvPr id="5" name="TextBox 4"/>
+          <p:cNvSpPr txBox="1"/>
+          <p:nvPr/>
+        </p:nvSpPr>
+        <p:spPr>
+          <a:xfrm>
+            <a:off x="609600" y="381000"/>
+            <a:ext cx="6248400" cy="369332"/>
+          </a:xfrm>
+          <a:prstGeom prst="rect">
+            <a:avLst/>
+          </a:prstGeom>
+          <a:noFill/>
+        </p:spPr>
+        <p:txBody>
+          <a:bodyPr wrap="square" rtlCol="0">
+            <a:spAutoFit/>
+          </a:bodyPr>
+          <a:lstStyle/>
+          <a:p>
+            <a:r>
+              <a:rPr lang="en-US" dirty="0" smtClean="0"/>
+              <a:t>Classification Reports</a:t>
+            </a:r>
+            <a:endParaRPr lang="en-US" dirty="0"/>
+          </a:p>
+        </p:txBody>
+      </p:sp>
       <p:pic>
         <p:nvPicPr>
           <p:cNvPr id="1026" name="Picture 2"/>
@@ -4819,7 +4943,7 @@
           <p:nvPr/>
         </p:nvPicPr>
         <p:blipFill>
-          <a:blip r:embed="rId2">
+          <a:blip r:embed="rId2" cstate="print">
             <a:extLst>
               <a:ext uri="{28A0092B-C50C-407E-A947-70E740481C1C}">
                 <a14:useLocalDpi xmlns:a14="http://schemas.microsoft.com/office/drawing/2010/main" val="0"/>
@@ -4833,8 +4957,8 @@
         </p:blipFill>
         <p:spPr bwMode="auto">
           <a:xfrm>
-            <a:off x="304800" y="228600"/>
-            <a:ext cx="5943600" cy="3249613"/>
+            <a:off x="266700" y="896630"/>
+            <a:ext cx="6934200" cy="2875270"/>
           </a:xfrm>
           <a:prstGeom prst="rect">
             <a:avLst/>
@@ -4876,130 +5000,72 @@
       </p:pic>
       <p:pic>
         <p:nvPicPr>
-          <p:cNvPr id="3" name="Picture 2"/>
-          <p:cNvPicPr/>
+          <p:cNvPr id="1027" name="Picture 3"/>
+          <p:cNvPicPr>
+            <a:picLocks noChangeAspect="1" noChangeArrowheads="1"/>
+          </p:cNvPicPr>
           <p:nvPr/>
         </p:nvPicPr>
         <p:blipFill>
-          <a:blip r:embed="rId3">
+          <a:blip r:embed="rId3" cstate="print">
             <a:extLst>
               <a:ext uri="{28A0092B-C50C-407E-A947-70E740481C1C}">
                 <a14:useLocalDpi xmlns:a14="http://schemas.microsoft.com/office/drawing/2010/main" val="0"/>
               </a:ext>
             </a:extLst>
           </a:blip>
+          <a:srcRect/>
           <a:stretch>
             <a:fillRect/>
           </a:stretch>
         </p:blipFill>
-        <p:spPr>
+        <p:spPr bwMode="auto">
           <a:xfrm>
-            <a:off x="3048000" y="3609340"/>
-            <a:ext cx="5943600" cy="3248660"/>
+            <a:off x="4724400" y="3581400"/>
+            <a:ext cx="6856413" cy="2962275"/>
           </a:xfrm>
           <a:prstGeom prst="rect">
             <a:avLst/>
           </a:prstGeom>
+          <a:noFill/>
+          <a:ln>
+            <a:noFill/>
+          </a:ln>
+          <a:effectLst/>
+          <a:extLst>
+            <a:ext uri="{909E8E84-426E-40DD-AFC4-6F175D3DCCD1}">
+              <a14:hiddenFill xmlns:a14="http://schemas.microsoft.com/office/drawing/2010/main">
+                <a:solidFill>
+                  <a:schemeClr val="accent1"/>
+                </a:solidFill>
+              </a14:hiddenFill>
+            </a:ext>
+            <a:ext uri="{91240B29-F687-4F45-9708-019B960494DF}">
+              <a14:hiddenLine xmlns:a14="http://schemas.microsoft.com/office/drawing/2010/main" w="9525">
+                <a:solidFill>
+                  <a:schemeClr val="tx1"/>
+                </a:solidFill>
+                <a:miter lim="800000"/>
+                <a:headEnd/>
+                <a:tailEnd/>
+              </a14:hiddenLine>
+            </a:ext>
+            <a:ext uri="{AF507438-7753-43E0-B8FC-AC1667EBCBE1}">
+              <a14:hiddenEffects xmlns:a14="http://schemas.microsoft.com/office/drawing/2010/main">
+                <a:effectLst>
+                  <a:outerShdw dist="35921" dir="2700000" algn="ctr" rotWithShape="0">
+                    <a:schemeClr val="bg2"/>
+                  </a:outerShdw>
+                </a:effectLst>
+              </a14:hiddenEffects>
+            </a:ext>
+          </a:extLst>
         </p:spPr>
       </p:pic>
-      <p:graphicFrame>
-        <p:nvGraphicFramePr>
-          <p:cNvPr id="2" name="Table 1"/>
-          <p:cNvGraphicFramePr>
-            <a:graphicFrameLocks noGrp="1"/>
-          </p:cNvGraphicFramePr>
-          <p:nvPr>
-            <p:extLst>
-              <p:ext uri="{D42A27DB-BD31-4B8C-83A1-F6EECF244321}">
-                <p14:modId xmlns:p14="http://schemas.microsoft.com/office/powerpoint/2010/main" val="4025713819"/>
-              </p:ext>
-            </p:extLst>
-          </p:nvPr>
-        </p:nvGraphicFramePr>
-        <p:xfrm>
-          <a:off x="6400800" y="533400"/>
-          <a:ext cx="762000" cy="370840"/>
-        </p:xfrm>
-        <a:graphic>
-          <a:graphicData uri="http://schemas.openxmlformats.org/drawingml/2006/table">
-            <a:tbl>
-              <a:tblPr firstRow="1" bandRow="1">
-                <a:tableStyleId>{5C22544A-7EE6-4342-B048-85BDC9FD1C3A}</a:tableStyleId>
-              </a:tblPr>
-              <a:tblGrid>
-                <a:gridCol w="762000"/>
-              </a:tblGrid>
-              <a:tr h="370840">
-                <a:tc>
-                  <a:txBody>
-                    <a:bodyPr/>
-                    <a:lstStyle/>
-                    <a:p>
-                      <a:r>
-                        <a:rPr lang="en-US" dirty="0" smtClean="0"/>
-                        <a:t>Red</a:t>
-                      </a:r>
-                      <a:endParaRPr lang="en-US" dirty="0"/>
-                    </a:p>
-                  </a:txBody>
-                  <a:tcPr/>
-                </a:tc>
-              </a:tr>
-            </a:tbl>
-          </a:graphicData>
-        </a:graphic>
-      </p:graphicFrame>
-      <p:graphicFrame>
-        <p:nvGraphicFramePr>
-          <p:cNvPr id="4" name="Table 3"/>
-          <p:cNvGraphicFramePr>
-            <a:graphicFrameLocks noGrp="1"/>
-          </p:cNvGraphicFramePr>
-          <p:nvPr>
-            <p:extLst>
-              <p:ext uri="{D42A27DB-BD31-4B8C-83A1-F6EECF244321}">
-                <p14:modId xmlns:p14="http://schemas.microsoft.com/office/powerpoint/2010/main" val="590484213"/>
-              </p:ext>
-            </p:extLst>
-          </p:nvPr>
-        </p:nvGraphicFramePr>
-        <p:xfrm>
-          <a:off x="1981200" y="6019800"/>
-          <a:ext cx="838200" cy="370840"/>
-        </p:xfrm>
-        <a:graphic>
-          <a:graphicData uri="http://schemas.openxmlformats.org/drawingml/2006/table">
-            <a:tbl>
-              <a:tblPr firstRow="1" bandRow="1">
-                <a:tableStyleId>{5C22544A-7EE6-4342-B048-85BDC9FD1C3A}</a:tableStyleId>
-              </a:tblPr>
-              <a:tblGrid>
-                <a:gridCol w="838200"/>
-              </a:tblGrid>
-              <a:tr h="370840">
-                <a:tc>
-                  <a:txBody>
-                    <a:bodyPr/>
-                    <a:lstStyle/>
-                    <a:p>
-                      <a:r>
-                        <a:rPr lang="en-US" dirty="0" smtClean="0"/>
-                        <a:t>White</a:t>
-                      </a:r>
-                      <a:endParaRPr lang="en-US" dirty="0"/>
-                    </a:p>
-                  </a:txBody>
-                  <a:tcPr/>
-                </a:tc>
-              </a:tr>
-            </a:tbl>
-          </a:graphicData>
-        </a:graphic>
-      </p:graphicFrame>
     </p:spTree>
     <p:extLst>
       <p:ext uri="{BB962C8B-B14F-4D97-AF65-F5344CB8AC3E}">
-        <p14:creationId xmlns:p14="http://schemas.microsoft.com/office/powerpoint/2010/main" val="1718119295"/>
+        <p14:creationId xmlns:p14="http://schemas.microsoft.com/office/powerpoint/2010/main" val="4000516105"/>
       </p:ext>
     </p:extLst>
   </p:cSld>
@@ -5009,7 +5075,7 @@
 </p:sld>
 </file>
 
-<file path=ppt/slides/slide18.xml><?xml version="1.0" encoding="utf-8"?>
+<file path=ppt/slides/slide19.xml><?xml version="1.0" encoding="utf-8"?>
 <p:sld xmlns:a="http://schemas.openxmlformats.org/drawingml/2006/main" xmlns:r="http://schemas.openxmlformats.org/officeDocument/2006/relationships" xmlns:p="http://schemas.openxmlformats.org/presentationml/2006/main">
   <p:cSld>
     <p:spTree>
@@ -5026,70 +5092,106 @@
           <a:chExt cx="0" cy="0"/>
         </a:xfrm>
       </p:grpSpPr>
-      <p:pic>
-        <p:nvPicPr>
-          <p:cNvPr id="3" name="Picture 2"/>
-          <p:cNvPicPr>
-            <a:picLocks noChangeAspect="1"/>
-          </p:cNvPicPr>
-          <p:nvPr/>
-        </p:nvPicPr>
-        <p:blipFill>
-          <a:blip r:embed="rId2">
-            <a:extLst>
-              <a:ext uri="{28A0092B-C50C-407E-A947-70E740481C1C}">
-                <a14:useLocalDpi xmlns:a14="http://schemas.microsoft.com/office/drawing/2010/main" val="0"/>
-              </a:ext>
-            </a:extLst>
-          </a:blip>
-          <a:stretch>
-            <a:fillRect/>
-          </a:stretch>
-        </p:blipFill>
+      <p:sp>
+        <p:nvSpPr>
+          <p:cNvPr id="2" name="Title 1"/>
+          <p:cNvSpPr>
+            <a:spLocks noGrp="1"/>
+          </p:cNvSpPr>
+          <p:nvPr>
+            <p:ph type="title"/>
+          </p:nvPr>
+        </p:nvSpPr>
+        <p:spPr/>
+        <p:txBody>
+          <a:bodyPr>
+            <a:normAutofit/>
+          </a:bodyPr>
+          <a:lstStyle/>
+          <a:p>
+            <a:r>
+              <a:rPr lang="en-US" dirty="0" smtClean="0"/>
+              <a:t>Conclusion</a:t>
+            </a:r>
+            <a:endParaRPr lang="en-US" dirty="0"/>
+          </a:p>
+        </p:txBody>
+      </p:sp>
+      <p:sp>
+        <p:nvSpPr>
+          <p:cNvPr id="3" name="Content Placeholder 2"/>
+          <p:cNvSpPr>
+            <a:spLocks noGrp="1"/>
+          </p:cNvSpPr>
+          <p:nvPr>
+            <p:ph idx="1"/>
+          </p:nvPr>
+        </p:nvSpPr>
         <p:spPr>
           <a:xfrm>
-            <a:off x="152400" y="990600"/>
-            <a:ext cx="7620000" cy="5095875"/>
+            <a:off x="457200" y="1371600"/>
+            <a:ext cx="8229600" cy="4525963"/>
           </a:xfrm>
-          <a:prstGeom prst="rect">
-            <a:avLst/>
-          </a:prstGeom>
         </p:spPr>
-      </p:pic>
-      <p:sp>
-        <p:nvSpPr>
-          <p:cNvPr id="5" name="TextBox 4"/>
-          <p:cNvSpPr txBox="1"/>
-          <p:nvPr/>
-        </p:nvSpPr>
-        <p:spPr>
-          <a:xfrm>
-            <a:off x="609600" y="381000"/>
-            <a:ext cx="6248400" cy="369332"/>
-          </a:xfrm>
-          <a:prstGeom prst="rect">
-            <a:avLst/>
-          </a:prstGeom>
-          <a:noFill/>
-        </p:spPr>
-        <p:txBody>
-          <a:bodyPr wrap="square" rtlCol="0">
-            <a:spAutoFit/>
+        <p:txBody>
+          <a:bodyPr>
+            <a:noAutofit/>
           </a:bodyPr>
           <a:lstStyle/>
           <a:p>
-            <a:r>
-              <a:rPr lang="en-US" dirty="0" smtClean="0"/>
-              <a:t>Classification Reports</a:t>
-            </a:r>
-            <a:endParaRPr lang="en-US" dirty="0"/>
+            <a:pPr marL="0" indent="0">
+              <a:buNone/>
+            </a:pPr>
+            <a:r>
+              <a:rPr lang="en-US" sz="1600" dirty="0">
+                <a:latin typeface="Arial" panose="020B0604020202020204" pitchFamily="34" charset="0"/>
+                <a:cs typeface="Arial" panose="020B0604020202020204" pitchFamily="34" charset="0"/>
+              </a:rPr>
+              <a:t>By analyzing the physicochemical data of red and white wines, I was able to create a model that can help industry producers, distributors, and sellers predict the quality of red wine products and have a better understanding of each critical feature. I found the Logistic Regression model performed better than the other two models. I determined three features most influential for both red and white wines. Red: volatile acidity, sulphates, and alcohol content. White: volatile acidity, residual sugars, and alcohol content. To be more specific, high-quality red wines seem to have lower volatile acidity, higher alcohol, and medium-to-high sulphates. Meanwhile, higher quality white wines also have low volatile acidity and high alcohol content, but differ in due to lower residual sugars. </a:t>
+            </a:r>
+            <a:endParaRPr lang="en-US" sz="1600" dirty="0" smtClean="0">
+              <a:latin typeface="Arial" panose="020B0604020202020204" pitchFamily="34" charset="0"/>
+              <a:cs typeface="Arial" panose="020B0604020202020204" pitchFamily="34" charset="0"/>
+            </a:endParaRPr>
+          </a:p>
+          <a:p>
+            <a:pPr marL="0" indent="0">
+              <a:buNone/>
+            </a:pPr>
+            <a:endParaRPr lang="en-US" sz="1600" dirty="0">
+              <a:latin typeface="Arial" panose="020B0604020202020204" pitchFamily="34" charset="0"/>
+              <a:cs typeface="Arial" panose="020B0604020202020204" pitchFamily="34" charset="0"/>
+            </a:endParaRPr>
+          </a:p>
+          <a:p>
+            <a:pPr marL="0" indent="0">
+              <a:buNone/>
+            </a:pPr>
+            <a:r>
+              <a:rPr lang="en-US" sz="1600" dirty="0">
+                <a:latin typeface="Arial" panose="020B0604020202020204" pitchFamily="34" charset="0"/>
+                <a:cs typeface="Arial" panose="020B0604020202020204" pitchFamily="34" charset="0"/>
+              </a:rPr>
+              <a:t>This analysis comes with some limitations. First, the data set is unbalanced. A majority of the quality values were 5 and 6, which makes no significant contribution to finding an optimal model. These values make it harder to identify each features exact influence on a “high” or “low” quality of the wine, which was the main focus of this analysis. In order to improve the predictive model, more balanced data is needed. Another limitation worth mentioning is that the dataset only has 12 attributes, which reduces the accuracy of the predictive models. The solution for this is to include more relevant data features, such as the year of harvest, amount of brew time, or grape type. Different performance measures and/or machine learning techniques could also be utilized to find better performance and model comparisons</a:t>
+            </a:r>
+            <a:r>
+              <a:rPr lang="en-US" sz="1600" dirty="0" smtClean="0">
+                <a:latin typeface="Arial" panose="020B0604020202020204" pitchFamily="34" charset="0"/>
+                <a:cs typeface="Arial" panose="020B0604020202020204" pitchFamily="34" charset="0"/>
+              </a:rPr>
+              <a:t>.</a:t>
+            </a:r>
+            <a:endParaRPr lang="en-US" sz="1600" dirty="0">
+              <a:latin typeface="Arial" panose="020B0604020202020204" pitchFamily="34" charset="0"/>
+              <a:cs typeface="Arial" panose="020B0604020202020204" pitchFamily="34" charset="0"/>
+            </a:endParaRPr>
           </a:p>
         </p:txBody>
       </p:sp>
     </p:spTree>
     <p:extLst>
       <p:ext uri="{BB962C8B-B14F-4D97-AF65-F5344CB8AC3E}">
-        <p14:creationId xmlns:p14="http://schemas.microsoft.com/office/powerpoint/2010/main" val="4000516105"/>
+        <p14:creationId xmlns:p14="http://schemas.microsoft.com/office/powerpoint/2010/main" val="273432932"/>
       </p:ext>
     </p:extLst>
   </p:cSld>
@@ -5653,8 +5755,8 @@
         </p:blipFill>
         <p:spPr>
           <a:xfrm>
-            <a:off x="683472" y="762000"/>
-            <a:ext cx="8110357" cy="5562600"/>
+            <a:off x="733287" y="457200"/>
+            <a:ext cx="8105913" cy="5559552"/>
           </a:xfrm>
           <a:prstGeom prst="rect">
             <a:avLst/>
@@ -5664,7 +5766,7 @@
     </p:spTree>
     <p:extLst>
       <p:ext uri="{BB962C8B-B14F-4D97-AF65-F5344CB8AC3E}">
-        <p14:creationId xmlns:p14="http://schemas.microsoft.com/office/powerpoint/2010/main" val="941629924"/>
+        <p14:creationId xmlns:p14="http://schemas.microsoft.com/office/powerpoint/2010/main" val="2745622519"/>
       </p:ext>
     </p:extLst>
   </p:cSld>
@@ -5713,8 +5815,8 @@
         </p:blipFill>
         <p:spPr>
           <a:xfrm>
-            <a:off x="127969" y="457200"/>
-            <a:ext cx="8776962" cy="6019800"/>
+            <a:off x="683472" y="609600"/>
+            <a:ext cx="8110357" cy="5562600"/>
           </a:xfrm>
           <a:prstGeom prst="rect">
             <a:avLst/>
@@ -5724,7 +5826,7 @@
     </p:spTree>
     <p:extLst>
       <p:ext uri="{BB962C8B-B14F-4D97-AF65-F5344CB8AC3E}">
-        <p14:creationId xmlns:p14="http://schemas.microsoft.com/office/powerpoint/2010/main" val="2745622519"/>
+        <p14:creationId xmlns:p14="http://schemas.microsoft.com/office/powerpoint/2010/main" val="941629924"/>
       </p:ext>
     </p:extLst>
   </p:cSld>
@@ -5751,86 +5853,13 @@
           <a:chExt cx="0" cy="0"/>
         </a:xfrm>
       </p:grpSpPr>
-      <p:sp>
-        <p:nvSpPr>
-          <p:cNvPr id="2" name="Title 1"/>
-          <p:cNvSpPr>
-            <a:spLocks noGrp="1"/>
-          </p:cNvSpPr>
-          <p:nvPr>
-            <p:ph type="title"/>
-          </p:nvPr>
-        </p:nvSpPr>
-        <p:spPr/>
-        <p:txBody>
-          <a:bodyPr>
-            <a:normAutofit fontScale="90000"/>
-          </a:bodyPr>
-          <a:lstStyle/>
-          <a:p>
-            <a:r>
-              <a:rPr lang="en-US" sz="2400" dirty="0" smtClean="0">
-                <a:latin typeface="Arial" panose="020B0604020202020204" pitchFamily="34" charset="0"/>
-                <a:cs typeface="Arial" panose="020B0604020202020204" pitchFamily="34" charset="0"/>
-              </a:rPr>
-              <a:t>The Correlation </a:t>
-            </a:r>
-            <a:r>
-              <a:rPr lang="en-US" sz="2400" dirty="0" err="1" smtClean="0">
-                <a:latin typeface="Arial" panose="020B0604020202020204" pitchFamily="34" charset="0"/>
-                <a:cs typeface="Arial" panose="020B0604020202020204" pitchFamily="34" charset="0"/>
-              </a:rPr>
-              <a:t>Heatmap</a:t>
-            </a:r>
-            <a:r>
-              <a:rPr lang="en-US" sz="2400" dirty="0">
-                <a:latin typeface="Arial" panose="020B0604020202020204" pitchFamily="34" charset="0"/>
-                <a:cs typeface="Arial" panose="020B0604020202020204" pitchFamily="34" charset="0"/>
-              </a:rPr>
-              <a:t/>
-            </a:r>
-            <a:br>
-              <a:rPr lang="en-US" sz="2400" dirty="0">
-                <a:latin typeface="Arial" panose="020B0604020202020204" pitchFamily="34" charset="0"/>
-                <a:cs typeface="Arial" panose="020B0604020202020204" pitchFamily="34" charset="0"/>
-              </a:rPr>
-            </a:br>
-            <a:r>
-              <a:rPr lang="en-US" sz="2400" dirty="0" smtClean="0">
-                <a:latin typeface="Arial" panose="020B0604020202020204" pitchFamily="34" charset="0"/>
-                <a:cs typeface="Arial" panose="020B0604020202020204" pitchFamily="34" charset="0"/>
-              </a:rPr>
-              <a:t>alcohol and density have a fairly high negative correlation </a:t>
-            </a:r>
-            <a:br>
-              <a:rPr lang="en-US" sz="2400" dirty="0" smtClean="0">
-                <a:latin typeface="Arial" panose="020B0604020202020204" pitchFamily="34" charset="0"/>
-                <a:cs typeface="Arial" panose="020B0604020202020204" pitchFamily="34" charset="0"/>
-              </a:rPr>
-            </a:br>
-            <a:r>
-              <a:rPr lang="en-US" sz="2400" dirty="0" smtClean="0">
-                <a:latin typeface="Arial" panose="020B0604020202020204" pitchFamily="34" charset="0"/>
-                <a:cs typeface="Arial" panose="020B0604020202020204" pitchFamily="34" charset="0"/>
-              </a:rPr>
-              <a:t>free &amp; total sulfur dioxide have a fairly high positive correlation</a:t>
-            </a:r>
-            <a:endParaRPr lang="en-US" sz="2400" dirty="0">
-              <a:latin typeface="Arial" panose="020B0604020202020204" pitchFamily="34" charset="0"/>
-              <a:cs typeface="Arial" panose="020B0604020202020204" pitchFamily="34" charset="0"/>
-            </a:endParaRPr>
-          </a:p>
-        </p:txBody>
-      </p:sp>
       <p:pic>
         <p:nvPicPr>
-          <p:cNvPr id="4" name="Content Placeholder 3"/>
+          <p:cNvPr id="2" name="Picture 1"/>
           <p:cNvPicPr>
-            <a:picLocks noGrp="1" noChangeAspect="1"/>
+            <a:picLocks noChangeAspect="1"/>
           </p:cNvPicPr>
-          <p:nvPr>
-            <p:ph idx="1"/>
-          </p:nvPr>
+          <p:nvPr/>
         </p:nvPicPr>
         <p:blipFill>
           <a:blip r:embed="rId2">
@@ -5846,15 +5875,18 @@
         </p:blipFill>
         <p:spPr>
           <a:xfrm>
-            <a:off x="1828801" y="1386527"/>
-            <a:ext cx="5722726" cy="5166673"/>
+            <a:off x="292492" y="762000"/>
+            <a:ext cx="8318108" cy="5559552"/>
           </a:xfrm>
+          <a:prstGeom prst="rect">
+            <a:avLst/>
+          </a:prstGeom>
         </p:spPr>
       </p:pic>
     </p:spTree>
     <p:extLst>
       <p:ext uri="{BB962C8B-B14F-4D97-AF65-F5344CB8AC3E}">
-        <p14:creationId xmlns:p14="http://schemas.microsoft.com/office/powerpoint/2010/main" val="2153618539"/>
+        <p14:creationId xmlns:p14="http://schemas.microsoft.com/office/powerpoint/2010/main" val="2093306614"/>
       </p:ext>
     </p:extLst>
   </p:cSld>
@@ -5893,124 +5925,98 @@
         </p:nvSpPr>
         <p:spPr/>
         <p:txBody>
-          <a:bodyPr/>
-          <a:lstStyle/>
-          <a:p>
-            <a:r>
-              <a:rPr lang="en-US" b="1" dirty="0">
-                <a:latin typeface="Arial" panose="020B0604020202020204" pitchFamily="34" charset="0"/>
-                <a:cs typeface="Arial" panose="020B0604020202020204" pitchFamily="34" charset="0"/>
-              </a:rPr>
-              <a:t>Preprocessing and Modeling</a:t>
-            </a:r>
-            <a:endParaRPr lang="en-US" dirty="0">
+          <a:bodyPr>
+            <a:normAutofit fontScale="90000"/>
+          </a:bodyPr>
+          <a:lstStyle/>
+          <a:p>
+            <a:r>
+              <a:rPr lang="en-US" sz="2400" dirty="0" smtClean="0">
+                <a:latin typeface="Arial" panose="020B0604020202020204" pitchFamily="34" charset="0"/>
+                <a:cs typeface="Arial" panose="020B0604020202020204" pitchFamily="34" charset="0"/>
+              </a:rPr>
+              <a:t>The Correlation </a:t>
+            </a:r>
+            <a:r>
+              <a:rPr lang="en-US" sz="2400" dirty="0" err="1" smtClean="0">
+                <a:latin typeface="Arial" panose="020B0604020202020204" pitchFamily="34" charset="0"/>
+                <a:cs typeface="Arial" panose="020B0604020202020204" pitchFamily="34" charset="0"/>
+              </a:rPr>
+              <a:t>Heatmap</a:t>
+            </a:r>
+            <a:r>
+              <a:rPr lang="en-US" sz="2400" dirty="0">
+                <a:latin typeface="Arial" panose="020B0604020202020204" pitchFamily="34" charset="0"/>
+                <a:cs typeface="Arial" panose="020B0604020202020204" pitchFamily="34" charset="0"/>
+              </a:rPr>
+              <a:t/>
+            </a:r>
+            <a:br>
+              <a:rPr lang="en-US" sz="2400" dirty="0">
+                <a:latin typeface="Arial" panose="020B0604020202020204" pitchFamily="34" charset="0"/>
+                <a:cs typeface="Arial" panose="020B0604020202020204" pitchFamily="34" charset="0"/>
+              </a:rPr>
+            </a:br>
+            <a:r>
+              <a:rPr lang="en-US" sz="2400" dirty="0" smtClean="0">
+                <a:latin typeface="Arial" panose="020B0604020202020204" pitchFamily="34" charset="0"/>
+                <a:cs typeface="Arial" panose="020B0604020202020204" pitchFamily="34" charset="0"/>
+              </a:rPr>
+              <a:t>alcohol and density have a fairly high negative correlation </a:t>
+            </a:r>
+            <a:br>
+              <a:rPr lang="en-US" sz="2400" dirty="0" smtClean="0">
+                <a:latin typeface="Arial" panose="020B0604020202020204" pitchFamily="34" charset="0"/>
+                <a:cs typeface="Arial" panose="020B0604020202020204" pitchFamily="34" charset="0"/>
+              </a:rPr>
+            </a:br>
+            <a:r>
+              <a:rPr lang="en-US" sz="2400" dirty="0" smtClean="0">
+                <a:latin typeface="Arial" panose="020B0604020202020204" pitchFamily="34" charset="0"/>
+                <a:cs typeface="Arial" panose="020B0604020202020204" pitchFamily="34" charset="0"/>
+              </a:rPr>
+              <a:t>free &amp; total sulfur dioxide have a fairly high positive correlation</a:t>
+            </a:r>
+            <a:endParaRPr lang="en-US" sz="2400" dirty="0">
               <a:latin typeface="Arial" panose="020B0604020202020204" pitchFamily="34" charset="0"/>
               <a:cs typeface="Arial" panose="020B0604020202020204" pitchFamily="34" charset="0"/>
             </a:endParaRPr>
           </a:p>
         </p:txBody>
       </p:sp>
-      <p:sp>
-        <p:nvSpPr>
-          <p:cNvPr id="3" name="Content Placeholder 2"/>
-          <p:cNvSpPr>
-            <a:spLocks noGrp="1"/>
-          </p:cNvSpPr>
+      <p:pic>
+        <p:nvPicPr>
+          <p:cNvPr id="4" name="Content Placeholder 3"/>
+          <p:cNvPicPr>
+            <a:picLocks noGrp="1" noChangeAspect="1"/>
+          </p:cNvPicPr>
           <p:nvPr>
             <p:ph idx="1"/>
           </p:nvPr>
-        </p:nvSpPr>
+        </p:nvPicPr>
+        <p:blipFill>
+          <a:blip r:embed="rId2">
+            <a:extLst>
+              <a:ext uri="{28A0092B-C50C-407E-A947-70E740481C1C}">
+                <a14:useLocalDpi xmlns:a14="http://schemas.microsoft.com/office/drawing/2010/main" val="0"/>
+              </a:ext>
+            </a:extLst>
+          </a:blip>
+          <a:stretch>
+            <a:fillRect/>
+          </a:stretch>
+        </p:blipFill>
         <p:spPr>
           <a:xfrm>
-            <a:off x="304800" y="2133600"/>
-            <a:ext cx="8382000" cy="3962399"/>
+            <a:off x="1828801" y="1386527"/>
+            <a:ext cx="5722726" cy="5166673"/>
           </a:xfrm>
         </p:spPr>
-        <p:txBody>
-          <a:bodyPr>
-            <a:normAutofit/>
-          </a:bodyPr>
-          <a:lstStyle/>
-          <a:p>
-            <a:r>
-              <a:rPr lang="en-US" dirty="0" smtClean="0">
-                <a:latin typeface="Arial" panose="020B0604020202020204" pitchFamily="34" charset="0"/>
-                <a:cs typeface="Arial" panose="020B0604020202020204" pitchFamily="34" charset="0"/>
-              </a:rPr>
-              <a:t>Split the </a:t>
-            </a:r>
-            <a:r>
-              <a:rPr lang="en-US" dirty="0">
-                <a:latin typeface="Arial" panose="020B0604020202020204" pitchFamily="34" charset="0"/>
-                <a:cs typeface="Arial" panose="020B0604020202020204" pitchFamily="34" charset="0"/>
-              </a:rPr>
-              <a:t>data into high and low quality wines, as well as red and white, for a total of two subsets of data:  Red and White. </a:t>
-            </a:r>
-            <a:endParaRPr lang="en-US" dirty="0" smtClean="0">
-              <a:latin typeface="Arial" panose="020B0604020202020204" pitchFamily="34" charset="0"/>
-              <a:cs typeface="Arial" panose="020B0604020202020204" pitchFamily="34" charset="0"/>
-            </a:endParaRPr>
-          </a:p>
-          <a:p>
-            <a:r>
-              <a:rPr lang="en-US" dirty="0" smtClean="0">
-                <a:latin typeface="Arial" panose="020B0604020202020204" pitchFamily="34" charset="0"/>
-                <a:cs typeface="Arial" panose="020B0604020202020204" pitchFamily="34" charset="0"/>
-              </a:rPr>
-              <a:t>The </a:t>
-            </a:r>
-            <a:r>
-              <a:rPr lang="en-US" dirty="0">
-                <a:latin typeface="Arial" panose="020B0604020202020204" pitchFamily="34" charset="0"/>
-                <a:cs typeface="Arial" panose="020B0604020202020204" pitchFamily="34" charset="0"/>
-              </a:rPr>
-              <a:t>data was then scaled </a:t>
-            </a:r>
-            <a:endParaRPr lang="en-US" dirty="0" smtClean="0">
-              <a:latin typeface="Arial" panose="020B0604020202020204" pitchFamily="34" charset="0"/>
-              <a:cs typeface="Arial" panose="020B0604020202020204" pitchFamily="34" charset="0"/>
-            </a:endParaRPr>
-          </a:p>
-          <a:p>
-            <a:r>
-              <a:rPr lang="en-US" dirty="0" smtClean="0">
-                <a:latin typeface="Arial" panose="020B0604020202020204" pitchFamily="34" charset="0"/>
-                <a:cs typeface="Arial" panose="020B0604020202020204" pitchFamily="34" charset="0"/>
-              </a:rPr>
-              <a:t>I didn’t find </a:t>
-            </a:r>
-            <a:r>
-              <a:rPr lang="en-US" dirty="0">
-                <a:latin typeface="Arial" panose="020B0604020202020204" pitchFamily="34" charset="0"/>
-                <a:cs typeface="Arial" panose="020B0604020202020204" pitchFamily="34" charset="0"/>
-              </a:rPr>
-              <a:t>any features to leave out </a:t>
-            </a:r>
-            <a:r>
-              <a:rPr lang="en-US" dirty="0" smtClean="0">
-                <a:latin typeface="Arial" panose="020B0604020202020204" pitchFamily="34" charset="0"/>
-                <a:cs typeface="Arial" panose="020B0604020202020204" pitchFamily="34" charset="0"/>
-              </a:rPr>
-              <a:t>due </a:t>
-            </a:r>
-            <a:r>
-              <a:rPr lang="en-US" dirty="0">
-                <a:latin typeface="Arial" panose="020B0604020202020204" pitchFamily="34" charset="0"/>
-                <a:cs typeface="Arial" panose="020B0604020202020204" pitchFamily="34" charset="0"/>
-              </a:rPr>
-              <a:t>to high correlation </a:t>
-            </a:r>
-            <a:endParaRPr lang="en-US" dirty="0" smtClean="0">
-              <a:latin typeface="Arial" panose="020B0604020202020204" pitchFamily="34" charset="0"/>
-              <a:cs typeface="Arial" panose="020B0604020202020204" pitchFamily="34" charset="0"/>
-            </a:endParaRPr>
-          </a:p>
-        </p:txBody>
-      </p:sp>
+      </p:pic>
     </p:spTree>
     <p:extLst>
       <p:ext uri="{BB962C8B-B14F-4D97-AF65-F5344CB8AC3E}">
-        <p14:creationId xmlns:p14="http://schemas.microsoft.com/office/powerpoint/2010/main" val="1439704083"/>
+        <p14:creationId xmlns:p14="http://schemas.microsoft.com/office/powerpoint/2010/main" val="2153618539"/>
       </p:ext>
     </p:extLst>
   </p:cSld>
